--- a/Brooklyn_House_Price_Time_Series.pptx
+++ b/Brooklyn_House_Price_Time_Series.pptx
@@ -5,7 +5,7 @@
     <p:sldMasterId id="2147483702" r:id="rId1"/>
   </p:sldMasterIdLst>
   <p:notesMasterIdLst>
-    <p:notesMasterId r:id="rId10"/>
+    <p:notesMasterId r:id="rId11"/>
   </p:notesMasterIdLst>
   <p:sldIdLst>
     <p:sldId id="257" r:id="rId2"/>
@@ -16,6 +16,7 @@
     <p:sldId id="260" r:id="rId7"/>
     <p:sldId id="264" r:id="rId8"/>
     <p:sldId id="262" r:id="rId9"/>
+    <p:sldId id="265" r:id="rId10"/>
   </p:sldIdLst>
   <p:sldSz cx="12192000" cy="6858000"/>
   <p:notesSz cx="6858000" cy="9144000"/>
@@ -122,6 +123,4275 @@
 </p:presentation>
 </file>
 
+<file path=ppt/diagrams/colors1.xml><?xml version="1.0" encoding="utf-8"?>
+<dgm:colorsDef xmlns:dgm="http://schemas.openxmlformats.org/drawingml/2006/diagram" xmlns:a="http://schemas.openxmlformats.org/drawingml/2006/main" uniqueId="urn:microsoft.com/office/officeart/2005/8/colors/colorful2">
+  <dgm:title val=""/>
+  <dgm:desc val=""/>
+  <dgm:catLst>
+    <dgm:cat type="colorful" pri="10200"/>
+  </dgm:catLst>
+  <dgm:styleLbl name="node0">
+    <dgm:fillClrLst meth="repeat">
+      <a:schemeClr val="accent1"/>
+    </dgm:fillClrLst>
+    <dgm:linClrLst meth="repeat">
+      <a:schemeClr val="lt1"/>
+    </dgm:linClrLst>
+    <dgm:effectClrLst/>
+    <dgm:txLinClrLst/>
+    <dgm:txFillClrLst/>
+    <dgm:txEffectClrLst/>
+  </dgm:styleLbl>
+  <dgm:styleLbl name="node1">
+    <dgm:fillClrLst>
+      <a:schemeClr val="accent2"/>
+      <a:schemeClr val="accent3"/>
+    </dgm:fillClrLst>
+    <dgm:linClrLst meth="repeat">
+      <a:schemeClr val="lt1"/>
+    </dgm:linClrLst>
+    <dgm:effectClrLst/>
+    <dgm:txLinClrLst/>
+    <dgm:txFillClrLst/>
+    <dgm:txEffectClrLst/>
+  </dgm:styleLbl>
+  <dgm:styleLbl name="alignNode1">
+    <dgm:fillClrLst>
+      <a:schemeClr val="accent2"/>
+      <a:schemeClr val="accent3"/>
+    </dgm:fillClrLst>
+    <dgm:linClrLst>
+      <a:schemeClr val="accent2"/>
+      <a:schemeClr val="accent3"/>
+    </dgm:linClrLst>
+    <dgm:effectClrLst/>
+    <dgm:txLinClrLst/>
+    <dgm:txFillClrLst/>
+    <dgm:txEffectClrLst/>
+  </dgm:styleLbl>
+  <dgm:styleLbl name="lnNode1">
+    <dgm:fillClrLst>
+      <a:schemeClr val="accent2"/>
+      <a:schemeClr val="accent3"/>
+    </dgm:fillClrLst>
+    <dgm:linClrLst meth="repeat">
+      <a:schemeClr val="lt1"/>
+    </dgm:linClrLst>
+    <dgm:effectClrLst/>
+    <dgm:txLinClrLst/>
+    <dgm:txFillClrLst/>
+    <dgm:txEffectClrLst/>
+  </dgm:styleLbl>
+  <dgm:styleLbl name="vennNode1">
+    <dgm:fillClrLst>
+      <a:schemeClr val="accent2">
+        <a:alpha val="50000"/>
+      </a:schemeClr>
+      <a:schemeClr val="accent3">
+        <a:alpha val="50000"/>
+      </a:schemeClr>
+    </dgm:fillClrLst>
+    <dgm:linClrLst meth="repeat">
+      <a:schemeClr val="lt1"/>
+    </dgm:linClrLst>
+    <dgm:effectClrLst/>
+    <dgm:txLinClrLst/>
+    <dgm:txFillClrLst/>
+    <dgm:txEffectClrLst/>
+  </dgm:styleLbl>
+  <dgm:styleLbl name="node2">
+    <dgm:fillClrLst>
+      <a:schemeClr val="accent3"/>
+    </dgm:fillClrLst>
+    <dgm:linClrLst meth="repeat">
+      <a:schemeClr val="lt1"/>
+    </dgm:linClrLst>
+    <dgm:effectClrLst/>
+    <dgm:txLinClrLst/>
+    <dgm:txFillClrLst/>
+    <dgm:txEffectClrLst/>
+  </dgm:styleLbl>
+  <dgm:styleLbl name="node3">
+    <dgm:fillClrLst>
+      <a:schemeClr val="accent4"/>
+    </dgm:fillClrLst>
+    <dgm:linClrLst meth="repeat">
+      <a:schemeClr val="lt1"/>
+    </dgm:linClrLst>
+    <dgm:effectClrLst/>
+    <dgm:txLinClrLst/>
+    <dgm:txFillClrLst/>
+    <dgm:txEffectClrLst/>
+  </dgm:styleLbl>
+  <dgm:styleLbl name="node4">
+    <dgm:fillClrLst>
+      <a:schemeClr val="accent5"/>
+    </dgm:fillClrLst>
+    <dgm:linClrLst meth="repeat">
+      <a:schemeClr val="lt1"/>
+    </dgm:linClrLst>
+    <dgm:effectClrLst/>
+    <dgm:txLinClrLst/>
+    <dgm:txFillClrLst/>
+    <dgm:txEffectClrLst/>
+  </dgm:styleLbl>
+  <dgm:styleLbl name="fgImgPlace1">
+    <dgm:fillClrLst>
+      <a:schemeClr val="accent2">
+        <a:tint val="50000"/>
+      </a:schemeClr>
+      <a:schemeClr val="accent3">
+        <a:tint val="50000"/>
+      </a:schemeClr>
+    </dgm:fillClrLst>
+    <dgm:linClrLst meth="repeat">
+      <a:schemeClr val="lt1"/>
+    </dgm:linClrLst>
+    <dgm:effectClrLst/>
+    <dgm:txLinClrLst/>
+    <dgm:txFillClrLst meth="repeat">
+      <a:schemeClr val="lt1"/>
+    </dgm:txFillClrLst>
+    <dgm:txEffectClrLst/>
+  </dgm:styleLbl>
+  <dgm:styleLbl name="alignImgPlace1">
+    <dgm:fillClrLst>
+      <a:schemeClr val="accent2">
+        <a:tint val="50000"/>
+      </a:schemeClr>
+      <a:schemeClr val="accent3">
+        <a:tint val="20000"/>
+      </a:schemeClr>
+    </dgm:fillClrLst>
+    <dgm:linClrLst meth="repeat">
+      <a:schemeClr val="lt1"/>
+    </dgm:linClrLst>
+    <dgm:effectClrLst/>
+    <dgm:txLinClrLst/>
+    <dgm:txFillClrLst meth="repeat">
+      <a:schemeClr val="lt1"/>
+    </dgm:txFillClrLst>
+    <dgm:txEffectClrLst/>
+  </dgm:styleLbl>
+  <dgm:styleLbl name="bgImgPlace1">
+    <dgm:fillClrLst>
+      <a:schemeClr val="accent2">
+        <a:tint val="50000"/>
+      </a:schemeClr>
+      <a:schemeClr val="accent3">
+        <a:tint val="20000"/>
+      </a:schemeClr>
+    </dgm:fillClrLst>
+    <dgm:linClrLst meth="repeat">
+      <a:schemeClr val="lt1"/>
+    </dgm:linClrLst>
+    <dgm:effectClrLst/>
+    <dgm:txLinClrLst/>
+    <dgm:txFillClrLst meth="repeat">
+      <a:schemeClr val="lt1"/>
+    </dgm:txFillClrLst>
+    <dgm:txEffectClrLst/>
+  </dgm:styleLbl>
+  <dgm:styleLbl name="sibTrans2D1">
+    <dgm:fillClrLst>
+      <a:schemeClr val="accent2"/>
+      <a:schemeClr val="accent3"/>
+    </dgm:fillClrLst>
+    <dgm:linClrLst meth="repeat">
+      <a:schemeClr val="lt1"/>
+    </dgm:linClrLst>
+    <dgm:effectClrLst/>
+    <dgm:txLinClrLst/>
+    <dgm:txFillClrLst/>
+    <dgm:txEffectClrLst/>
+  </dgm:styleLbl>
+  <dgm:styleLbl name="fgSibTrans2D1">
+    <dgm:fillClrLst>
+      <a:schemeClr val="accent2"/>
+      <a:schemeClr val="accent3"/>
+    </dgm:fillClrLst>
+    <dgm:linClrLst meth="repeat">
+      <a:schemeClr val="lt1"/>
+    </dgm:linClrLst>
+    <dgm:effectClrLst/>
+    <dgm:txLinClrLst/>
+    <dgm:txFillClrLst meth="repeat">
+      <a:schemeClr val="lt1"/>
+    </dgm:txFillClrLst>
+    <dgm:txEffectClrLst/>
+  </dgm:styleLbl>
+  <dgm:styleLbl name="bgSibTrans2D1">
+    <dgm:fillClrLst>
+      <a:schemeClr val="accent2"/>
+      <a:schemeClr val="accent3"/>
+    </dgm:fillClrLst>
+    <dgm:linClrLst meth="repeat">
+      <a:schemeClr val="lt1"/>
+    </dgm:linClrLst>
+    <dgm:effectClrLst/>
+    <dgm:txLinClrLst/>
+    <dgm:txFillClrLst meth="repeat">
+      <a:schemeClr val="lt1"/>
+    </dgm:txFillClrLst>
+    <dgm:txEffectClrLst/>
+  </dgm:styleLbl>
+  <dgm:styleLbl name="sibTrans1D1">
+    <dgm:fillClrLst/>
+    <dgm:linClrLst>
+      <a:schemeClr val="accent2"/>
+      <a:schemeClr val="accent3"/>
+    </dgm:linClrLst>
+    <dgm:effectClrLst/>
+    <dgm:txLinClrLst/>
+    <dgm:txFillClrLst meth="repeat">
+      <a:schemeClr val="tx1"/>
+    </dgm:txFillClrLst>
+    <dgm:txEffectClrLst/>
+  </dgm:styleLbl>
+  <dgm:styleLbl name="callout">
+    <dgm:fillClrLst meth="repeat">
+      <a:schemeClr val="accent2"/>
+    </dgm:fillClrLst>
+    <dgm:linClrLst meth="repeat">
+      <a:schemeClr val="accent2">
+        <a:tint val="50000"/>
+      </a:schemeClr>
+    </dgm:linClrLst>
+    <dgm:effectClrLst/>
+    <dgm:txLinClrLst/>
+    <dgm:txFillClrLst meth="repeat">
+      <a:schemeClr val="tx1"/>
+    </dgm:txFillClrLst>
+    <dgm:txEffectClrLst/>
+  </dgm:styleLbl>
+  <dgm:styleLbl name="asst0">
+    <dgm:fillClrLst meth="repeat">
+      <a:schemeClr val="accent2"/>
+    </dgm:fillClrLst>
+    <dgm:linClrLst meth="repeat">
+      <a:schemeClr val="lt1">
+        <a:shade val="80000"/>
+      </a:schemeClr>
+    </dgm:linClrLst>
+    <dgm:effectClrLst/>
+    <dgm:txLinClrLst/>
+    <dgm:txFillClrLst/>
+    <dgm:txEffectClrLst/>
+  </dgm:styleLbl>
+  <dgm:styleLbl name="asst1">
+    <dgm:fillClrLst meth="repeat">
+      <a:schemeClr val="accent3"/>
+    </dgm:fillClrLst>
+    <dgm:linClrLst meth="repeat">
+      <a:schemeClr val="lt1">
+        <a:shade val="80000"/>
+      </a:schemeClr>
+    </dgm:linClrLst>
+    <dgm:effectClrLst/>
+    <dgm:txLinClrLst/>
+    <dgm:txFillClrLst/>
+    <dgm:txEffectClrLst/>
+  </dgm:styleLbl>
+  <dgm:styleLbl name="asst2">
+    <dgm:fillClrLst>
+      <a:schemeClr val="accent4"/>
+    </dgm:fillClrLst>
+    <dgm:linClrLst meth="repeat">
+      <a:schemeClr val="lt1"/>
+    </dgm:linClrLst>
+    <dgm:effectClrLst/>
+    <dgm:txLinClrLst/>
+    <dgm:txFillClrLst/>
+    <dgm:txEffectClrLst/>
+  </dgm:styleLbl>
+  <dgm:styleLbl name="asst3">
+    <dgm:fillClrLst>
+      <a:schemeClr val="accent5"/>
+    </dgm:fillClrLst>
+    <dgm:linClrLst meth="repeat">
+      <a:schemeClr val="lt1"/>
+    </dgm:linClrLst>
+    <dgm:effectClrLst/>
+    <dgm:txLinClrLst/>
+    <dgm:txFillClrLst/>
+    <dgm:txEffectClrLst/>
+  </dgm:styleLbl>
+  <dgm:styleLbl name="asst4">
+    <dgm:fillClrLst>
+      <a:schemeClr val="accent6"/>
+    </dgm:fillClrLst>
+    <dgm:linClrLst meth="repeat">
+      <a:schemeClr val="lt1"/>
+    </dgm:linClrLst>
+    <dgm:effectClrLst/>
+    <dgm:txLinClrLst/>
+    <dgm:txFillClrLst/>
+    <dgm:txEffectClrLst/>
+  </dgm:styleLbl>
+  <dgm:styleLbl name="parChTrans2D1">
+    <dgm:fillClrLst meth="repeat">
+      <a:schemeClr val="accent2"/>
+    </dgm:fillClrLst>
+    <dgm:linClrLst meth="repeat">
+      <a:schemeClr val="lt1"/>
+    </dgm:linClrLst>
+    <dgm:effectClrLst/>
+    <dgm:txLinClrLst/>
+    <dgm:txFillClrLst meth="repeat">
+      <a:schemeClr val="lt1"/>
+    </dgm:txFillClrLst>
+    <dgm:txEffectClrLst/>
+  </dgm:styleLbl>
+  <dgm:styleLbl name="parChTrans2D2">
+    <dgm:fillClrLst meth="repeat">
+      <a:schemeClr val="accent3"/>
+    </dgm:fillClrLst>
+    <dgm:linClrLst meth="repeat">
+      <a:schemeClr val="lt1"/>
+    </dgm:linClrLst>
+    <dgm:effectClrLst/>
+    <dgm:txLinClrLst/>
+    <dgm:txFillClrLst/>
+    <dgm:txEffectClrLst/>
+  </dgm:styleLbl>
+  <dgm:styleLbl name="parChTrans2D3">
+    <dgm:fillClrLst meth="repeat">
+      <a:schemeClr val="accent4"/>
+    </dgm:fillClrLst>
+    <dgm:linClrLst meth="repeat">
+      <a:schemeClr val="lt1"/>
+    </dgm:linClrLst>
+    <dgm:effectClrLst/>
+    <dgm:txLinClrLst/>
+    <dgm:txFillClrLst/>
+    <dgm:txEffectClrLst/>
+  </dgm:styleLbl>
+  <dgm:styleLbl name="parChTrans2D4">
+    <dgm:fillClrLst meth="repeat">
+      <a:schemeClr val="accent5"/>
+    </dgm:fillClrLst>
+    <dgm:linClrLst meth="repeat">
+      <a:schemeClr val="lt1"/>
+    </dgm:linClrLst>
+    <dgm:effectClrLst/>
+    <dgm:txLinClrLst/>
+    <dgm:txFillClrLst meth="repeat">
+      <a:schemeClr val="lt1"/>
+    </dgm:txFillClrLst>
+    <dgm:txEffectClrLst/>
+  </dgm:styleLbl>
+  <dgm:styleLbl name="parChTrans1D1">
+    <dgm:fillClrLst meth="repeat">
+      <a:schemeClr val="accent2"/>
+    </dgm:fillClrLst>
+    <dgm:linClrLst meth="repeat">
+      <a:schemeClr val="accent2"/>
+    </dgm:linClrLst>
+    <dgm:effectClrLst/>
+    <dgm:txLinClrLst/>
+    <dgm:txFillClrLst meth="repeat">
+      <a:schemeClr val="tx1"/>
+    </dgm:txFillClrLst>
+    <dgm:txEffectClrLst/>
+  </dgm:styleLbl>
+  <dgm:styleLbl name="parChTrans1D2">
+    <dgm:fillClrLst meth="repeat">
+      <a:schemeClr val="accent2">
+        <a:tint val="90000"/>
+      </a:schemeClr>
+    </dgm:fillClrLst>
+    <dgm:linClrLst meth="repeat">
+      <a:schemeClr val="accent3"/>
+    </dgm:linClrLst>
+    <dgm:effectClrLst/>
+    <dgm:txLinClrLst/>
+    <dgm:txFillClrLst meth="repeat">
+      <a:schemeClr val="tx1"/>
+    </dgm:txFillClrLst>
+    <dgm:txEffectClrLst/>
+  </dgm:styleLbl>
+  <dgm:styleLbl name="parChTrans1D3">
+    <dgm:fillClrLst meth="repeat">
+      <a:schemeClr val="accent2">
+        <a:tint val="70000"/>
+      </a:schemeClr>
+    </dgm:fillClrLst>
+    <dgm:linClrLst meth="repeat">
+      <a:schemeClr val="accent4"/>
+    </dgm:linClrLst>
+    <dgm:effectClrLst/>
+    <dgm:txLinClrLst/>
+    <dgm:txFillClrLst meth="repeat">
+      <a:schemeClr val="tx1"/>
+    </dgm:txFillClrLst>
+    <dgm:txEffectClrLst/>
+  </dgm:styleLbl>
+  <dgm:styleLbl name="parChTrans1D4">
+    <dgm:fillClrLst meth="repeat">
+      <a:schemeClr val="accent2">
+        <a:tint val="50000"/>
+      </a:schemeClr>
+    </dgm:fillClrLst>
+    <dgm:linClrLst meth="repeat">
+      <a:schemeClr val="accent5"/>
+    </dgm:linClrLst>
+    <dgm:effectClrLst/>
+    <dgm:txLinClrLst/>
+    <dgm:txFillClrLst meth="repeat">
+      <a:schemeClr val="tx1"/>
+    </dgm:txFillClrLst>
+    <dgm:txEffectClrLst/>
+  </dgm:styleLbl>
+  <dgm:styleLbl name="fgAcc1">
+    <dgm:fillClrLst meth="repeat">
+      <a:schemeClr val="lt1">
+        <a:alpha val="90000"/>
+      </a:schemeClr>
+    </dgm:fillClrLst>
+    <dgm:linClrLst>
+      <a:schemeClr val="accent2"/>
+      <a:schemeClr val="accent3"/>
+    </dgm:linClrLst>
+    <dgm:effectClrLst/>
+    <dgm:txLinClrLst/>
+    <dgm:txFillClrLst meth="repeat">
+      <a:schemeClr val="dk1"/>
+    </dgm:txFillClrLst>
+    <dgm:txEffectClrLst/>
+  </dgm:styleLbl>
+  <dgm:styleLbl name="conFgAcc1">
+    <dgm:fillClrLst meth="repeat">
+      <a:schemeClr val="lt1">
+        <a:alpha val="90000"/>
+      </a:schemeClr>
+    </dgm:fillClrLst>
+    <dgm:linClrLst>
+      <a:schemeClr val="accent2"/>
+      <a:schemeClr val="accent3"/>
+    </dgm:linClrLst>
+    <dgm:effectClrLst/>
+    <dgm:txLinClrLst/>
+    <dgm:txFillClrLst meth="repeat">
+      <a:schemeClr val="dk1"/>
+    </dgm:txFillClrLst>
+    <dgm:txEffectClrLst/>
+  </dgm:styleLbl>
+  <dgm:styleLbl name="alignAcc1">
+    <dgm:fillClrLst meth="repeat">
+      <a:schemeClr val="lt1">
+        <a:alpha val="90000"/>
+      </a:schemeClr>
+    </dgm:fillClrLst>
+    <dgm:linClrLst>
+      <a:schemeClr val="accent2"/>
+      <a:schemeClr val="accent3"/>
+    </dgm:linClrLst>
+    <dgm:effectClrLst/>
+    <dgm:txLinClrLst/>
+    <dgm:txFillClrLst meth="repeat">
+      <a:schemeClr val="dk1"/>
+    </dgm:txFillClrLst>
+    <dgm:txEffectClrLst/>
+  </dgm:styleLbl>
+  <dgm:styleLbl name="trAlignAcc1">
+    <dgm:fillClrLst meth="repeat">
+      <a:schemeClr val="lt1">
+        <a:alpha val="40000"/>
+      </a:schemeClr>
+    </dgm:fillClrLst>
+    <dgm:linClrLst meth="repeat">
+      <a:schemeClr val="accent2"/>
+    </dgm:linClrLst>
+    <dgm:effectClrLst/>
+    <dgm:txLinClrLst/>
+    <dgm:txFillClrLst meth="repeat">
+      <a:schemeClr val="dk1"/>
+    </dgm:txFillClrLst>
+    <dgm:txEffectClrLst/>
+  </dgm:styleLbl>
+  <dgm:styleLbl name="bgAcc1">
+    <dgm:fillClrLst meth="repeat">
+      <a:schemeClr val="lt1">
+        <a:alpha val="90000"/>
+      </a:schemeClr>
+    </dgm:fillClrLst>
+    <dgm:linClrLst>
+      <a:schemeClr val="accent2"/>
+      <a:schemeClr val="accent3"/>
+    </dgm:linClrLst>
+    <dgm:effectClrLst/>
+    <dgm:txLinClrLst/>
+    <dgm:txFillClrLst meth="repeat">
+      <a:schemeClr val="dk1"/>
+    </dgm:txFillClrLst>
+    <dgm:txEffectClrLst/>
+  </dgm:styleLbl>
+  <dgm:styleLbl name="solidFgAcc1">
+    <dgm:fillClrLst meth="repeat">
+      <a:schemeClr val="lt1"/>
+    </dgm:fillClrLst>
+    <dgm:linClrLst>
+      <a:schemeClr val="accent2"/>
+      <a:schemeClr val="accent3"/>
+    </dgm:linClrLst>
+    <dgm:effectClrLst/>
+    <dgm:txLinClrLst/>
+    <dgm:txFillClrLst meth="repeat">
+      <a:schemeClr val="dk1"/>
+    </dgm:txFillClrLst>
+    <dgm:txEffectClrLst/>
+  </dgm:styleLbl>
+  <dgm:styleLbl name="solidAlignAcc1">
+    <dgm:fillClrLst meth="repeat">
+      <a:schemeClr val="lt1"/>
+    </dgm:fillClrLst>
+    <dgm:linClrLst>
+      <a:schemeClr val="accent2"/>
+      <a:schemeClr val="accent3"/>
+    </dgm:linClrLst>
+    <dgm:effectClrLst/>
+    <dgm:txLinClrLst/>
+    <dgm:txFillClrLst meth="repeat">
+      <a:schemeClr val="dk1"/>
+    </dgm:txFillClrLst>
+    <dgm:txEffectClrLst/>
+  </dgm:styleLbl>
+  <dgm:styleLbl name="solidBgAcc1">
+    <dgm:fillClrLst meth="repeat">
+      <a:schemeClr val="lt1"/>
+    </dgm:fillClrLst>
+    <dgm:linClrLst>
+      <a:schemeClr val="accent2"/>
+      <a:schemeClr val="accent3"/>
+    </dgm:linClrLst>
+    <dgm:effectClrLst/>
+    <dgm:txLinClrLst/>
+    <dgm:txFillClrLst meth="repeat">
+      <a:schemeClr val="dk1"/>
+    </dgm:txFillClrLst>
+    <dgm:txEffectClrLst/>
+  </dgm:styleLbl>
+  <dgm:styleLbl name="fgAccFollowNode1">
+    <dgm:fillClrLst>
+      <a:schemeClr val="accent2">
+        <a:tint val="40000"/>
+        <a:alpha val="90000"/>
+      </a:schemeClr>
+      <a:schemeClr val="accent3">
+        <a:tint val="40000"/>
+        <a:alpha val="90000"/>
+      </a:schemeClr>
+    </dgm:fillClrLst>
+    <dgm:linClrLst>
+      <a:schemeClr val="accent2">
+        <a:tint val="40000"/>
+        <a:alpha val="90000"/>
+      </a:schemeClr>
+      <a:schemeClr val="accent3">
+        <a:tint val="40000"/>
+        <a:alpha val="90000"/>
+      </a:schemeClr>
+    </dgm:linClrLst>
+    <dgm:effectClrLst/>
+    <dgm:txLinClrLst/>
+    <dgm:txFillClrLst meth="repeat">
+      <a:schemeClr val="dk1"/>
+    </dgm:txFillClrLst>
+    <dgm:txEffectClrLst/>
+  </dgm:styleLbl>
+  <dgm:styleLbl name="alignAccFollowNode1">
+    <dgm:fillClrLst>
+      <a:schemeClr val="accent2">
+        <a:tint val="40000"/>
+        <a:alpha val="90000"/>
+      </a:schemeClr>
+      <a:schemeClr val="accent3">
+        <a:tint val="40000"/>
+        <a:alpha val="90000"/>
+      </a:schemeClr>
+    </dgm:fillClrLst>
+    <dgm:linClrLst>
+      <a:schemeClr val="accent2">
+        <a:tint val="40000"/>
+        <a:alpha val="90000"/>
+      </a:schemeClr>
+      <a:schemeClr val="accent3">
+        <a:tint val="40000"/>
+        <a:alpha val="90000"/>
+      </a:schemeClr>
+    </dgm:linClrLst>
+    <dgm:effectClrLst/>
+    <dgm:txLinClrLst/>
+    <dgm:txFillClrLst meth="repeat">
+      <a:schemeClr val="dk1"/>
+    </dgm:txFillClrLst>
+    <dgm:txEffectClrLst/>
+  </dgm:styleLbl>
+  <dgm:styleLbl name="bgAccFollowNode1">
+    <dgm:fillClrLst>
+      <a:schemeClr val="accent2">
+        <a:tint val="40000"/>
+        <a:alpha val="90000"/>
+      </a:schemeClr>
+      <a:schemeClr val="accent3">
+        <a:tint val="40000"/>
+        <a:alpha val="90000"/>
+      </a:schemeClr>
+    </dgm:fillClrLst>
+    <dgm:linClrLst>
+      <a:schemeClr val="accent2">
+        <a:tint val="40000"/>
+        <a:alpha val="90000"/>
+      </a:schemeClr>
+      <a:schemeClr val="accent3">
+        <a:tint val="40000"/>
+        <a:alpha val="90000"/>
+      </a:schemeClr>
+    </dgm:linClrLst>
+    <dgm:effectClrLst/>
+    <dgm:txLinClrLst/>
+    <dgm:txFillClrLst meth="repeat">
+      <a:schemeClr val="dk1"/>
+    </dgm:txFillClrLst>
+    <dgm:txEffectClrLst/>
+  </dgm:styleLbl>
+  <dgm:styleLbl name="fgAcc0">
+    <dgm:fillClrLst meth="repeat">
+      <a:schemeClr val="lt1">
+        <a:alpha val="90000"/>
+      </a:schemeClr>
+    </dgm:fillClrLst>
+    <dgm:linClrLst>
+      <a:schemeClr val="accent1"/>
+    </dgm:linClrLst>
+    <dgm:effectClrLst/>
+    <dgm:txLinClrLst/>
+    <dgm:txFillClrLst meth="repeat">
+      <a:schemeClr val="dk1"/>
+    </dgm:txFillClrLst>
+    <dgm:txEffectClrLst/>
+  </dgm:styleLbl>
+  <dgm:styleLbl name="fgAcc2">
+    <dgm:fillClrLst meth="repeat">
+      <a:schemeClr val="lt1">
+        <a:alpha val="90000"/>
+      </a:schemeClr>
+    </dgm:fillClrLst>
+    <dgm:linClrLst>
+      <a:schemeClr val="accent3"/>
+    </dgm:linClrLst>
+    <dgm:effectClrLst/>
+    <dgm:txLinClrLst/>
+    <dgm:txFillClrLst meth="repeat">
+      <a:schemeClr val="dk1"/>
+    </dgm:txFillClrLst>
+    <dgm:txEffectClrLst/>
+  </dgm:styleLbl>
+  <dgm:styleLbl name="fgAcc3">
+    <dgm:fillClrLst meth="repeat">
+      <a:schemeClr val="lt1">
+        <a:alpha val="90000"/>
+      </a:schemeClr>
+    </dgm:fillClrLst>
+    <dgm:linClrLst>
+      <a:schemeClr val="accent4"/>
+    </dgm:linClrLst>
+    <dgm:effectClrLst/>
+    <dgm:txLinClrLst/>
+    <dgm:txFillClrLst meth="repeat">
+      <a:schemeClr val="dk1"/>
+    </dgm:txFillClrLst>
+    <dgm:txEffectClrLst/>
+  </dgm:styleLbl>
+  <dgm:styleLbl name="fgAcc4">
+    <dgm:fillClrLst meth="repeat">
+      <a:schemeClr val="lt1">
+        <a:alpha val="90000"/>
+      </a:schemeClr>
+    </dgm:fillClrLst>
+    <dgm:linClrLst>
+      <a:schemeClr val="accent5"/>
+    </dgm:linClrLst>
+    <dgm:effectClrLst/>
+    <dgm:txLinClrLst/>
+    <dgm:txFillClrLst meth="repeat">
+      <a:schemeClr val="dk1"/>
+    </dgm:txFillClrLst>
+    <dgm:txEffectClrLst/>
+  </dgm:styleLbl>
+  <dgm:styleLbl name="bgShp">
+    <dgm:fillClrLst meth="repeat">
+      <a:schemeClr val="accent2">
+        <a:tint val="40000"/>
+      </a:schemeClr>
+    </dgm:fillClrLst>
+    <dgm:linClrLst meth="repeat">
+      <a:schemeClr val="dk1"/>
+    </dgm:linClrLst>
+    <dgm:effectClrLst/>
+    <dgm:txLinClrLst/>
+    <dgm:txFillClrLst meth="repeat">
+      <a:schemeClr val="dk1"/>
+    </dgm:txFillClrLst>
+    <dgm:txEffectClrLst/>
+  </dgm:styleLbl>
+  <dgm:styleLbl name="dkBgShp">
+    <dgm:fillClrLst meth="repeat">
+      <a:schemeClr val="accent2">
+        <a:shade val="90000"/>
+      </a:schemeClr>
+    </dgm:fillClrLst>
+    <dgm:linClrLst meth="repeat">
+      <a:schemeClr val="dk1"/>
+    </dgm:linClrLst>
+    <dgm:effectClrLst/>
+    <dgm:txLinClrLst/>
+    <dgm:txFillClrLst meth="repeat">
+      <a:schemeClr val="lt1"/>
+    </dgm:txFillClrLst>
+    <dgm:txEffectClrLst/>
+  </dgm:styleLbl>
+  <dgm:styleLbl name="trBgShp">
+    <dgm:fillClrLst meth="repeat">
+      <a:schemeClr val="accent2">
+        <a:tint val="50000"/>
+        <a:alpha val="40000"/>
+      </a:schemeClr>
+    </dgm:fillClrLst>
+    <dgm:linClrLst meth="repeat">
+      <a:schemeClr val="accent2"/>
+    </dgm:linClrLst>
+    <dgm:effectClrLst/>
+    <dgm:txLinClrLst/>
+    <dgm:txFillClrLst meth="repeat">
+      <a:schemeClr val="lt1"/>
+    </dgm:txFillClrLst>
+    <dgm:txEffectClrLst/>
+  </dgm:styleLbl>
+  <dgm:styleLbl name="fgShp">
+    <dgm:fillClrLst meth="repeat">
+      <a:schemeClr val="accent2">
+        <a:tint val="40000"/>
+      </a:schemeClr>
+    </dgm:fillClrLst>
+    <dgm:linClrLst meth="repeat">
+      <a:schemeClr val="lt1"/>
+    </dgm:linClrLst>
+    <dgm:effectClrLst/>
+    <dgm:txLinClrLst/>
+    <dgm:txFillClrLst meth="repeat">
+      <a:schemeClr val="dk1"/>
+    </dgm:txFillClrLst>
+    <dgm:txEffectClrLst/>
+  </dgm:styleLbl>
+  <dgm:styleLbl name="revTx">
+    <dgm:fillClrLst meth="repeat">
+      <a:schemeClr val="lt1">
+        <a:alpha val="0"/>
+      </a:schemeClr>
+    </dgm:fillClrLst>
+    <dgm:linClrLst meth="repeat">
+      <a:schemeClr val="dk1">
+        <a:alpha val="0"/>
+      </a:schemeClr>
+    </dgm:linClrLst>
+    <dgm:effectClrLst/>
+    <dgm:txLinClrLst/>
+    <dgm:txFillClrLst meth="repeat">
+      <a:schemeClr val="tx1"/>
+    </dgm:txFillClrLst>
+    <dgm:txEffectClrLst/>
+  </dgm:styleLbl>
+</dgm:colorsDef>
+</file>
+
+<file path=ppt/diagrams/data1.xml><?xml version="1.0" encoding="utf-8"?>
+<dgm:dataModel xmlns:dgm="http://schemas.openxmlformats.org/drawingml/2006/diagram" xmlns:a="http://schemas.openxmlformats.org/drawingml/2006/main">
+  <dgm:ptLst>
+    <dgm:pt modelId="{4D896E4D-516D-E84C-AD82-01EBA81B8E34}" type="doc">
+      <dgm:prSet loTypeId="urn:microsoft.com/office/officeart/2005/8/layout/process3" loCatId="" qsTypeId="urn:microsoft.com/office/officeart/2005/8/quickstyle/simple4" qsCatId="simple" csTypeId="urn:microsoft.com/office/officeart/2005/8/colors/colorful2" csCatId="colorful" phldr="1"/>
+      <dgm:spPr/>
+    </dgm:pt>
+    <dgm:pt modelId="{5B3E725C-4421-A149-AB8A-05B67E69FD8E}">
+      <dgm:prSet phldrT="[Text]"/>
+      <dgm:spPr/>
+      <dgm:t>
+        <a:bodyPr/>
+        <a:lstStyle/>
+        <a:p>
+          <a:r>
+            <a:rPr lang="en-US" b="0" i="0" dirty="0" smtClean="0"/>
+            <a:t>Step 1: Data Processing </a:t>
+          </a:r>
+          <a:endParaRPr lang="en-US" b="0" dirty="0"/>
+        </a:p>
+      </dgm:t>
+    </dgm:pt>
+    <dgm:pt modelId="{415C3AB9-0E06-9F44-9CEE-C52D1E7B8D4E}" type="parTrans" cxnId="{6B63B682-E49F-C143-8911-C9A72F6F0918}">
+      <dgm:prSet/>
+      <dgm:spPr/>
+      <dgm:t>
+        <a:bodyPr/>
+        <a:lstStyle/>
+        <a:p>
+          <a:endParaRPr lang="en-US"/>
+        </a:p>
+      </dgm:t>
+    </dgm:pt>
+    <dgm:pt modelId="{85744240-6650-C14C-88C5-9EF7DFEDE299}" type="sibTrans" cxnId="{6B63B682-E49F-C143-8911-C9A72F6F0918}">
+      <dgm:prSet/>
+      <dgm:spPr/>
+      <dgm:t>
+        <a:bodyPr/>
+        <a:lstStyle/>
+        <a:p>
+          <a:endParaRPr lang="en-US"/>
+        </a:p>
+      </dgm:t>
+    </dgm:pt>
+    <dgm:pt modelId="{2CEC9D32-0FC6-CB4A-8340-F09393F5ECA6}">
+      <dgm:prSet phldrT="[Text]"/>
+      <dgm:spPr/>
+      <dgm:t>
+        <a:bodyPr/>
+        <a:lstStyle/>
+        <a:p>
+          <a:r>
+            <a:rPr lang="en-US" b="0" i="0" dirty="0" smtClean="0"/>
+            <a:t>Step 2: Data Exploration and Visualization</a:t>
+          </a:r>
+          <a:endParaRPr lang="en-US" dirty="0"/>
+        </a:p>
+      </dgm:t>
+    </dgm:pt>
+    <dgm:pt modelId="{1CB826F8-4CB4-3342-B3C7-441B4EF95ED2}" type="parTrans" cxnId="{E3B49311-ADEE-5A43-B596-ACE021183765}">
+      <dgm:prSet/>
+      <dgm:spPr/>
+      <dgm:t>
+        <a:bodyPr/>
+        <a:lstStyle/>
+        <a:p>
+          <a:endParaRPr lang="en-US"/>
+        </a:p>
+      </dgm:t>
+    </dgm:pt>
+    <dgm:pt modelId="{58A1B85C-906D-B74F-8784-D1B8696C5867}" type="sibTrans" cxnId="{E3B49311-ADEE-5A43-B596-ACE021183765}">
+      <dgm:prSet/>
+      <dgm:spPr/>
+      <dgm:t>
+        <a:bodyPr/>
+        <a:lstStyle/>
+        <a:p>
+          <a:endParaRPr lang="en-US"/>
+        </a:p>
+      </dgm:t>
+    </dgm:pt>
+    <dgm:pt modelId="{480C8E14-6690-5246-A09D-113226CF946B}">
+      <dgm:prSet phldrT="[Text]"/>
+      <dgm:spPr/>
+      <dgm:t>
+        <a:bodyPr/>
+        <a:lstStyle/>
+        <a:p>
+          <a:r>
+            <a:rPr lang="en-US" b="0" i="0" dirty="0" smtClean="0"/>
+            <a:t>Step 3: Decide on Model Approach and KPI</a:t>
+          </a:r>
+          <a:endParaRPr lang="en-US" dirty="0"/>
+        </a:p>
+      </dgm:t>
+    </dgm:pt>
+    <dgm:pt modelId="{E7E42664-1E44-0E42-B765-7F662606C807}" type="parTrans" cxnId="{2EFDCD69-51A7-5244-A89F-49935561FF59}">
+      <dgm:prSet/>
+      <dgm:spPr/>
+      <dgm:t>
+        <a:bodyPr/>
+        <a:lstStyle/>
+        <a:p>
+          <a:endParaRPr lang="en-US"/>
+        </a:p>
+      </dgm:t>
+    </dgm:pt>
+    <dgm:pt modelId="{BF51EC06-366D-284E-9306-23CE3576FD00}" type="sibTrans" cxnId="{2EFDCD69-51A7-5244-A89F-49935561FF59}">
+      <dgm:prSet/>
+      <dgm:spPr/>
+      <dgm:t>
+        <a:bodyPr/>
+        <a:lstStyle/>
+        <a:p>
+          <a:endParaRPr lang="en-US"/>
+        </a:p>
+      </dgm:t>
+    </dgm:pt>
+    <dgm:pt modelId="{2B522FD3-CDC1-774E-A5A8-2F9ADB8867A9}">
+      <dgm:prSet/>
+      <dgm:spPr/>
+      <dgm:t>
+        <a:bodyPr/>
+        <a:lstStyle/>
+        <a:p>
+          <a:r>
+            <a:rPr lang="en-US" b="0" i="0" dirty="0" smtClean="0"/>
+            <a:t>Transform raw data to time series with time being the index</a:t>
+          </a:r>
+          <a:endParaRPr lang="en-US" b="0" dirty="0"/>
+        </a:p>
+      </dgm:t>
+    </dgm:pt>
+    <dgm:pt modelId="{CB75393F-B5E5-294C-BA6E-3700459A681A}" type="parTrans" cxnId="{6C85406C-7352-264B-A02C-A2DC7925CF52}">
+      <dgm:prSet/>
+      <dgm:spPr/>
+      <dgm:t>
+        <a:bodyPr/>
+        <a:lstStyle/>
+        <a:p>
+          <a:endParaRPr lang="en-US"/>
+        </a:p>
+      </dgm:t>
+    </dgm:pt>
+    <dgm:pt modelId="{885CAC9A-E917-A54F-A3A8-AE3A198E49DA}" type="sibTrans" cxnId="{6C85406C-7352-264B-A02C-A2DC7925CF52}">
+      <dgm:prSet/>
+      <dgm:spPr/>
+      <dgm:t>
+        <a:bodyPr/>
+        <a:lstStyle/>
+        <a:p>
+          <a:endParaRPr lang="en-US"/>
+        </a:p>
+      </dgm:t>
+    </dgm:pt>
+    <dgm:pt modelId="{A917F87A-4168-4247-A3D8-51C49A494C30}">
+      <dgm:prSet/>
+      <dgm:spPr/>
+      <dgm:t>
+        <a:bodyPr/>
+        <a:lstStyle/>
+        <a:p>
+          <a:r>
+            <a:rPr lang="en-US" b="0" i="0" dirty="0" smtClean="0"/>
+            <a:t>Seasonal Decomposition, Autocorrelation with ACF and PCAF, etc.</a:t>
+          </a:r>
+          <a:endParaRPr lang="en-US" dirty="0"/>
+        </a:p>
+      </dgm:t>
+    </dgm:pt>
+    <dgm:pt modelId="{3B2FD256-4AC5-E84C-9673-8FF36DD65E94}" type="parTrans" cxnId="{67C21375-EFC0-8B46-A281-9121F15991D8}">
+      <dgm:prSet/>
+      <dgm:spPr/>
+      <dgm:t>
+        <a:bodyPr/>
+        <a:lstStyle/>
+        <a:p>
+          <a:endParaRPr lang="en-US"/>
+        </a:p>
+      </dgm:t>
+    </dgm:pt>
+    <dgm:pt modelId="{370F2F7C-4B28-7A4B-B3B5-6D606101E205}" type="sibTrans" cxnId="{67C21375-EFC0-8B46-A281-9121F15991D8}">
+      <dgm:prSet/>
+      <dgm:spPr/>
+      <dgm:t>
+        <a:bodyPr/>
+        <a:lstStyle/>
+        <a:p>
+          <a:endParaRPr lang="en-US"/>
+        </a:p>
+      </dgm:t>
+    </dgm:pt>
+    <dgm:pt modelId="{7D283998-3098-244A-820C-D6C90FA4FD63}">
+      <dgm:prSet/>
+      <dgm:spPr/>
+      <dgm:t>
+        <a:bodyPr/>
+        <a:lstStyle/>
+        <a:p>
+          <a:r>
+            <a:rPr lang="en-US" b="0" i="0" dirty="0" smtClean="0"/>
+            <a:t>Seasonal ARIMA</a:t>
+          </a:r>
+          <a:endParaRPr lang="en-US" dirty="0"/>
+        </a:p>
+      </dgm:t>
+    </dgm:pt>
+    <dgm:pt modelId="{B414DC37-1F2C-9947-951C-2806EA2C7358}" type="parTrans" cxnId="{42FFAB32-43B2-3C4E-9C64-2ED56F961443}">
+      <dgm:prSet/>
+      <dgm:spPr/>
+      <dgm:t>
+        <a:bodyPr/>
+        <a:lstStyle/>
+        <a:p>
+          <a:endParaRPr lang="en-US"/>
+        </a:p>
+      </dgm:t>
+    </dgm:pt>
+    <dgm:pt modelId="{B4E89393-C982-D945-883E-8582A6E60746}" type="sibTrans" cxnId="{42FFAB32-43B2-3C4E-9C64-2ED56F961443}">
+      <dgm:prSet/>
+      <dgm:spPr/>
+      <dgm:t>
+        <a:bodyPr/>
+        <a:lstStyle/>
+        <a:p>
+          <a:endParaRPr lang="en-US"/>
+        </a:p>
+      </dgm:t>
+    </dgm:pt>
+    <dgm:pt modelId="{A9E5D53B-D5C4-8F4D-BAE8-3C6923388E74}">
+      <dgm:prSet/>
+      <dgm:spPr/>
+      <dgm:t>
+        <a:bodyPr/>
+        <a:lstStyle/>
+        <a:p>
+          <a:r>
+            <a:rPr lang="en-US" b="0" i="0" dirty="0" smtClean="0"/>
+            <a:t>Use AIC to select best set of parameters for SARIMA model </a:t>
+          </a:r>
+          <a:endParaRPr lang="en-US" dirty="0"/>
+        </a:p>
+      </dgm:t>
+    </dgm:pt>
+    <dgm:pt modelId="{932C55AC-90FB-9B4E-B919-4D1715755334}" type="parTrans" cxnId="{D92BC46B-C50B-DB48-98B2-E956EBB93DC5}">
+      <dgm:prSet/>
+      <dgm:spPr/>
+      <dgm:t>
+        <a:bodyPr/>
+        <a:lstStyle/>
+        <a:p>
+          <a:endParaRPr lang="en-US"/>
+        </a:p>
+      </dgm:t>
+    </dgm:pt>
+    <dgm:pt modelId="{7905C759-3FA0-9243-8461-BCF41D897196}" type="sibTrans" cxnId="{D92BC46B-C50B-DB48-98B2-E956EBB93DC5}">
+      <dgm:prSet/>
+      <dgm:spPr/>
+      <dgm:t>
+        <a:bodyPr/>
+        <a:lstStyle/>
+        <a:p>
+          <a:endParaRPr lang="en-US"/>
+        </a:p>
+      </dgm:t>
+    </dgm:pt>
+    <dgm:pt modelId="{D736B8A7-F612-6B47-8207-6650B91EAC3C}">
+      <dgm:prSet/>
+      <dgm:spPr/>
+      <dgm:t>
+        <a:bodyPr/>
+        <a:lstStyle/>
+        <a:p>
+          <a:r>
+            <a:rPr lang="en-US" dirty="0" smtClean="0"/>
+            <a:t>Step 4:  Model Development and Validation</a:t>
+          </a:r>
+          <a:endParaRPr lang="en-US" dirty="0"/>
+        </a:p>
+      </dgm:t>
+    </dgm:pt>
+    <dgm:pt modelId="{601C9011-E087-7F48-8356-E8669AE5D2D7}" type="parTrans" cxnId="{70E5E4FB-4EE1-544E-8A67-24360672B74C}">
+      <dgm:prSet/>
+      <dgm:spPr/>
+      <dgm:t>
+        <a:bodyPr/>
+        <a:lstStyle/>
+        <a:p>
+          <a:endParaRPr lang="en-US"/>
+        </a:p>
+      </dgm:t>
+    </dgm:pt>
+    <dgm:pt modelId="{AC02A432-3FA3-F942-942A-D20DB9220B6E}" type="sibTrans" cxnId="{70E5E4FB-4EE1-544E-8A67-24360672B74C}">
+      <dgm:prSet/>
+      <dgm:spPr/>
+      <dgm:t>
+        <a:bodyPr/>
+        <a:lstStyle/>
+        <a:p>
+          <a:endParaRPr lang="en-US"/>
+        </a:p>
+      </dgm:t>
+    </dgm:pt>
+    <dgm:pt modelId="{0F72C8DF-234B-EE4B-940C-F9212D28AA32}">
+      <dgm:prSet/>
+      <dgm:spPr/>
+      <dgm:t>
+        <a:bodyPr/>
+        <a:lstStyle/>
+        <a:p>
+          <a:r>
+            <a:rPr lang="en-US" dirty="0" smtClean="0"/>
+            <a:t>Step 5: Make Future Predictions</a:t>
+          </a:r>
+          <a:endParaRPr lang="en-US" dirty="0"/>
+        </a:p>
+      </dgm:t>
+    </dgm:pt>
+    <dgm:pt modelId="{B3CAF1DD-DF25-0A4D-891A-56D4046C6024}" type="parTrans" cxnId="{896E3F47-4049-444E-8911-58F7A8FD4B5E}">
+      <dgm:prSet/>
+      <dgm:spPr/>
+      <dgm:t>
+        <a:bodyPr/>
+        <a:lstStyle/>
+        <a:p>
+          <a:endParaRPr lang="en-US"/>
+        </a:p>
+      </dgm:t>
+    </dgm:pt>
+    <dgm:pt modelId="{8F97D178-553D-4443-8F2C-5D141C54FE43}" type="sibTrans" cxnId="{896E3F47-4049-444E-8911-58F7A8FD4B5E}">
+      <dgm:prSet/>
+      <dgm:spPr/>
+      <dgm:t>
+        <a:bodyPr/>
+        <a:lstStyle/>
+        <a:p>
+          <a:endParaRPr lang="en-US"/>
+        </a:p>
+      </dgm:t>
+    </dgm:pt>
+    <dgm:pt modelId="{567559C5-31CC-8B41-9B23-5C0238727BD7}">
+      <dgm:prSet/>
+      <dgm:spPr/>
+      <dgm:t>
+        <a:bodyPr/>
+        <a:lstStyle/>
+        <a:p>
+          <a:r>
+            <a:rPr lang="en-US" b="0" dirty="0" smtClean="0"/>
+            <a:t>Make dynamic forecast on part of the data and compare with real values</a:t>
+          </a:r>
+          <a:endParaRPr lang="en-US" b="0" dirty="0"/>
+        </a:p>
+      </dgm:t>
+    </dgm:pt>
+    <dgm:pt modelId="{4ADC6EAA-4E7A-4344-A2E8-967009C497A4}" type="parTrans" cxnId="{6CB7893A-EFF2-5343-8995-FC1B68CEEB3C}">
+      <dgm:prSet/>
+      <dgm:spPr/>
+      <dgm:t>
+        <a:bodyPr/>
+        <a:lstStyle/>
+        <a:p>
+          <a:endParaRPr lang="en-US"/>
+        </a:p>
+      </dgm:t>
+    </dgm:pt>
+    <dgm:pt modelId="{DA78C82C-1103-4F4A-8540-2C4FBC2F48FC}" type="sibTrans" cxnId="{6CB7893A-EFF2-5343-8995-FC1B68CEEB3C}">
+      <dgm:prSet/>
+      <dgm:spPr/>
+      <dgm:t>
+        <a:bodyPr/>
+        <a:lstStyle/>
+        <a:p>
+          <a:endParaRPr lang="en-US"/>
+        </a:p>
+      </dgm:t>
+    </dgm:pt>
+    <dgm:pt modelId="{0159C29D-5ED6-764F-B436-556F78E5DEC2}">
+      <dgm:prSet/>
+      <dgm:spPr/>
+      <dgm:t>
+        <a:bodyPr/>
+        <a:lstStyle/>
+        <a:p>
+          <a:r>
+            <a:rPr lang="en-US" dirty="0" smtClean="0"/>
+            <a:t>Make future 3 and 5 years forecast and calculate the ROI </a:t>
+          </a:r>
+          <a:endParaRPr lang="en-US" dirty="0"/>
+        </a:p>
+      </dgm:t>
+    </dgm:pt>
+    <dgm:pt modelId="{F2C3B2BE-2004-DE44-9D45-DFB5348DAAB7}" type="parTrans" cxnId="{738C16AF-0DC1-4F41-943D-B0D1541B9DE1}">
+      <dgm:prSet/>
+      <dgm:spPr/>
+      <dgm:t>
+        <a:bodyPr/>
+        <a:lstStyle/>
+        <a:p>
+          <a:endParaRPr lang="en-US"/>
+        </a:p>
+      </dgm:t>
+    </dgm:pt>
+    <dgm:pt modelId="{A812746C-ECD2-1143-940D-9D43BBE386BE}" type="sibTrans" cxnId="{738C16AF-0DC1-4F41-943D-B0D1541B9DE1}">
+      <dgm:prSet/>
+      <dgm:spPr/>
+      <dgm:t>
+        <a:bodyPr/>
+        <a:lstStyle/>
+        <a:p>
+          <a:endParaRPr lang="en-US"/>
+        </a:p>
+      </dgm:t>
+    </dgm:pt>
+    <dgm:pt modelId="{F4C6E946-3740-D144-8E29-153DA3C06733}" type="pres">
+      <dgm:prSet presAssocID="{4D896E4D-516D-E84C-AD82-01EBA81B8E34}" presName="linearFlow" presStyleCnt="0">
+        <dgm:presLayoutVars>
+          <dgm:dir/>
+          <dgm:animLvl val="lvl"/>
+          <dgm:resizeHandles val="exact"/>
+        </dgm:presLayoutVars>
+      </dgm:prSet>
+      <dgm:spPr/>
+    </dgm:pt>
+    <dgm:pt modelId="{F74BE83E-B1C0-004F-BFB7-5C2892D259E5}" type="pres">
+      <dgm:prSet presAssocID="{5B3E725C-4421-A149-AB8A-05B67E69FD8E}" presName="composite" presStyleCnt="0"/>
+      <dgm:spPr/>
+    </dgm:pt>
+    <dgm:pt modelId="{F0C7A88F-66BB-2141-9EA2-E2C037F52CB9}" type="pres">
+      <dgm:prSet presAssocID="{5B3E725C-4421-A149-AB8A-05B67E69FD8E}" presName="parTx" presStyleLbl="node1" presStyleIdx="0" presStyleCnt="5">
+        <dgm:presLayoutVars>
+          <dgm:chMax val="0"/>
+          <dgm:chPref val="0"/>
+          <dgm:bulletEnabled val="1"/>
+        </dgm:presLayoutVars>
+      </dgm:prSet>
+      <dgm:spPr/>
+      <dgm:t>
+        <a:bodyPr/>
+        <a:lstStyle/>
+        <a:p>
+          <a:endParaRPr lang="en-US"/>
+        </a:p>
+      </dgm:t>
+    </dgm:pt>
+    <dgm:pt modelId="{03CB5C70-3822-CE43-8AE2-620C8059FD83}" type="pres">
+      <dgm:prSet presAssocID="{5B3E725C-4421-A149-AB8A-05B67E69FD8E}" presName="parSh" presStyleLbl="node1" presStyleIdx="0" presStyleCnt="5"/>
+      <dgm:spPr/>
+      <dgm:t>
+        <a:bodyPr/>
+        <a:lstStyle/>
+        <a:p>
+          <a:endParaRPr lang="en-US"/>
+        </a:p>
+      </dgm:t>
+    </dgm:pt>
+    <dgm:pt modelId="{E0D3EB3E-E6D9-7948-B486-462851E2DCB1}" type="pres">
+      <dgm:prSet presAssocID="{5B3E725C-4421-A149-AB8A-05B67E69FD8E}" presName="desTx" presStyleLbl="fgAcc1" presStyleIdx="0" presStyleCnt="5">
+        <dgm:presLayoutVars>
+          <dgm:bulletEnabled val="1"/>
+        </dgm:presLayoutVars>
+      </dgm:prSet>
+      <dgm:spPr/>
+      <dgm:t>
+        <a:bodyPr/>
+        <a:lstStyle/>
+        <a:p>
+          <a:endParaRPr lang="en-US"/>
+        </a:p>
+      </dgm:t>
+    </dgm:pt>
+    <dgm:pt modelId="{23E92317-3B8C-1E4E-8D24-076D101C4C29}" type="pres">
+      <dgm:prSet presAssocID="{85744240-6650-C14C-88C5-9EF7DFEDE299}" presName="sibTrans" presStyleLbl="sibTrans2D1" presStyleIdx="0" presStyleCnt="4"/>
+      <dgm:spPr/>
+      <dgm:t>
+        <a:bodyPr/>
+        <a:lstStyle/>
+        <a:p>
+          <a:endParaRPr lang="en-US"/>
+        </a:p>
+      </dgm:t>
+    </dgm:pt>
+    <dgm:pt modelId="{74F5643E-B62A-6542-8083-0AE3F9227AAD}" type="pres">
+      <dgm:prSet presAssocID="{85744240-6650-C14C-88C5-9EF7DFEDE299}" presName="connTx" presStyleLbl="sibTrans2D1" presStyleIdx="0" presStyleCnt="4"/>
+      <dgm:spPr/>
+      <dgm:t>
+        <a:bodyPr/>
+        <a:lstStyle/>
+        <a:p>
+          <a:endParaRPr lang="en-US"/>
+        </a:p>
+      </dgm:t>
+    </dgm:pt>
+    <dgm:pt modelId="{6C33EC95-303A-5846-9AB6-B153A95D906E}" type="pres">
+      <dgm:prSet presAssocID="{2CEC9D32-0FC6-CB4A-8340-F09393F5ECA6}" presName="composite" presStyleCnt="0"/>
+      <dgm:spPr/>
+    </dgm:pt>
+    <dgm:pt modelId="{D4449FC2-5F54-7B44-AFCF-65430B5A4FD3}" type="pres">
+      <dgm:prSet presAssocID="{2CEC9D32-0FC6-CB4A-8340-F09393F5ECA6}" presName="parTx" presStyleLbl="node1" presStyleIdx="0" presStyleCnt="5">
+        <dgm:presLayoutVars>
+          <dgm:chMax val="0"/>
+          <dgm:chPref val="0"/>
+          <dgm:bulletEnabled val="1"/>
+        </dgm:presLayoutVars>
+      </dgm:prSet>
+      <dgm:spPr/>
+      <dgm:t>
+        <a:bodyPr/>
+        <a:lstStyle/>
+        <a:p>
+          <a:endParaRPr lang="en-US"/>
+        </a:p>
+      </dgm:t>
+    </dgm:pt>
+    <dgm:pt modelId="{0AE8FB6A-B540-1C4B-9412-7DE2F7CC2288}" type="pres">
+      <dgm:prSet presAssocID="{2CEC9D32-0FC6-CB4A-8340-F09393F5ECA6}" presName="parSh" presStyleLbl="node1" presStyleIdx="1" presStyleCnt="5"/>
+      <dgm:spPr/>
+      <dgm:t>
+        <a:bodyPr/>
+        <a:lstStyle/>
+        <a:p>
+          <a:endParaRPr lang="en-US"/>
+        </a:p>
+      </dgm:t>
+    </dgm:pt>
+    <dgm:pt modelId="{7AFC142F-B6C3-8B42-9AD0-F5C3010DD2EC}" type="pres">
+      <dgm:prSet presAssocID="{2CEC9D32-0FC6-CB4A-8340-F09393F5ECA6}" presName="desTx" presStyleLbl="fgAcc1" presStyleIdx="1" presStyleCnt="5">
+        <dgm:presLayoutVars>
+          <dgm:bulletEnabled val="1"/>
+        </dgm:presLayoutVars>
+      </dgm:prSet>
+      <dgm:spPr/>
+      <dgm:t>
+        <a:bodyPr/>
+        <a:lstStyle/>
+        <a:p>
+          <a:endParaRPr lang="en-US"/>
+        </a:p>
+      </dgm:t>
+    </dgm:pt>
+    <dgm:pt modelId="{C0EB007B-25DA-6041-ABF9-4742DAF5C0B0}" type="pres">
+      <dgm:prSet presAssocID="{58A1B85C-906D-B74F-8784-D1B8696C5867}" presName="sibTrans" presStyleLbl="sibTrans2D1" presStyleIdx="1" presStyleCnt="4"/>
+      <dgm:spPr/>
+      <dgm:t>
+        <a:bodyPr/>
+        <a:lstStyle/>
+        <a:p>
+          <a:endParaRPr lang="en-US"/>
+        </a:p>
+      </dgm:t>
+    </dgm:pt>
+    <dgm:pt modelId="{A58FA73C-E5D4-4945-8E3E-54D6C5612F9A}" type="pres">
+      <dgm:prSet presAssocID="{58A1B85C-906D-B74F-8784-D1B8696C5867}" presName="connTx" presStyleLbl="sibTrans2D1" presStyleIdx="1" presStyleCnt="4"/>
+      <dgm:spPr/>
+      <dgm:t>
+        <a:bodyPr/>
+        <a:lstStyle/>
+        <a:p>
+          <a:endParaRPr lang="en-US"/>
+        </a:p>
+      </dgm:t>
+    </dgm:pt>
+    <dgm:pt modelId="{D1B0C368-6596-D04B-B666-32DAEA308544}" type="pres">
+      <dgm:prSet presAssocID="{480C8E14-6690-5246-A09D-113226CF946B}" presName="composite" presStyleCnt="0"/>
+      <dgm:spPr/>
+    </dgm:pt>
+    <dgm:pt modelId="{1417646B-D52D-2D49-BEEE-EC5BD9CA049D}" type="pres">
+      <dgm:prSet presAssocID="{480C8E14-6690-5246-A09D-113226CF946B}" presName="parTx" presStyleLbl="node1" presStyleIdx="1" presStyleCnt="5">
+        <dgm:presLayoutVars>
+          <dgm:chMax val="0"/>
+          <dgm:chPref val="0"/>
+          <dgm:bulletEnabled val="1"/>
+        </dgm:presLayoutVars>
+      </dgm:prSet>
+      <dgm:spPr/>
+      <dgm:t>
+        <a:bodyPr/>
+        <a:lstStyle/>
+        <a:p>
+          <a:endParaRPr lang="en-US"/>
+        </a:p>
+      </dgm:t>
+    </dgm:pt>
+    <dgm:pt modelId="{78C8241D-FA60-AB4D-A783-1251CFDCACE5}" type="pres">
+      <dgm:prSet presAssocID="{480C8E14-6690-5246-A09D-113226CF946B}" presName="parSh" presStyleLbl="node1" presStyleIdx="2" presStyleCnt="5"/>
+      <dgm:spPr/>
+      <dgm:t>
+        <a:bodyPr/>
+        <a:lstStyle/>
+        <a:p>
+          <a:endParaRPr lang="en-US"/>
+        </a:p>
+      </dgm:t>
+    </dgm:pt>
+    <dgm:pt modelId="{95F220FA-4CEE-B449-9EA6-5A3B4D508E84}" type="pres">
+      <dgm:prSet presAssocID="{480C8E14-6690-5246-A09D-113226CF946B}" presName="desTx" presStyleLbl="fgAcc1" presStyleIdx="2" presStyleCnt="5">
+        <dgm:presLayoutVars>
+          <dgm:bulletEnabled val="1"/>
+        </dgm:presLayoutVars>
+      </dgm:prSet>
+      <dgm:spPr/>
+      <dgm:t>
+        <a:bodyPr/>
+        <a:lstStyle/>
+        <a:p>
+          <a:endParaRPr lang="en-US"/>
+        </a:p>
+      </dgm:t>
+    </dgm:pt>
+    <dgm:pt modelId="{0B1747E6-6A38-4E49-9FE9-E121C6ACF143}" type="pres">
+      <dgm:prSet presAssocID="{BF51EC06-366D-284E-9306-23CE3576FD00}" presName="sibTrans" presStyleLbl="sibTrans2D1" presStyleIdx="2" presStyleCnt="4"/>
+      <dgm:spPr/>
+      <dgm:t>
+        <a:bodyPr/>
+        <a:lstStyle/>
+        <a:p>
+          <a:endParaRPr lang="en-US"/>
+        </a:p>
+      </dgm:t>
+    </dgm:pt>
+    <dgm:pt modelId="{98BF4E89-FE2D-CD4E-8520-FCD91A32DF6A}" type="pres">
+      <dgm:prSet presAssocID="{BF51EC06-366D-284E-9306-23CE3576FD00}" presName="connTx" presStyleLbl="sibTrans2D1" presStyleIdx="2" presStyleCnt="4"/>
+      <dgm:spPr/>
+      <dgm:t>
+        <a:bodyPr/>
+        <a:lstStyle/>
+        <a:p>
+          <a:endParaRPr lang="en-US"/>
+        </a:p>
+      </dgm:t>
+    </dgm:pt>
+    <dgm:pt modelId="{900A0E1B-6678-5F4A-A574-B0AC71047127}" type="pres">
+      <dgm:prSet presAssocID="{D736B8A7-F612-6B47-8207-6650B91EAC3C}" presName="composite" presStyleCnt="0"/>
+      <dgm:spPr/>
+    </dgm:pt>
+    <dgm:pt modelId="{1CA75654-2F63-FB40-8641-0C079241216C}" type="pres">
+      <dgm:prSet presAssocID="{D736B8A7-F612-6B47-8207-6650B91EAC3C}" presName="parTx" presStyleLbl="node1" presStyleIdx="2" presStyleCnt="5">
+        <dgm:presLayoutVars>
+          <dgm:chMax val="0"/>
+          <dgm:chPref val="0"/>
+          <dgm:bulletEnabled val="1"/>
+        </dgm:presLayoutVars>
+      </dgm:prSet>
+      <dgm:spPr/>
+      <dgm:t>
+        <a:bodyPr/>
+        <a:lstStyle/>
+        <a:p>
+          <a:endParaRPr lang="en-US"/>
+        </a:p>
+      </dgm:t>
+    </dgm:pt>
+    <dgm:pt modelId="{F71CCE56-B83B-E64A-855C-C921E154677E}" type="pres">
+      <dgm:prSet presAssocID="{D736B8A7-F612-6B47-8207-6650B91EAC3C}" presName="parSh" presStyleLbl="node1" presStyleIdx="3" presStyleCnt="5"/>
+      <dgm:spPr/>
+      <dgm:t>
+        <a:bodyPr/>
+        <a:lstStyle/>
+        <a:p>
+          <a:endParaRPr lang="en-US"/>
+        </a:p>
+      </dgm:t>
+    </dgm:pt>
+    <dgm:pt modelId="{97B9A6AB-6914-0640-9E8A-9802322CA685}" type="pres">
+      <dgm:prSet presAssocID="{D736B8A7-F612-6B47-8207-6650B91EAC3C}" presName="desTx" presStyleLbl="fgAcc1" presStyleIdx="3" presStyleCnt="5">
+        <dgm:presLayoutVars>
+          <dgm:bulletEnabled val="1"/>
+        </dgm:presLayoutVars>
+      </dgm:prSet>
+      <dgm:spPr/>
+      <dgm:t>
+        <a:bodyPr/>
+        <a:lstStyle/>
+        <a:p>
+          <a:endParaRPr lang="en-US"/>
+        </a:p>
+      </dgm:t>
+    </dgm:pt>
+    <dgm:pt modelId="{D0968DDF-70D8-3745-AEE5-0D65737991E1}" type="pres">
+      <dgm:prSet presAssocID="{AC02A432-3FA3-F942-942A-D20DB9220B6E}" presName="sibTrans" presStyleLbl="sibTrans2D1" presStyleIdx="3" presStyleCnt="4"/>
+      <dgm:spPr/>
+      <dgm:t>
+        <a:bodyPr/>
+        <a:lstStyle/>
+        <a:p>
+          <a:endParaRPr lang="en-US"/>
+        </a:p>
+      </dgm:t>
+    </dgm:pt>
+    <dgm:pt modelId="{09BD36C4-57CF-1343-ADFA-071881FAA375}" type="pres">
+      <dgm:prSet presAssocID="{AC02A432-3FA3-F942-942A-D20DB9220B6E}" presName="connTx" presStyleLbl="sibTrans2D1" presStyleIdx="3" presStyleCnt="4"/>
+      <dgm:spPr/>
+      <dgm:t>
+        <a:bodyPr/>
+        <a:lstStyle/>
+        <a:p>
+          <a:endParaRPr lang="en-US"/>
+        </a:p>
+      </dgm:t>
+    </dgm:pt>
+    <dgm:pt modelId="{CFBEC697-89B3-BB44-B2A8-E7664DAFF16C}" type="pres">
+      <dgm:prSet presAssocID="{0F72C8DF-234B-EE4B-940C-F9212D28AA32}" presName="composite" presStyleCnt="0"/>
+      <dgm:spPr/>
+    </dgm:pt>
+    <dgm:pt modelId="{55AA8FFA-0265-FF41-AF2E-D3E0F28CEB61}" type="pres">
+      <dgm:prSet presAssocID="{0F72C8DF-234B-EE4B-940C-F9212D28AA32}" presName="parTx" presStyleLbl="node1" presStyleIdx="3" presStyleCnt="5">
+        <dgm:presLayoutVars>
+          <dgm:chMax val="0"/>
+          <dgm:chPref val="0"/>
+          <dgm:bulletEnabled val="1"/>
+        </dgm:presLayoutVars>
+      </dgm:prSet>
+      <dgm:spPr/>
+      <dgm:t>
+        <a:bodyPr/>
+        <a:lstStyle/>
+        <a:p>
+          <a:endParaRPr lang="en-US"/>
+        </a:p>
+      </dgm:t>
+    </dgm:pt>
+    <dgm:pt modelId="{44A053C0-8533-4742-BE10-F7F5E118D733}" type="pres">
+      <dgm:prSet presAssocID="{0F72C8DF-234B-EE4B-940C-F9212D28AA32}" presName="parSh" presStyleLbl="node1" presStyleIdx="4" presStyleCnt="5"/>
+      <dgm:spPr/>
+      <dgm:t>
+        <a:bodyPr/>
+        <a:lstStyle/>
+        <a:p>
+          <a:endParaRPr lang="en-US"/>
+        </a:p>
+      </dgm:t>
+    </dgm:pt>
+    <dgm:pt modelId="{5210E257-E882-4547-B2CB-AB0EA9E71C5B}" type="pres">
+      <dgm:prSet presAssocID="{0F72C8DF-234B-EE4B-940C-F9212D28AA32}" presName="desTx" presStyleLbl="fgAcc1" presStyleIdx="4" presStyleCnt="5">
+        <dgm:presLayoutVars>
+          <dgm:bulletEnabled val="1"/>
+        </dgm:presLayoutVars>
+      </dgm:prSet>
+      <dgm:spPr/>
+      <dgm:t>
+        <a:bodyPr/>
+        <a:lstStyle/>
+        <a:p>
+          <a:endParaRPr lang="en-US"/>
+        </a:p>
+      </dgm:t>
+    </dgm:pt>
+  </dgm:ptLst>
+  <dgm:cxnLst>
+    <dgm:cxn modelId="{169738AF-1462-6748-925E-3D0D0A73995A}" type="presOf" srcId="{5B3E725C-4421-A149-AB8A-05B67E69FD8E}" destId="{F0C7A88F-66BB-2141-9EA2-E2C037F52CB9}" srcOrd="0" destOrd="0" presId="urn:microsoft.com/office/officeart/2005/8/layout/process3"/>
+    <dgm:cxn modelId="{D92BC46B-C50B-DB48-98B2-E956EBB93DC5}" srcId="{480C8E14-6690-5246-A09D-113226CF946B}" destId="{A9E5D53B-D5C4-8F4D-BAE8-3C6923388E74}" srcOrd="1" destOrd="0" parTransId="{932C55AC-90FB-9B4E-B919-4D1715755334}" sibTransId="{7905C759-3FA0-9243-8461-BCF41D897196}"/>
+    <dgm:cxn modelId="{45CDA521-92CD-9041-96FE-D3990B7245AB}" type="presOf" srcId="{2CEC9D32-0FC6-CB4A-8340-F09393F5ECA6}" destId="{D4449FC2-5F54-7B44-AFCF-65430B5A4FD3}" srcOrd="0" destOrd="0" presId="urn:microsoft.com/office/officeart/2005/8/layout/process3"/>
+    <dgm:cxn modelId="{9A644D66-2976-624A-B9E1-EAEEDC00BB64}" type="presOf" srcId="{BF51EC06-366D-284E-9306-23CE3576FD00}" destId="{0B1747E6-6A38-4E49-9FE9-E121C6ACF143}" srcOrd="0" destOrd="0" presId="urn:microsoft.com/office/officeart/2005/8/layout/process3"/>
+    <dgm:cxn modelId="{835DA15E-B598-8B4F-8F9D-7C7B601AD098}" type="presOf" srcId="{58A1B85C-906D-B74F-8784-D1B8696C5867}" destId="{A58FA73C-E5D4-4945-8E3E-54D6C5612F9A}" srcOrd="1" destOrd="0" presId="urn:microsoft.com/office/officeart/2005/8/layout/process3"/>
+    <dgm:cxn modelId="{6C85406C-7352-264B-A02C-A2DC7925CF52}" srcId="{5B3E725C-4421-A149-AB8A-05B67E69FD8E}" destId="{2B522FD3-CDC1-774E-A5A8-2F9ADB8867A9}" srcOrd="0" destOrd="0" parTransId="{CB75393F-B5E5-294C-BA6E-3700459A681A}" sibTransId="{885CAC9A-E917-A54F-A3A8-AE3A198E49DA}"/>
+    <dgm:cxn modelId="{5D0B94A1-FA25-584D-9811-1BAC098C45CB}" type="presOf" srcId="{AC02A432-3FA3-F942-942A-D20DB9220B6E}" destId="{D0968DDF-70D8-3745-AEE5-0D65737991E1}" srcOrd="0" destOrd="0" presId="urn:microsoft.com/office/officeart/2005/8/layout/process3"/>
+    <dgm:cxn modelId="{70E5E4FB-4EE1-544E-8A67-24360672B74C}" srcId="{4D896E4D-516D-E84C-AD82-01EBA81B8E34}" destId="{D736B8A7-F612-6B47-8207-6650B91EAC3C}" srcOrd="3" destOrd="0" parTransId="{601C9011-E087-7F48-8356-E8669AE5D2D7}" sibTransId="{AC02A432-3FA3-F942-942A-D20DB9220B6E}"/>
+    <dgm:cxn modelId="{896E3F47-4049-444E-8911-58F7A8FD4B5E}" srcId="{4D896E4D-516D-E84C-AD82-01EBA81B8E34}" destId="{0F72C8DF-234B-EE4B-940C-F9212D28AA32}" srcOrd="4" destOrd="0" parTransId="{B3CAF1DD-DF25-0A4D-891A-56D4046C6024}" sibTransId="{8F97D178-553D-4443-8F2C-5D141C54FE43}"/>
+    <dgm:cxn modelId="{67C21375-EFC0-8B46-A281-9121F15991D8}" srcId="{2CEC9D32-0FC6-CB4A-8340-F09393F5ECA6}" destId="{A917F87A-4168-4247-A3D8-51C49A494C30}" srcOrd="0" destOrd="0" parTransId="{3B2FD256-4AC5-E84C-9673-8FF36DD65E94}" sibTransId="{370F2F7C-4B28-7A4B-B3B5-6D606101E205}"/>
+    <dgm:cxn modelId="{6BDACC12-C0B9-464A-8D84-3789D88BE148}" type="presOf" srcId="{4D896E4D-516D-E84C-AD82-01EBA81B8E34}" destId="{F4C6E946-3740-D144-8E29-153DA3C06733}" srcOrd="0" destOrd="0" presId="urn:microsoft.com/office/officeart/2005/8/layout/process3"/>
+    <dgm:cxn modelId="{A674B892-0419-1440-9A0E-656A051DECB5}" type="presOf" srcId="{58A1B85C-906D-B74F-8784-D1B8696C5867}" destId="{C0EB007B-25DA-6041-ABF9-4742DAF5C0B0}" srcOrd="0" destOrd="0" presId="urn:microsoft.com/office/officeart/2005/8/layout/process3"/>
+    <dgm:cxn modelId="{481C48BC-A6D7-6341-BCE1-A74134A798E2}" type="presOf" srcId="{2CEC9D32-0FC6-CB4A-8340-F09393F5ECA6}" destId="{0AE8FB6A-B540-1C4B-9412-7DE2F7CC2288}" srcOrd="1" destOrd="0" presId="urn:microsoft.com/office/officeart/2005/8/layout/process3"/>
+    <dgm:cxn modelId="{50F0C5FE-AFFF-9642-845C-8F8ADBACC385}" type="presOf" srcId="{AC02A432-3FA3-F942-942A-D20DB9220B6E}" destId="{09BD36C4-57CF-1343-ADFA-071881FAA375}" srcOrd="1" destOrd="0" presId="urn:microsoft.com/office/officeart/2005/8/layout/process3"/>
+    <dgm:cxn modelId="{8EED9A19-0C48-1647-8AAF-A2BE0EC2AABC}" type="presOf" srcId="{5B3E725C-4421-A149-AB8A-05B67E69FD8E}" destId="{03CB5C70-3822-CE43-8AE2-620C8059FD83}" srcOrd="1" destOrd="0" presId="urn:microsoft.com/office/officeart/2005/8/layout/process3"/>
+    <dgm:cxn modelId="{72A5051C-C342-E344-9E48-2ADF168E6045}" type="presOf" srcId="{BF51EC06-366D-284E-9306-23CE3576FD00}" destId="{98BF4E89-FE2D-CD4E-8520-FCD91A32DF6A}" srcOrd="1" destOrd="0" presId="urn:microsoft.com/office/officeart/2005/8/layout/process3"/>
+    <dgm:cxn modelId="{D917D9B8-EEC4-CC41-958B-A5C53286ADF3}" type="presOf" srcId="{480C8E14-6690-5246-A09D-113226CF946B}" destId="{78C8241D-FA60-AB4D-A783-1251CFDCACE5}" srcOrd="1" destOrd="0" presId="urn:microsoft.com/office/officeart/2005/8/layout/process3"/>
+    <dgm:cxn modelId="{8FA59343-7997-0B40-AA1A-94C5E9953745}" type="presOf" srcId="{85744240-6650-C14C-88C5-9EF7DFEDE299}" destId="{74F5643E-B62A-6542-8083-0AE3F9227AAD}" srcOrd="1" destOrd="0" presId="urn:microsoft.com/office/officeart/2005/8/layout/process3"/>
+    <dgm:cxn modelId="{2EFDCD69-51A7-5244-A89F-49935561FF59}" srcId="{4D896E4D-516D-E84C-AD82-01EBA81B8E34}" destId="{480C8E14-6690-5246-A09D-113226CF946B}" srcOrd="2" destOrd="0" parTransId="{E7E42664-1E44-0E42-B765-7F662606C807}" sibTransId="{BF51EC06-366D-284E-9306-23CE3576FD00}"/>
+    <dgm:cxn modelId="{A4CD3CBA-DB34-534B-ABC3-1A5DF19A3090}" type="presOf" srcId="{D736B8A7-F612-6B47-8207-6650B91EAC3C}" destId="{F71CCE56-B83B-E64A-855C-C921E154677E}" srcOrd="1" destOrd="0" presId="urn:microsoft.com/office/officeart/2005/8/layout/process3"/>
+    <dgm:cxn modelId="{89790874-3396-8840-AF7B-CE82059A67EF}" type="presOf" srcId="{480C8E14-6690-5246-A09D-113226CF946B}" destId="{1417646B-D52D-2D49-BEEE-EC5BD9CA049D}" srcOrd="0" destOrd="0" presId="urn:microsoft.com/office/officeart/2005/8/layout/process3"/>
+    <dgm:cxn modelId="{20DFFE15-3C6E-9A43-A88B-6397F6635DA5}" type="presOf" srcId="{567559C5-31CC-8B41-9B23-5C0238727BD7}" destId="{97B9A6AB-6914-0640-9E8A-9802322CA685}" srcOrd="0" destOrd="0" presId="urn:microsoft.com/office/officeart/2005/8/layout/process3"/>
+    <dgm:cxn modelId="{06912147-3ED4-194D-A490-D022633CCDDB}" type="presOf" srcId="{0159C29D-5ED6-764F-B436-556F78E5DEC2}" destId="{5210E257-E882-4547-B2CB-AB0EA9E71C5B}" srcOrd="0" destOrd="0" presId="urn:microsoft.com/office/officeart/2005/8/layout/process3"/>
+    <dgm:cxn modelId="{738C16AF-0DC1-4F41-943D-B0D1541B9DE1}" srcId="{0F72C8DF-234B-EE4B-940C-F9212D28AA32}" destId="{0159C29D-5ED6-764F-B436-556F78E5DEC2}" srcOrd="0" destOrd="0" parTransId="{F2C3B2BE-2004-DE44-9D45-DFB5348DAAB7}" sibTransId="{A812746C-ECD2-1143-940D-9D43BBE386BE}"/>
+    <dgm:cxn modelId="{DFA79DE4-A983-F44C-8CE5-F0076C715A74}" type="presOf" srcId="{D736B8A7-F612-6B47-8207-6650B91EAC3C}" destId="{1CA75654-2F63-FB40-8641-0C079241216C}" srcOrd="0" destOrd="0" presId="urn:microsoft.com/office/officeart/2005/8/layout/process3"/>
+    <dgm:cxn modelId="{9468E73B-7F9A-2C43-B7F0-2E76531C12EB}" type="presOf" srcId="{0F72C8DF-234B-EE4B-940C-F9212D28AA32}" destId="{44A053C0-8533-4742-BE10-F7F5E118D733}" srcOrd="1" destOrd="0" presId="urn:microsoft.com/office/officeart/2005/8/layout/process3"/>
+    <dgm:cxn modelId="{CE06876E-634E-0546-9EDB-DA38C8FA3532}" type="presOf" srcId="{2B522FD3-CDC1-774E-A5A8-2F9ADB8867A9}" destId="{E0D3EB3E-E6D9-7948-B486-462851E2DCB1}" srcOrd="0" destOrd="0" presId="urn:microsoft.com/office/officeart/2005/8/layout/process3"/>
+    <dgm:cxn modelId="{42FFAB32-43B2-3C4E-9C64-2ED56F961443}" srcId="{480C8E14-6690-5246-A09D-113226CF946B}" destId="{7D283998-3098-244A-820C-D6C90FA4FD63}" srcOrd="0" destOrd="0" parTransId="{B414DC37-1F2C-9947-951C-2806EA2C7358}" sibTransId="{B4E89393-C982-D945-883E-8582A6E60746}"/>
+    <dgm:cxn modelId="{6CB7893A-EFF2-5343-8995-FC1B68CEEB3C}" srcId="{D736B8A7-F612-6B47-8207-6650B91EAC3C}" destId="{567559C5-31CC-8B41-9B23-5C0238727BD7}" srcOrd="0" destOrd="0" parTransId="{4ADC6EAA-4E7A-4344-A2E8-967009C497A4}" sibTransId="{DA78C82C-1103-4F4A-8540-2C4FBC2F48FC}"/>
+    <dgm:cxn modelId="{E3B49311-ADEE-5A43-B596-ACE021183765}" srcId="{4D896E4D-516D-E84C-AD82-01EBA81B8E34}" destId="{2CEC9D32-0FC6-CB4A-8340-F09393F5ECA6}" srcOrd="1" destOrd="0" parTransId="{1CB826F8-4CB4-3342-B3C7-441B4EF95ED2}" sibTransId="{58A1B85C-906D-B74F-8784-D1B8696C5867}"/>
+    <dgm:cxn modelId="{B49B57EB-60FF-8B43-9034-69F84BF1B11B}" type="presOf" srcId="{A9E5D53B-D5C4-8F4D-BAE8-3C6923388E74}" destId="{95F220FA-4CEE-B449-9EA6-5A3B4D508E84}" srcOrd="0" destOrd="1" presId="urn:microsoft.com/office/officeart/2005/8/layout/process3"/>
+    <dgm:cxn modelId="{46EB11DB-538F-F345-A3C2-573FBE0D818E}" type="presOf" srcId="{85744240-6650-C14C-88C5-9EF7DFEDE299}" destId="{23E92317-3B8C-1E4E-8D24-076D101C4C29}" srcOrd="0" destOrd="0" presId="urn:microsoft.com/office/officeart/2005/8/layout/process3"/>
+    <dgm:cxn modelId="{6B63B682-E49F-C143-8911-C9A72F6F0918}" srcId="{4D896E4D-516D-E84C-AD82-01EBA81B8E34}" destId="{5B3E725C-4421-A149-AB8A-05B67E69FD8E}" srcOrd="0" destOrd="0" parTransId="{415C3AB9-0E06-9F44-9CEE-C52D1E7B8D4E}" sibTransId="{85744240-6650-C14C-88C5-9EF7DFEDE299}"/>
+    <dgm:cxn modelId="{8F8BAEE6-1D3D-5747-8582-63CA4CE50B85}" type="presOf" srcId="{0F72C8DF-234B-EE4B-940C-F9212D28AA32}" destId="{55AA8FFA-0265-FF41-AF2E-D3E0F28CEB61}" srcOrd="0" destOrd="0" presId="urn:microsoft.com/office/officeart/2005/8/layout/process3"/>
+    <dgm:cxn modelId="{C2053E8C-6B93-4D4E-9CA2-53FEDD6C4776}" type="presOf" srcId="{7D283998-3098-244A-820C-D6C90FA4FD63}" destId="{95F220FA-4CEE-B449-9EA6-5A3B4D508E84}" srcOrd="0" destOrd="0" presId="urn:microsoft.com/office/officeart/2005/8/layout/process3"/>
+    <dgm:cxn modelId="{1D407E9F-4DBE-EA4B-9694-B96BC2B57835}" type="presOf" srcId="{A917F87A-4168-4247-A3D8-51C49A494C30}" destId="{7AFC142F-B6C3-8B42-9AD0-F5C3010DD2EC}" srcOrd="0" destOrd="0" presId="urn:microsoft.com/office/officeart/2005/8/layout/process3"/>
+    <dgm:cxn modelId="{A3FFEA94-6ABD-B54E-AECC-18D6019E6534}" type="presParOf" srcId="{F4C6E946-3740-D144-8E29-153DA3C06733}" destId="{F74BE83E-B1C0-004F-BFB7-5C2892D259E5}" srcOrd="0" destOrd="0" presId="urn:microsoft.com/office/officeart/2005/8/layout/process3"/>
+    <dgm:cxn modelId="{BC850EAD-3C24-C448-A55F-5FA392C41B68}" type="presParOf" srcId="{F74BE83E-B1C0-004F-BFB7-5C2892D259E5}" destId="{F0C7A88F-66BB-2141-9EA2-E2C037F52CB9}" srcOrd="0" destOrd="0" presId="urn:microsoft.com/office/officeart/2005/8/layout/process3"/>
+    <dgm:cxn modelId="{D24A992B-91E7-744C-8508-7B73EF8E9900}" type="presParOf" srcId="{F74BE83E-B1C0-004F-BFB7-5C2892D259E5}" destId="{03CB5C70-3822-CE43-8AE2-620C8059FD83}" srcOrd="1" destOrd="0" presId="urn:microsoft.com/office/officeart/2005/8/layout/process3"/>
+    <dgm:cxn modelId="{7A6A81D5-C7CC-4644-A022-2252C94E23A5}" type="presParOf" srcId="{F74BE83E-B1C0-004F-BFB7-5C2892D259E5}" destId="{E0D3EB3E-E6D9-7948-B486-462851E2DCB1}" srcOrd="2" destOrd="0" presId="urn:microsoft.com/office/officeart/2005/8/layout/process3"/>
+    <dgm:cxn modelId="{6662659C-7F9A-5247-A384-C4255B6D1730}" type="presParOf" srcId="{F4C6E946-3740-D144-8E29-153DA3C06733}" destId="{23E92317-3B8C-1E4E-8D24-076D101C4C29}" srcOrd="1" destOrd="0" presId="urn:microsoft.com/office/officeart/2005/8/layout/process3"/>
+    <dgm:cxn modelId="{2F39E390-9AB7-CA42-B67E-865482A999F7}" type="presParOf" srcId="{23E92317-3B8C-1E4E-8D24-076D101C4C29}" destId="{74F5643E-B62A-6542-8083-0AE3F9227AAD}" srcOrd="0" destOrd="0" presId="urn:microsoft.com/office/officeart/2005/8/layout/process3"/>
+    <dgm:cxn modelId="{0EC741CA-B86D-A743-96E8-3F221FB9C740}" type="presParOf" srcId="{F4C6E946-3740-D144-8E29-153DA3C06733}" destId="{6C33EC95-303A-5846-9AB6-B153A95D906E}" srcOrd="2" destOrd="0" presId="urn:microsoft.com/office/officeart/2005/8/layout/process3"/>
+    <dgm:cxn modelId="{4BB800F3-5297-5E45-96FE-6196E08A2F4D}" type="presParOf" srcId="{6C33EC95-303A-5846-9AB6-B153A95D906E}" destId="{D4449FC2-5F54-7B44-AFCF-65430B5A4FD3}" srcOrd="0" destOrd="0" presId="urn:microsoft.com/office/officeart/2005/8/layout/process3"/>
+    <dgm:cxn modelId="{F21E780A-89AB-684E-91A1-A3B353356F79}" type="presParOf" srcId="{6C33EC95-303A-5846-9AB6-B153A95D906E}" destId="{0AE8FB6A-B540-1C4B-9412-7DE2F7CC2288}" srcOrd="1" destOrd="0" presId="urn:microsoft.com/office/officeart/2005/8/layout/process3"/>
+    <dgm:cxn modelId="{16CC172D-08B6-F24F-B763-A54777AA435C}" type="presParOf" srcId="{6C33EC95-303A-5846-9AB6-B153A95D906E}" destId="{7AFC142F-B6C3-8B42-9AD0-F5C3010DD2EC}" srcOrd="2" destOrd="0" presId="urn:microsoft.com/office/officeart/2005/8/layout/process3"/>
+    <dgm:cxn modelId="{2DCD83B2-A79D-C04B-9567-C2CDE96FE652}" type="presParOf" srcId="{F4C6E946-3740-D144-8E29-153DA3C06733}" destId="{C0EB007B-25DA-6041-ABF9-4742DAF5C0B0}" srcOrd="3" destOrd="0" presId="urn:microsoft.com/office/officeart/2005/8/layout/process3"/>
+    <dgm:cxn modelId="{EF1D7A0D-59A4-8A4E-BEF5-59459D83617C}" type="presParOf" srcId="{C0EB007B-25DA-6041-ABF9-4742DAF5C0B0}" destId="{A58FA73C-E5D4-4945-8E3E-54D6C5612F9A}" srcOrd="0" destOrd="0" presId="urn:microsoft.com/office/officeart/2005/8/layout/process3"/>
+    <dgm:cxn modelId="{B937EC28-809D-5943-AF5B-FAE537BBEE3C}" type="presParOf" srcId="{F4C6E946-3740-D144-8E29-153DA3C06733}" destId="{D1B0C368-6596-D04B-B666-32DAEA308544}" srcOrd="4" destOrd="0" presId="urn:microsoft.com/office/officeart/2005/8/layout/process3"/>
+    <dgm:cxn modelId="{729FA787-957C-4043-8340-2D1B15BF086C}" type="presParOf" srcId="{D1B0C368-6596-D04B-B666-32DAEA308544}" destId="{1417646B-D52D-2D49-BEEE-EC5BD9CA049D}" srcOrd="0" destOrd="0" presId="urn:microsoft.com/office/officeart/2005/8/layout/process3"/>
+    <dgm:cxn modelId="{660676E1-4C16-9347-AEA5-B0D41AA73A24}" type="presParOf" srcId="{D1B0C368-6596-D04B-B666-32DAEA308544}" destId="{78C8241D-FA60-AB4D-A783-1251CFDCACE5}" srcOrd="1" destOrd="0" presId="urn:microsoft.com/office/officeart/2005/8/layout/process3"/>
+    <dgm:cxn modelId="{1D992ADC-E34E-374D-A33D-F12E4AA73230}" type="presParOf" srcId="{D1B0C368-6596-D04B-B666-32DAEA308544}" destId="{95F220FA-4CEE-B449-9EA6-5A3B4D508E84}" srcOrd="2" destOrd="0" presId="urn:microsoft.com/office/officeart/2005/8/layout/process3"/>
+    <dgm:cxn modelId="{DECB968C-C0E2-8D42-B153-0612F1DE29A2}" type="presParOf" srcId="{F4C6E946-3740-D144-8E29-153DA3C06733}" destId="{0B1747E6-6A38-4E49-9FE9-E121C6ACF143}" srcOrd="5" destOrd="0" presId="urn:microsoft.com/office/officeart/2005/8/layout/process3"/>
+    <dgm:cxn modelId="{1B83D0D0-4D38-C143-B557-0A9529E2A6BA}" type="presParOf" srcId="{0B1747E6-6A38-4E49-9FE9-E121C6ACF143}" destId="{98BF4E89-FE2D-CD4E-8520-FCD91A32DF6A}" srcOrd="0" destOrd="0" presId="urn:microsoft.com/office/officeart/2005/8/layout/process3"/>
+    <dgm:cxn modelId="{B6CD2CFF-8DB0-FA42-8B72-066A13BA7EDD}" type="presParOf" srcId="{F4C6E946-3740-D144-8E29-153DA3C06733}" destId="{900A0E1B-6678-5F4A-A574-B0AC71047127}" srcOrd="6" destOrd="0" presId="urn:microsoft.com/office/officeart/2005/8/layout/process3"/>
+    <dgm:cxn modelId="{132CA033-118C-7946-AFB7-0BA46205F281}" type="presParOf" srcId="{900A0E1B-6678-5F4A-A574-B0AC71047127}" destId="{1CA75654-2F63-FB40-8641-0C079241216C}" srcOrd="0" destOrd="0" presId="urn:microsoft.com/office/officeart/2005/8/layout/process3"/>
+    <dgm:cxn modelId="{7B325B20-6F0B-D346-A1EA-D7441DFE6C16}" type="presParOf" srcId="{900A0E1B-6678-5F4A-A574-B0AC71047127}" destId="{F71CCE56-B83B-E64A-855C-C921E154677E}" srcOrd="1" destOrd="0" presId="urn:microsoft.com/office/officeart/2005/8/layout/process3"/>
+    <dgm:cxn modelId="{51129DA0-195A-E749-BD83-28693FAE14E1}" type="presParOf" srcId="{900A0E1B-6678-5F4A-A574-B0AC71047127}" destId="{97B9A6AB-6914-0640-9E8A-9802322CA685}" srcOrd="2" destOrd="0" presId="urn:microsoft.com/office/officeart/2005/8/layout/process3"/>
+    <dgm:cxn modelId="{9D3F61DB-E592-684B-9822-DC9D5112A880}" type="presParOf" srcId="{F4C6E946-3740-D144-8E29-153DA3C06733}" destId="{D0968DDF-70D8-3745-AEE5-0D65737991E1}" srcOrd="7" destOrd="0" presId="urn:microsoft.com/office/officeart/2005/8/layout/process3"/>
+    <dgm:cxn modelId="{6EE9C8C3-F0F7-C44F-99F4-17771E74B72F}" type="presParOf" srcId="{D0968DDF-70D8-3745-AEE5-0D65737991E1}" destId="{09BD36C4-57CF-1343-ADFA-071881FAA375}" srcOrd="0" destOrd="0" presId="urn:microsoft.com/office/officeart/2005/8/layout/process3"/>
+    <dgm:cxn modelId="{14684953-FC3A-7648-87E0-F118EF868D14}" type="presParOf" srcId="{F4C6E946-3740-D144-8E29-153DA3C06733}" destId="{CFBEC697-89B3-BB44-B2A8-E7664DAFF16C}" srcOrd="8" destOrd="0" presId="urn:microsoft.com/office/officeart/2005/8/layout/process3"/>
+    <dgm:cxn modelId="{30ADCA2A-5D9C-FF4C-92D2-C7A2EAABEE94}" type="presParOf" srcId="{CFBEC697-89B3-BB44-B2A8-E7664DAFF16C}" destId="{55AA8FFA-0265-FF41-AF2E-D3E0F28CEB61}" srcOrd="0" destOrd="0" presId="urn:microsoft.com/office/officeart/2005/8/layout/process3"/>
+    <dgm:cxn modelId="{9B86AD1B-6DEF-D244-8882-CAD0E0F66107}" type="presParOf" srcId="{CFBEC697-89B3-BB44-B2A8-E7664DAFF16C}" destId="{44A053C0-8533-4742-BE10-F7F5E118D733}" srcOrd="1" destOrd="0" presId="urn:microsoft.com/office/officeart/2005/8/layout/process3"/>
+    <dgm:cxn modelId="{8A2E83C7-ECBC-1C49-9191-7D27A5D646D7}" type="presParOf" srcId="{CFBEC697-89B3-BB44-B2A8-E7664DAFF16C}" destId="{5210E257-E882-4547-B2CB-AB0EA9E71C5B}" srcOrd="2" destOrd="0" presId="urn:microsoft.com/office/officeart/2005/8/layout/process3"/>
+  </dgm:cxnLst>
+  <dgm:bg/>
+  <dgm:whole/>
+  <dgm:extLst>
+    <a:ext uri="http://schemas.microsoft.com/office/drawing/2008/diagram">
+      <dsp:dataModelExt xmlns:dsp="http://schemas.microsoft.com/office/drawing/2008/diagram" relId="rId6" minVer="http://schemas.openxmlformats.org/drawingml/2006/diagram"/>
+    </a:ext>
+  </dgm:extLst>
+</dgm:dataModel>
+</file>
+
+<file path=ppt/diagrams/drawing1.xml><?xml version="1.0" encoding="utf-8"?>
+<dsp:drawing xmlns:dgm="http://schemas.openxmlformats.org/drawingml/2006/diagram" xmlns:dsp="http://schemas.microsoft.com/office/drawing/2008/diagram" xmlns:a="http://schemas.openxmlformats.org/drawingml/2006/main">
+  <dsp:spTree>
+    <dsp:nvGrpSpPr>
+      <dsp:cNvPr id="0" name=""/>
+      <dsp:cNvGrpSpPr/>
+    </dsp:nvGrpSpPr>
+    <dsp:grpSpPr/>
+    <dsp:sp modelId="{03CB5C70-3822-CE43-8AE2-620C8059FD83}">
+      <dsp:nvSpPr>
+        <dsp:cNvPr id="0" name=""/>
+        <dsp:cNvSpPr/>
+      </dsp:nvSpPr>
+      <dsp:spPr>
+        <a:xfrm>
+          <a:off x="7073" y="1790930"/>
+          <a:ext cx="1595973" cy="957583"/>
+        </a:xfrm>
+        <a:prstGeom prst="roundRect">
+          <a:avLst>
+            <a:gd name="adj" fmla="val 10000"/>
+          </a:avLst>
+        </a:prstGeom>
+        <a:gradFill rotWithShape="0">
+          <a:gsLst>
+            <a:gs pos="0">
+              <a:schemeClr val="accent2">
+                <a:hueOff val="0"/>
+                <a:satOff val="0"/>
+                <a:lumOff val="0"/>
+                <a:alphaOff val="0"/>
+                <a:satMod val="103000"/>
+                <a:lumMod val="102000"/>
+                <a:tint val="94000"/>
+              </a:schemeClr>
+            </a:gs>
+            <a:gs pos="50000">
+              <a:schemeClr val="accent2">
+                <a:hueOff val="0"/>
+                <a:satOff val="0"/>
+                <a:lumOff val="0"/>
+                <a:alphaOff val="0"/>
+                <a:satMod val="110000"/>
+                <a:lumMod val="100000"/>
+                <a:shade val="100000"/>
+              </a:schemeClr>
+            </a:gs>
+            <a:gs pos="100000">
+              <a:schemeClr val="accent2">
+                <a:hueOff val="0"/>
+                <a:satOff val="0"/>
+                <a:lumOff val="0"/>
+                <a:alphaOff val="0"/>
+                <a:lumMod val="99000"/>
+                <a:satMod val="120000"/>
+                <a:shade val="78000"/>
+              </a:schemeClr>
+            </a:gs>
+          </a:gsLst>
+          <a:lin ang="5400000" scaled="0"/>
+        </a:gradFill>
+        <a:ln>
+          <a:noFill/>
+        </a:ln>
+        <a:effectLst/>
+      </dsp:spPr>
+      <dsp:style>
+        <a:lnRef idx="0">
+          <a:scrgbClr r="0" g="0" b="0"/>
+        </a:lnRef>
+        <a:fillRef idx="3">
+          <a:scrgbClr r="0" g="0" b="0"/>
+        </a:fillRef>
+        <a:effectRef idx="2">
+          <a:scrgbClr r="0" g="0" b="0"/>
+        </a:effectRef>
+        <a:fontRef idx="minor">
+          <a:schemeClr val="lt1"/>
+        </a:fontRef>
+      </dsp:style>
+      <dsp:txBody>
+        <a:bodyPr spcFirstLastPara="0" vert="horz" wrap="square" lIns="78232" tIns="78232" rIns="78232" bIns="41910" numCol="1" spcCol="1270" anchor="t" anchorCtr="0">
+          <a:noAutofit/>
+        </a:bodyPr>
+        <a:lstStyle/>
+        <a:p>
+          <a:pPr lvl="0" algn="l" defTabSz="488950">
+            <a:lnSpc>
+              <a:spcPct val="90000"/>
+            </a:lnSpc>
+            <a:spcBef>
+              <a:spcPct val="0"/>
+            </a:spcBef>
+            <a:spcAft>
+              <a:spcPct val="35000"/>
+            </a:spcAft>
+          </a:pPr>
+          <a:r>
+            <a:rPr lang="en-US" sz="1100" b="0" i="0" kern="1200" dirty="0" smtClean="0"/>
+            <a:t>Step 1: Data Processing </a:t>
+          </a:r>
+          <a:endParaRPr lang="en-US" sz="1100" b="0" kern="1200" dirty="0"/>
+        </a:p>
+      </dsp:txBody>
+      <dsp:txXfrm>
+        <a:off x="7073" y="1790930"/>
+        <a:ext cx="1595973" cy="638389"/>
+      </dsp:txXfrm>
+    </dsp:sp>
+    <dsp:sp modelId="{E0D3EB3E-E6D9-7948-B486-462851E2DCB1}">
+      <dsp:nvSpPr>
+        <dsp:cNvPr id="0" name=""/>
+        <dsp:cNvSpPr/>
+      </dsp:nvSpPr>
+      <dsp:spPr>
+        <a:xfrm>
+          <a:off x="333959" y="2429319"/>
+          <a:ext cx="1595973" cy="1113750"/>
+        </a:xfrm>
+        <a:prstGeom prst="roundRect">
+          <a:avLst>
+            <a:gd name="adj" fmla="val 10000"/>
+          </a:avLst>
+        </a:prstGeom>
+        <a:solidFill>
+          <a:schemeClr val="lt1">
+            <a:alpha val="90000"/>
+            <a:hueOff val="0"/>
+            <a:satOff val="0"/>
+            <a:lumOff val="0"/>
+            <a:alphaOff val="0"/>
+          </a:schemeClr>
+        </a:solidFill>
+        <a:ln w="6350" cap="flat" cmpd="sng" algn="ctr">
+          <a:solidFill>
+            <a:schemeClr val="accent2">
+              <a:hueOff val="0"/>
+              <a:satOff val="0"/>
+              <a:lumOff val="0"/>
+              <a:alphaOff val="0"/>
+            </a:schemeClr>
+          </a:solidFill>
+          <a:prstDash val="solid"/>
+          <a:miter lim="800000"/>
+        </a:ln>
+        <a:effectLst/>
+      </dsp:spPr>
+      <dsp:style>
+        <a:lnRef idx="1">
+          <a:scrgbClr r="0" g="0" b="0"/>
+        </a:lnRef>
+        <a:fillRef idx="1">
+          <a:scrgbClr r="0" g="0" b="0"/>
+        </a:fillRef>
+        <a:effectRef idx="0">
+          <a:scrgbClr r="0" g="0" b="0"/>
+        </a:effectRef>
+        <a:fontRef idx="minor"/>
+      </dsp:style>
+      <dsp:txBody>
+        <a:bodyPr spcFirstLastPara="0" vert="horz" wrap="square" lIns="78232" tIns="78232" rIns="78232" bIns="78232" numCol="1" spcCol="1270" anchor="t" anchorCtr="0">
+          <a:noAutofit/>
+        </a:bodyPr>
+        <a:lstStyle/>
+        <a:p>
+          <a:pPr marL="57150" lvl="1" indent="-57150" algn="l" defTabSz="488950">
+            <a:lnSpc>
+              <a:spcPct val="90000"/>
+            </a:lnSpc>
+            <a:spcBef>
+              <a:spcPct val="0"/>
+            </a:spcBef>
+            <a:spcAft>
+              <a:spcPct val="15000"/>
+            </a:spcAft>
+            <a:buChar char="•"/>
+          </a:pPr>
+          <a:r>
+            <a:rPr lang="en-US" sz="1100" b="0" i="0" kern="1200" dirty="0" smtClean="0"/>
+            <a:t>Transform raw data to time series with time being the index</a:t>
+          </a:r>
+          <a:endParaRPr lang="en-US" sz="1100" b="0" kern="1200" dirty="0"/>
+        </a:p>
+      </dsp:txBody>
+      <dsp:txXfrm>
+        <a:off x="366580" y="2461940"/>
+        <a:ext cx="1530731" cy="1048508"/>
+      </dsp:txXfrm>
+    </dsp:sp>
+    <dsp:sp modelId="{23E92317-3B8C-1E4E-8D24-076D101C4C29}">
+      <dsp:nvSpPr>
+        <dsp:cNvPr id="0" name=""/>
+        <dsp:cNvSpPr/>
+      </dsp:nvSpPr>
+      <dsp:spPr>
+        <a:xfrm>
+          <a:off x="1844990" y="1911449"/>
+          <a:ext cx="512920" cy="397351"/>
+        </a:xfrm>
+        <a:prstGeom prst="rightArrow">
+          <a:avLst>
+            <a:gd name="adj1" fmla="val 60000"/>
+            <a:gd name="adj2" fmla="val 50000"/>
+          </a:avLst>
+        </a:prstGeom>
+        <a:gradFill rotWithShape="0">
+          <a:gsLst>
+            <a:gs pos="0">
+              <a:schemeClr val="accent2">
+                <a:hueOff val="0"/>
+                <a:satOff val="0"/>
+                <a:lumOff val="0"/>
+                <a:alphaOff val="0"/>
+                <a:satMod val="103000"/>
+                <a:lumMod val="102000"/>
+                <a:tint val="94000"/>
+              </a:schemeClr>
+            </a:gs>
+            <a:gs pos="50000">
+              <a:schemeClr val="accent2">
+                <a:hueOff val="0"/>
+                <a:satOff val="0"/>
+                <a:lumOff val="0"/>
+                <a:alphaOff val="0"/>
+                <a:satMod val="110000"/>
+                <a:lumMod val="100000"/>
+                <a:shade val="100000"/>
+              </a:schemeClr>
+            </a:gs>
+            <a:gs pos="100000">
+              <a:schemeClr val="accent2">
+                <a:hueOff val="0"/>
+                <a:satOff val="0"/>
+                <a:lumOff val="0"/>
+                <a:alphaOff val="0"/>
+                <a:lumMod val="99000"/>
+                <a:satMod val="120000"/>
+                <a:shade val="78000"/>
+              </a:schemeClr>
+            </a:gs>
+          </a:gsLst>
+          <a:lin ang="5400000" scaled="0"/>
+        </a:gradFill>
+        <a:ln>
+          <a:noFill/>
+        </a:ln>
+        <a:effectLst/>
+      </dsp:spPr>
+      <dsp:style>
+        <a:lnRef idx="0">
+          <a:scrgbClr r="0" g="0" b="0"/>
+        </a:lnRef>
+        <a:fillRef idx="3">
+          <a:scrgbClr r="0" g="0" b="0"/>
+        </a:fillRef>
+        <a:effectRef idx="2">
+          <a:scrgbClr r="0" g="0" b="0"/>
+        </a:effectRef>
+        <a:fontRef idx="minor">
+          <a:schemeClr val="lt1"/>
+        </a:fontRef>
+      </dsp:style>
+      <dsp:txBody>
+        <a:bodyPr spcFirstLastPara="0" vert="horz" wrap="square" lIns="0" tIns="0" rIns="0" bIns="0" numCol="1" spcCol="1270" anchor="ctr" anchorCtr="0">
+          <a:noAutofit/>
+        </a:bodyPr>
+        <a:lstStyle/>
+        <a:p>
+          <a:pPr lvl="0" algn="ctr" defTabSz="400050">
+            <a:lnSpc>
+              <a:spcPct val="90000"/>
+            </a:lnSpc>
+            <a:spcBef>
+              <a:spcPct val="0"/>
+            </a:spcBef>
+            <a:spcAft>
+              <a:spcPct val="35000"/>
+            </a:spcAft>
+          </a:pPr>
+          <a:endParaRPr lang="en-US" sz="900" kern="1200"/>
+        </a:p>
+      </dsp:txBody>
+      <dsp:txXfrm>
+        <a:off x="1844990" y="1990919"/>
+        <a:ext cx="393715" cy="238411"/>
+      </dsp:txXfrm>
+    </dsp:sp>
+    <dsp:sp modelId="{0AE8FB6A-B540-1C4B-9412-7DE2F7CC2288}">
+      <dsp:nvSpPr>
+        <dsp:cNvPr id="0" name=""/>
+        <dsp:cNvSpPr/>
+      </dsp:nvSpPr>
+      <dsp:spPr>
+        <a:xfrm>
+          <a:off x="2570821" y="1790930"/>
+          <a:ext cx="1595973" cy="957583"/>
+        </a:xfrm>
+        <a:prstGeom prst="roundRect">
+          <a:avLst>
+            <a:gd name="adj" fmla="val 10000"/>
+          </a:avLst>
+        </a:prstGeom>
+        <a:gradFill rotWithShape="0">
+          <a:gsLst>
+            <a:gs pos="0">
+              <a:schemeClr val="accent2">
+                <a:hueOff val="1591615"/>
+                <a:satOff val="2700"/>
+                <a:lumOff val="-98"/>
+                <a:alphaOff val="0"/>
+                <a:satMod val="103000"/>
+                <a:lumMod val="102000"/>
+                <a:tint val="94000"/>
+              </a:schemeClr>
+            </a:gs>
+            <a:gs pos="50000">
+              <a:schemeClr val="accent2">
+                <a:hueOff val="1591615"/>
+                <a:satOff val="2700"/>
+                <a:lumOff val="-98"/>
+                <a:alphaOff val="0"/>
+                <a:satMod val="110000"/>
+                <a:lumMod val="100000"/>
+                <a:shade val="100000"/>
+              </a:schemeClr>
+            </a:gs>
+            <a:gs pos="100000">
+              <a:schemeClr val="accent2">
+                <a:hueOff val="1591615"/>
+                <a:satOff val="2700"/>
+                <a:lumOff val="-98"/>
+                <a:alphaOff val="0"/>
+                <a:lumMod val="99000"/>
+                <a:satMod val="120000"/>
+                <a:shade val="78000"/>
+              </a:schemeClr>
+            </a:gs>
+          </a:gsLst>
+          <a:lin ang="5400000" scaled="0"/>
+        </a:gradFill>
+        <a:ln>
+          <a:noFill/>
+        </a:ln>
+        <a:effectLst/>
+      </dsp:spPr>
+      <dsp:style>
+        <a:lnRef idx="0">
+          <a:scrgbClr r="0" g="0" b="0"/>
+        </a:lnRef>
+        <a:fillRef idx="3">
+          <a:scrgbClr r="0" g="0" b="0"/>
+        </a:fillRef>
+        <a:effectRef idx="2">
+          <a:scrgbClr r="0" g="0" b="0"/>
+        </a:effectRef>
+        <a:fontRef idx="minor">
+          <a:schemeClr val="lt1"/>
+        </a:fontRef>
+      </dsp:style>
+      <dsp:txBody>
+        <a:bodyPr spcFirstLastPara="0" vert="horz" wrap="square" lIns="78232" tIns="78232" rIns="78232" bIns="41910" numCol="1" spcCol="1270" anchor="t" anchorCtr="0">
+          <a:noAutofit/>
+        </a:bodyPr>
+        <a:lstStyle/>
+        <a:p>
+          <a:pPr lvl="0" algn="l" defTabSz="488950">
+            <a:lnSpc>
+              <a:spcPct val="90000"/>
+            </a:lnSpc>
+            <a:spcBef>
+              <a:spcPct val="0"/>
+            </a:spcBef>
+            <a:spcAft>
+              <a:spcPct val="35000"/>
+            </a:spcAft>
+          </a:pPr>
+          <a:r>
+            <a:rPr lang="en-US" sz="1100" b="0" i="0" kern="1200" dirty="0" smtClean="0"/>
+            <a:t>Step 2: Data Exploration and Visualization</a:t>
+          </a:r>
+          <a:endParaRPr lang="en-US" sz="1100" kern="1200" dirty="0"/>
+        </a:p>
+      </dsp:txBody>
+      <dsp:txXfrm>
+        <a:off x="2570821" y="1790930"/>
+        <a:ext cx="1595973" cy="638389"/>
+      </dsp:txXfrm>
+    </dsp:sp>
+    <dsp:sp modelId="{7AFC142F-B6C3-8B42-9AD0-F5C3010DD2EC}">
+      <dsp:nvSpPr>
+        <dsp:cNvPr id="0" name=""/>
+        <dsp:cNvSpPr/>
+      </dsp:nvSpPr>
+      <dsp:spPr>
+        <a:xfrm>
+          <a:off x="2897708" y="2429319"/>
+          <a:ext cx="1595973" cy="1113750"/>
+        </a:xfrm>
+        <a:prstGeom prst="roundRect">
+          <a:avLst>
+            <a:gd name="adj" fmla="val 10000"/>
+          </a:avLst>
+        </a:prstGeom>
+        <a:solidFill>
+          <a:schemeClr val="lt1">
+            <a:alpha val="90000"/>
+            <a:hueOff val="0"/>
+            <a:satOff val="0"/>
+            <a:lumOff val="0"/>
+            <a:alphaOff val="0"/>
+          </a:schemeClr>
+        </a:solidFill>
+        <a:ln w="6350" cap="flat" cmpd="sng" algn="ctr">
+          <a:solidFill>
+            <a:schemeClr val="accent2">
+              <a:hueOff val="1591615"/>
+              <a:satOff val="2700"/>
+              <a:lumOff val="-98"/>
+              <a:alphaOff val="0"/>
+            </a:schemeClr>
+          </a:solidFill>
+          <a:prstDash val="solid"/>
+          <a:miter lim="800000"/>
+        </a:ln>
+        <a:effectLst/>
+      </dsp:spPr>
+      <dsp:style>
+        <a:lnRef idx="1">
+          <a:scrgbClr r="0" g="0" b="0"/>
+        </a:lnRef>
+        <a:fillRef idx="1">
+          <a:scrgbClr r="0" g="0" b="0"/>
+        </a:fillRef>
+        <a:effectRef idx="0">
+          <a:scrgbClr r="0" g="0" b="0"/>
+        </a:effectRef>
+        <a:fontRef idx="minor"/>
+      </dsp:style>
+      <dsp:txBody>
+        <a:bodyPr spcFirstLastPara="0" vert="horz" wrap="square" lIns="78232" tIns="78232" rIns="78232" bIns="78232" numCol="1" spcCol="1270" anchor="t" anchorCtr="0">
+          <a:noAutofit/>
+        </a:bodyPr>
+        <a:lstStyle/>
+        <a:p>
+          <a:pPr marL="57150" lvl="1" indent="-57150" algn="l" defTabSz="488950">
+            <a:lnSpc>
+              <a:spcPct val="90000"/>
+            </a:lnSpc>
+            <a:spcBef>
+              <a:spcPct val="0"/>
+            </a:spcBef>
+            <a:spcAft>
+              <a:spcPct val="15000"/>
+            </a:spcAft>
+            <a:buChar char="•"/>
+          </a:pPr>
+          <a:r>
+            <a:rPr lang="en-US" sz="1100" b="0" i="0" kern="1200" dirty="0" smtClean="0"/>
+            <a:t>Seasonal Decomposition, Autocorrelation with ACF and PCAF, etc.</a:t>
+          </a:r>
+          <a:endParaRPr lang="en-US" sz="1100" kern="1200" dirty="0"/>
+        </a:p>
+      </dsp:txBody>
+      <dsp:txXfrm>
+        <a:off x="2930329" y="2461940"/>
+        <a:ext cx="1530731" cy="1048508"/>
+      </dsp:txXfrm>
+    </dsp:sp>
+    <dsp:sp modelId="{C0EB007B-25DA-6041-ABF9-4742DAF5C0B0}">
+      <dsp:nvSpPr>
+        <dsp:cNvPr id="0" name=""/>
+        <dsp:cNvSpPr/>
+      </dsp:nvSpPr>
+      <dsp:spPr>
+        <a:xfrm>
+          <a:off x="4408738" y="1911449"/>
+          <a:ext cx="512920" cy="397351"/>
+        </a:xfrm>
+        <a:prstGeom prst="rightArrow">
+          <a:avLst>
+            <a:gd name="adj1" fmla="val 60000"/>
+            <a:gd name="adj2" fmla="val 50000"/>
+          </a:avLst>
+        </a:prstGeom>
+        <a:gradFill rotWithShape="0">
+          <a:gsLst>
+            <a:gs pos="0">
+              <a:schemeClr val="accent2">
+                <a:hueOff val="2122154"/>
+                <a:satOff val="3600"/>
+                <a:lumOff val="-131"/>
+                <a:alphaOff val="0"/>
+                <a:satMod val="103000"/>
+                <a:lumMod val="102000"/>
+                <a:tint val="94000"/>
+              </a:schemeClr>
+            </a:gs>
+            <a:gs pos="50000">
+              <a:schemeClr val="accent2">
+                <a:hueOff val="2122154"/>
+                <a:satOff val="3600"/>
+                <a:lumOff val="-131"/>
+                <a:alphaOff val="0"/>
+                <a:satMod val="110000"/>
+                <a:lumMod val="100000"/>
+                <a:shade val="100000"/>
+              </a:schemeClr>
+            </a:gs>
+            <a:gs pos="100000">
+              <a:schemeClr val="accent2">
+                <a:hueOff val="2122154"/>
+                <a:satOff val="3600"/>
+                <a:lumOff val="-131"/>
+                <a:alphaOff val="0"/>
+                <a:lumMod val="99000"/>
+                <a:satMod val="120000"/>
+                <a:shade val="78000"/>
+              </a:schemeClr>
+            </a:gs>
+          </a:gsLst>
+          <a:lin ang="5400000" scaled="0"/>
+        </a:gradFill>
+        <a:ln>
+          <a:noFill/>
+        </a:ln>
+        <a:effectLst/>
+      </dsp:spPr>
+      <dsp:style>
+        <a:lnRef idx="0">
+          <a:scrgbClr r="0" g="0" b="0"/>
+        </a:lnRef>
+        <a:fillRef idx="3">
+          <a:scrgbClr r="0" g="0" b="0"/>
+        </a:fillRef>
+        <a:effectRef idx="2">
+          <a:scrgbClr r="0" g="0" b="0"/>
+        </a:effectRef>
+        <a:fontRef idx="minor">
+          <a:schemeClr val="lt1"/>
+        </a:fontRef>
+      </dsp:style>
+      <dsp:txBody>
+        <a:bodyPr spcFirstLastPara="0" vert="horz" wrap="square" lIns="0" tIns="0" rIns="0" bIns="0" numCol="1" spcCol="1270" anchor="ctr" anchorCtr="0">
+          <a:noAutofit/>
+        </a:bodyPr>
+        <a:lstStyle/>
+        <a:p>
+          <a:pPr lvl="0" algn="ctr" defTabSz="400050">
+            <a:lnSpc>
+              <a:spcPct val="90000"/>
+            </a:lnSpc>
+            <a:spcBef>
+              <a:spcPct val="0"/>
+            </a:spcBef>
+            <a:spcAft>
+              <a:spcPct val="35000"/>
+            </a:spcAft>
+          </a:pPr>
+          <a:endParaRPr lang="en-US" sz="900" kern="1200"/>
+        </a:p>
+      </dsp:txBody>
+      <dsp:txXfrm>
+        <a:off x="4408738" y="1990919"/>
+        <a:ext cx="393715" cy="238411"/>
+      </dsp:txXfrm>
+    </dsp:sp>
+    <dsp:sp modelId="{78C8241D-FA60-AB4D-A783-1251CFDCACE5}">
+      <dsp:nvSpPr>
+        <dsp:cNvPr id="0" name=""/>
+        <dsp:cNvSpPr/>
+      </dsp:nvSpPr>
+      <dsp:spPr>
+        <a:xfrm>
+          <a:off x="5134570" y="1790930"/>
+          <a:ext cx="1595973" cy="957583"/>
+        </a:xfrm>
+        <a:prstGeom prst="roundRect">
+          <a:avLst>
+            <a:gd name="adj" fmla="val 10000"/>
+          </a:avLst>
+        </a:prstGeom>
+        <a:gradFill rotWithShape="0">
+          <a:gsLst>
+            <a:gs pos="0">
+              <a:schemeClr val="accent2">
+                <a:hueOff val="3183231"/>
+                <a:satOff val="5400"/>
+                <a:lumOff val="-196"/>
+                <a:alphaOff val="0"/>
+                <a:satMod val="103000"/>
+                <a:lumMod val="102000"/>
+                <a:tint val="94000"/>
+              </a:schemeClr>
+            </a:gs>
+            <a:gs pos="50000">
+              <a:schemeClr val="accent2">
+                <a:hueOff val="3183231"/>
+                <a:satOff val="5400"/>
+                <a:lumOff val="-196"/>
+                <a:alphaOff val="0"/>
+                <a:satMod val="110000"/>
+                <a:lumMod val="100000"/>
+                <a:shade val="100000"/>
+              </a:schemeClr>
+            </a:gs>
+            <a:gs pos="100000">
+              <a:schemeClr val="accent2">
+                <a:hueOff val="3183231"/>
+                <a:satOff val="5400"/>
+                <a:lumOff val="-196"/>
+                <a:alphaOff val="0"/>
+                <a:lumMod val="99000"/>
+                <a:satMod val="120000"/>
+                <a:shade val="78000"/>
+              </a:schemeClr>
+            </a:gs>
+          </a:gsLst>
+          <a:lin ang="5400000" scaled="0"/>
+        </a:gradFill>
+        <a:ln>
+          <a:noFill/>
+        </a:ln>
+        <a:effectLst/>
+      </dsp:spPr>
+      <dsp:style>
+        <a:lnRef idx="0">
+          <a:scrgbClr r="0" g="0" b="0"/>
+        </a:lnRef>
+        <a:fillRef idx="3">
+          <a:scrgbClr r="0" g="0" b="0"/>
+        </a:fillRef>
+        <a:effectRef idx="2">
+          <a:scrgbClr r="0" g="0" b="0"/>
+        </a:effectRef>
+        <a:fontRef idx="minor">
+          <a:schemeClr val="lt1"/>
+        </a:fontRef>
+      </dsp:style>
+      <dsp:txBody>
+        <a:bodyPr spcFirstLastPara="0" vert="horz" wrap="square" lIns="78232" tIns="78232" rIns="78232" bIns="41910" numCol="1" spcCol="1270" anchor="t" anchorCtr="0">
+          <a:noAutofit/>
+        </a:bodyPr>
+        <a:lstStyle/>
+        <a:p>
+          <a:pPr lvl="0" algn="l" defTabSz="488950">
+            <a:lnSpc>
+              <a:spcPct val="90000"/>
+            </a:lnSpc>
+            <a:spcBef>
+              <a:spcPct val="0"/>
+            </a:spcBef>
+            <a:spcAft>
+              <a:spcPct val="35000"/>
+            </a:spcAft>
+          </a:pPr>
+          <a:r>
+            <a:rPr lang="en-US" sz="1100" b="0" i="0" kern="1200" dirty="0" smtClean="0"/>
+            <a:t>Step 3: Decide on Model Approach and KPI</a:t>
+          </a:r>
+          <a:endParaRPr lang="en-US" sz="1100" kern="1200" dirty="0"/>
+        </a:p>
+      </dsp:txBody>
+      <dsp:txXfrm>
+        <a:off x="5134570" y="1790930"/>
+        <a:ext cx="1595973" cy="638389"/>
+      </dsp:txXfrm>
+    </dsp:sp>
+    <dsp:sp modelId="{95F220FA-4CEE-B449-9EA6-5A3B4D508E84}">
+      <dsp:nvSpPr>
+        <dsp:cNvPr id="0" name=""/>
+        <dsp:cNvSpPr/>
+      </dsp:nvSpPr>
+      <dsp:spPr>
+        <a:xfrm>
+          <a:off x="5461456" y="2429319"/>
+          <a:ext cx="1595973" cy="1113750"/>
+        </a:xfrm>
+        <a:prstGeom prst="roundRect">
+          <a:avLst>
+            <a:gd name="adj" fmla="val 10000"/>
+          </a:avLst>
+        </a:prstGeom>
+        <a:solidFill>
+          <a:schemeClr val="lt1">
+            <a:alpha val="90000"/>
+            <a:hueOff val="0"/>
+            <a:satOff val="0"/>
+            <a:lumOff val="0"/>
+            <a:alphaOff val="0"/>
+          </a:schemeClr>
+        </a:solidFill>
+        <a:ln w="6350" cap="flat" cmpd="sng" algn="ctr">
+          <a:solidFill>
+            <a:schemeClr val="accent2">
+              <a:hueOff val="3183231"/>
+              <a:satOff val="5400"/>
+              <a:lumOff val="-196"/>
+              <a:alphaOff val="0"/>
+            </a:schemeClr>
+          </a:solidFill>
+          <a:prstDash val="solid"/>
+          <a:miter lim="800000"/>
+        </a:ln>
+        <a:effectLst/>
+      </dsp:spPr>
+      <dsp:style>
+        <a:lnRef idx="1">
+          <a:scrgbClr r="0" g="0" b="0"/>
+        </a:lnRef>
+        <a:fillRef idx="1">
+          <a:scrgbClr r="0" g="0" b="0"/>
+        </a:fillRef>
+        <a:effectRef idx="0">
+          <a:scrgbClr r="0" g="0" b="0"/>
+        </a:effectRef>
+        <a:fontRef idx="minor"/>
+      </dsp:style>
+      <dsp:txBody>
+        <a:bodyPr spcFirstLastPara="0" vert="horz" wrap="square" lIns="78232" tIns="78232" rIns="78232" bIns="78232" numCol="1" spcCol="1270" anchor="t" anchorCtr="0">
+          <a:noAutofit/>
+        </a:bodyPr>
+        <a:lstStyle/>
+        <a:p>
+          <a:pPr marL="57150" lvl="1" indent="-57150" algn="l" defTabSz="488950">
+            <a:lnSpc>
+              <a:spcPct val="90000"/>
+            </a:lnSpc>
+            <a:spcBef>
+              <a:spcPct val="0"/>
+            </a:spcBef>
+            <a:spcAft>
+              <a:spcPct val="15000"/>
+            </a:spcAft>
+            <a:buChar char="•"/>
+          </a:pPr>
+          <a:r>
+            <a:rPr lang="en-US" sz="1100" b="0" i="0" kern="1200" dirty="0" smtClean="0"/>
+            <a:t>Seasonal ARIMA</a:t>
+          </a:r>
+          <a:endParaRPr lang="en-US" sz="1100" kern="1200" dirty="0"/>
+        </a:p>
+        <a:p>
+          <a:pPr marL="57150" lvl="1" indent="-57150" algn="l" defTabSz="488950">
+            <a:lnSpc>
+              <a:spcPct val="90000"/>
+            </a:lnSpc>
+            <a:spcBef>
+              <a:spcPct val="0"/>
+            </a:spcBef>
+            <a:spcAft>
+              <a:spcPct val="15000"/>
+            </a:spcAft>
+            <a:buChar char="•"/>
+          </a:pPr>
+          <a:r>
+            <a:rPr lang="en-US" sz="1100" b="0" i="0" kern="1200" dirty="0" smtClean="0"/>
+            <a:t>Use AIC to select best set of parameters for SARIMA model </a:t>
+          </a:r>
+          <a:endParaRPr lang="en-US" sz="1100" kern="1200" dirty="0"/>
+        </a:p>
+      </dsp:txBody>
+      <dsp:txXfrm>
+        <a:off x="5494077" y="2461940"/>
+        <a:ext cx="1530731" cy="1048508"/>
+      </dsp:txXfrm>
+    </dsp:sp>
+    <dsp:sp modelId="{0B1747E6-6A38-4E49-9FE9-E121C6ACF143}">
+      <dsp:nvSpPr>
+        <dsp:cNvPr id="0" name=""/>
+        <dsp:cNvSpPr/>
+      </dsp:nvSpPr>
+      <dsp:spPr>
+        <a:xfrm>
+          <a:off x="6972487" y="1911449"/>
+          <a:ext cx="512920" cy="397351"/>
+        </a:xfrm>
+        <a:prstGeom prst="rightArrow">
+          <a:avLst>
+            <a:gd name="adj1" fmla="val 60000"/>
+            <a:gd name="adj2" fmla="val 50000"/>
+          </a:avLst>
+        </a:prstGeom>
+        <a:gradFill rotWithShape="0">
+          <a:gsLst>
+            <a:gs pos="0">
+              <a:schemeClr val="accent2">
+                <a:hueOff val="4244308"/>
+                <a:satOff val="7200"/>
+                <a:lumOff val="-261"/>
+                <a:alphaOff val="0"/>
+                <a:satMod val="103000"/>
+                <a:lumMod val="102000"/>
+                <a:tint val="94000"/>
+              </a:schemeClr>
+            </a:gs>
+            <a:gs pos="50000">
+              <a:schemeClr val="accent2">
+                <a:hueOff val="4244308"/>
+                <a:satOff val="7200"/>
+                <a:lumOff val="-261"/>
+                <a:alphaOff val="0"/>
+                <a:satMod val="110000"/>
+                <a:lumMod val="100000"/>
+                <a:shade val="100000"/>
+              </a:schemeClr>
+            </a:gs>
+            <a:gs pos="100000">
+              <a:schemeClr val="accent2">
+                <a:hueOff val="4244308"/>
+                <a:satOff val="7200"/>
+                <a:lumOff val="-261"/>
+                <a:alphaOff val="0"/>
+                <a:lumMod val="99000"/>
+                <a:satMod val="120000"/>
+                <a:shade val="78000"/>
+              </a:schemeClr>
+            </a:gs>
+          </a:gsLst>
+          <a:lin ang="5400000" scaled="0"/>
+        </a:gradFill>
+        <a:ln>
+          <a:noFill/>
+        </a:ln>
+        <a:effectLst/>
+      </dsp:spPr>
+      <dsp:style>
+        <a:lnRef idx="0">
+          <a:scrgbClr r="0" g="0" b="0"/>
+        </a:lnRef>
+        <a:fillRef idx="3">
+          <a:scrgbClr r="0" g="0" b="0"/>
+        </a:fillRef>
+        <a:effectRef idx="2">
+          <a:scrgbClr r="0" g="0" b="0"/>
+        </a:effectRef>
+        <a:fontRef idx="minor">
+          <a:schemeClr val="lt1"/>
+        </a:fontRef>
+      </dsp:style>
+      <dsp:txBody>
+        <a:bodyPr spcFirstLastPara="0" vert="horz" wrap="square" lIns="0" tIns="0" rIns="0" bIns="0" numCol="1" spcCol="1270" anchor="ctr" anchorCtr="0">
+          <a:noAutofit/>
+        </a:bodyPr>
+        <a:lstStyle/>
+        <a:p>
+          <a:pPr lvl="0" algn="ctr" defTabSz="400050">
+            <a:lnSpc>
+              <a:spcPct val="90000"/>
+            </a:lnSpc>
+            <a:spcBef>
+              <a:spcPct val="0"/>
+            </a:spcBef>
+            <a:spcAft>
+              <a:spcPct val="35000"/>
+            </a:spcAft>
+          </a:pPr>
+          <a:endParaRPr lang="en-US" sz="900" kern="1200"/>
+        </a:p>
+      </dsp:txBody>
+      <dsp:txXfrm>
+        <a:off x="6972487" y="1990919"/>
+        <a:ext cx="393715" cy="238411"/>
+      </dsp:txXfrm>
+    </dsp:sp>
+    <dsp:sp modelId="{F71CCE56-B83B-E64A-855C-C921E154677E}">
+      <dsp:nvSpPr>
+        <dsp:cNvPr id="0" name=""/>
+        <dsp:cNvSpPr/>
+      </dsp:nvSpPr>
+      <dsp:spPr>
+        <a:xfrm>
+          <a:off x="7698318" y="1790930"/>
+          <a:ext cx="1595973" cy="957583"/>
+        </a:xfrm>
+        <a:prstGeom prst="roundRect">
+          <a:avLst>
+            <a:gd name="adj" fmla="val 10000"/>
+          </a:avLst>
+        </a:prstGeom>
+        <a:gradFill rotWithShape="0">
+          <a:gsLst>
+            <a:gs pos="0">
+              <a:schemeClr val="accent2">
+                <a:hueOff val="4774846"/>
+                <a:satOff val="8100"/>
+                <a:lumOff val="-294"/>
+                <a:alphaOff val="0"/>
+                <a:satMod val="103000"/>
+                <a:lumMod val="102000"/>
+                <a:tint val="94000"/>
+              </a:schemeClr>
+            </a:gs>
+            <a:gs pos="50000">
+              <a:schemeClr val="accent2">
+                <a:hueOff val="4774846"/>
+                <a:satOff val="8100"/>
+                <a:lumOff val="-294"/>
+                <a:alphaOff val="0"/>
+                <a:satMod val="110000"/>
+                <a:lumMod val="100000"/>
+                <a:shade val="100000"/>
+              </a:schemeClr>
+            </a:gs>
+            <a:gs pos="100000">
+              <a:schemeClr val="accent2">
+                <a:hueOff val="4774846"/>
+                <a:satOff val="8100"/>
+                <a:lumOff val="-294"/>
+                <a:alphaOff val="0"/>
+                <a:lumMod val="99000"/>
+                <a:satMod val="120000"/>
+                <a:shade val="78000"/>
+              </a:schemeClr>
+            </a:gs>
+          </a:gsLst>
+          <a:lin ang="5400000" scaled="0"/>
+        </a:gradFill>
+        <a:ln>
+          <a:noFill/>
+        </a:ln>
+        <a:effectLst/>
+      </dsp:spPr>
+      <dsp:style>
+        <a:lnRef idx="0">
+          <a:scrgbClr r="0" g="0" b="0"/>
+        </a:lnRef>
+        <a:fillRef idx="3">
+          <a:scrgbClr r="0" g="0" b="0"/>
+        </a:fillRef>
+        <a:effectRef idx="2">
+          <a:scrgbClr r="0" g="0" b="0"/>
+        </a:effectRef>
+        <a:fontRef idx="minor">
+          <a:schemeClr val="lt1"/>
+        </a:fontRef>
+      </dsp:style>
+      <dsp:txBody>
+        <a:bodyPr spcFirstLastPara="0" vert="horz" wrap="square" lIns="78232" tIns="78232" rIns="78232" bIns="41910" numCol="1" spcCol="1270" anchor="t" anchorCtr="0">
+          <a:noAutofit/>
+        </a:bodyPr>
+        <a:lstStyle/>
+        <a:p>
+          <a:pPr lvl="0" algn="l" defTabSz="488950">
+            <a:lnSpc>
+              <a:spcPct val="90000"/>
+            </a:lnSpc>
+            <a:spcBef>
+              <a:spcPct val="0"/>
+            </a:spcBef>
+            <a:spcAft>
+              <a:spcPct val="35000"/>
+            </a:spcAft>
+          </a:pPr>
+          <a:r>
+            <a:rPr lang="en-US" sz="1100" kern="1200" dirty="0" smtClean="0"/>
+            <a:t>Step 4:  Model Development and Validation</a:t>
+          </a:r>
+          <a:endParaRPr lang="en-US" sz="1100" kern="1200" dirty="0"/>
+        </a:p>
+      </dsp:txBody>
+      <dsp:txXfrm>
+        <a:off x="7698318" y="1790930"/>
+        <a:ext cx="1595973" cy="638389"/>
+      </dsp:txXfrm>
+    </dsp:sp>
+    <dsp:sp modelId="{97B9A6AB-6914-0640-9E8A-9802322CA685}">
+      <dsp:nvSpPr>
+        <dsp:cNvPr id="0" name=""/>
+        <dsp:cNvSpPr/>
+      </dsp:nvSpPr>
+      <dsp:spPr>
+        <a:xfrm>
+          <a:off x="8025204" y="2429319"/>
+          <a:ext cx="1595973" cy="1113750"/>
+        </a:xfrm>
+        <a:prstGeom prst="roundRect">
+          <a:avLst>
+            <a:gd name="adj" fmla="val 10000"/>
+          </a:avLst>
+        </a:prstGeom>
+        <a:solidFill>
+          <a:schemeClr val="lt1">
+            <a:alpha val="90000"/>
+            <a:hueOff val="0"/>
+            <a:satOff val="0"/>
+            <a:lumOff val="0"/>
+            <a:alphaOff val="0"/>
+          </a:schemeClr>
+        </a:solidFill>
+        <a:ln w="6350" cap="flat" cmpd="sng" algn="ctr">
+          <a:solidFill>
+            <a:schemeClr val="accent2">
+              <a:hueOff val="4774846"/>
+              <a:satOff val="8100"/>
+              <a:lumOff val="-294"/>
+              <a:alphaOff val="0"/>
+            </a:schemeClr>
+          </a:solidFill>
+          <a:prstDash val="solid"/>
+          <a:miter lim="800000"/>
+        </a:ln>
+        <a:effectLst/>
+      </dsp:spPr>
+      <dsp:style>
+        <a:lnRef idx="1">
+          <a:scrgbClr r="0" g="0" b="0"/>
+        </a:lnRef>
+        <a:fillRef idx="1">
+          <a:scrgbClr r="0" g="0" b="0"/>
+        </a:fillRef>
+        <a:effectRef idx="0">
+          <a:scrgbClr r="0" g="0" b="0"/>
+        </a:effectRef>
+        <a:fontRef idx="minor"/>
+      </dsp:style>
+      <dsp:txBody>
+        <a:bodyPr spcFirstLastPara="0" vert="horz" wrap="square" lIns="78232" tIns="78232" rIns="78232" bIns="78232" numCol="1" spcCol="1270" anchor="t" anchorCtr="0">
+          <a:noAutofit/>
+        </a:bodyPr>
+        <a:lstStyle/>
+        <a:p>
+          <a:pPr marL="57150" lvl="1" indent="-57150" algn="l" defTabSz="488950">
+            <a:lnSpc>
+              <a:spcPct val="90000"/>
+            </a:lnSpc>
+            <a:spcBef>
+              <a:spcPct val="0"/>
+            </a:spcBef>
+            <a:spcAft>
+              <a:spcPct val="15000"/>
+            </a:spcAft>
+            <a:buChar char="•"/>
+          </a:pPr>
+          <a:r>
+            <a:rPr lang="en-US" sz="1100" b="0" kern="1200" dirty="0" smtClean="0"/>
+            <a:t>Make dynamic forecast on part of the data and compare with real values</a:t>
+          </a:r>
+          <a:endParaRPr lang="en-US" sz="1100" b="0" kern="1200" dirty="0"/>
+        </a:p>
+      </dsp:txBody>
+      <dsp:txXfrm>
+        <a:off x="8057825" y="2461940"/>
+        <a:ext cx="1530731" cy="1048508"/>
+      </dsp:txXfrm>
+    </dsp:sp>
+    <dsp:sp modelId="{D0968DDF-70D8-3745-AEE5-0D65737991E1}">
+      <dsp:nvSpPr>
+        <dsp:cNvPr id="0" name=""/>
+        <dsp:cNvSpPr/>
+      </dsp:nvSpPr>
+      <dsp:spPr>
+        <a:xfrm>
+          <a:off x="9536235" y="1911449"/>
+          <a:ext cx="512920" cy="397351"/>
+        </a:xfrm>
+        <a:prstGeom prst="rightArrow">
+          <a:avLst>
+            <a:gd name="adj1" fmla="val 60000"/>
+            <a:gd name="adj2" fmla="val 50000"/>
+          </a:avLst>
+        </a:prstGeom>
+        <a:gradFill rotWithShape="0">
+          <a:gsLst>
+            <a:gs pos="0">
+              <a:schemeClr val="accent2">
+                <a:hueOff val="6366461"/>
+                <a:satOff val="10800"/>
+                <a:lumOff val="-392"/>
+                <a:alphaOff val="0"/>
+                <a:satMod val="103000"/>
+                <a:lumMod val="102000"/>
+                <a:tint val="94000"/>
+              </a:schemeClr>
+            </a:gs>
+            <a:gs pos="50000">
+              <a:schemeClr val="accent2">
+                <a:hueOff val="6366461"/>
+                <a:satOff val="10800"/>
+                <a:lumOff val="-392"/>
+                <a:alphaOff val="0"/>
+                <a:satMod val="110000"/>
+                <a:lumMod val="100000"/>
+                <a:shade val="100000"/>
+              </a:schemeClr>
+            </a:gs>
+            <a:gs pos="100000">
+              <a:schemeClr val="accent2">
+                <a:hueOff val="6366461"/>
+                <a:satOff val="10800"/>
+                <a:lumOff val="-392"/>
+                <a:alphaOff val="0"/>
+                <a:lumMod val="99000"/>
+                <a:satMod val="120000"/>
+                <a:shade val="78000"/>
+              </a:schemeClr>
+            </a:gs>
+          </a:gsLst>
+          <a:lin ang="5400000" scaled="0"/>
+        </a:gradFill>
+        <a:ln>
+          <a:noFill/>
+        </a:ln>
+        <a:effectLst/>
+      </dsp:spPr>
+      <dsp:style>
+        <a:lnRef idx="0">
+          <a:scrgbClr r="0" g="0" b="0"/>
+        </a:lnRef>
+        <a:fillRef idx="3">
+          <a:scrgbClr r="0" g="0" b="0"/>
+        </a:fillRef>
+        <a:effectRef idx="2">
+          <a:scrgbClr r="0" g="0" b="0"/>
+        </a:effectRef>
+        <a:fontRef idx="minor">
+          <a:schemeClr val="lt1"/>
+        </a:fontRef>
+      </dsp:style>
+      <dsp:txBody>
+        <a:bodyPr spcFirstLastPara="0" vert="horz" wrap="square" lIns="0" tIns="0" rIns="0" bIns="0" numCol="1" spcCol="1270" anchor="ctr" anchorCtr="0">
+          <a:noAutofit/>
+        </a:bodyPr>
+        <a:lstStyle/>
+        <a:p>
+          <a:pPr lvl="0" algn="ctr" defTabSz="400050">
+            <a:lnSpc>
+              <a:spcPct val="90000"/>
+            </a:lnSpc>
+            <a:spcBef>
+              <a:spcPct val="0"/>
+            </a:spcBef>
+            <a:spcAft>
+              <a:spcPct val="35000"/>
+            </a:spcAft>
+          </a:pPr>
+          <a:endParaRPr lang="en-US" sz="900" kern="1200"/>
+        </a:p>
+      </dsp:txBody>
+      <dsp:txXfrm>
+        <a:off x="9536235" y="1990919"/>
+        <a:ext cx="393715" cy="238411"/>
+      </dsp:txXfrm>
+    </dsp:sp>
+    <dsp:sp modelId="{44A053C0-8533-4742-BE10-F7F5E118D733}">
+      <dsp:nvSpPr>
+        <dsp:cNvPr id="0" name=""/>
+        <dsp:cNvSpPr/>
+      </dsp:nvSpPr>
+      <dsp:spPr>
+        <a:xfrm>
+          <a:off x="10262067" y="1790930"/>
+          <a:ext cx="1595973" cy="957583"/>
+        </a:xfrm>
+        <a:prstGeom prst="roundRect">
+          <a:avLst>
+            <a:gd name="adj" fmla="val 10000"/>
+          </a:avLst>
+        </a:prstGeom>
+        <a:gradFill rotWithShape="0">
+          <a:gsLst>
+            <a:gs pos="0">
+              <a:schemeClr val="accent2">
+                <a:hueOff val="6366461"/>
+                <a:satOff val="10800"/>
+                <a:lumOff val="-392"/>
+                <a:alphaOff val="0"/>
+                <a:satMod val="103000"/>
+                <a:lumMod val="102000"/>
+                <a:tint val="94000"/>
+              </a:schemeClr>
+            </a:gs>
+            <a:gs pos="50000">
+              <a:schemeClr val="accent2">
+                <a:hueOff val="6366461"/>
+                <a:satOff val="10800"/>
+                <a:lumOff val="-392"/>
+                <a:alphaOff val="0"/>
+                <a:satMod val="110000"/>
+                <a:lumMod val="100000"/>
+                <a:shade val="100000"/>
+              </a:schemeClr>
+            </a:gs>
+            <a:gs pos="100000">
+              <a:schemeClr val="accent2">
+                <a:hueOff val="6366461"/>
+                <a:satOff val="10800"/>
+                <a:lumOff val="-392"/>
+                <a:alphaOff val="0"/>
+                <a:lumMod val="99000"/>
+                <a:satMod val="120000"/>
+                <a:shade val="78000"/>
+              </a:schemeClr>
+            </a:gs>
+          </a:gsLst>
+          <a:lin ang="5400000" scaled="0"/>
+        </a:gradFill>
+        <a:ln>
+          <a:noFill/>
+        </a:ln>
+        <a:effectLst/>
+      </dsp:spPr>
+      <dsp:style>
+        <a:lnRef idx="0">
+          <a:scrgbClr r="0" g="0" b="0"/>
+        </a:lnRef>
+        <a:fillRef idx="3">
+          <a:scrgbClr r="0" g="0" b="0"/>
+        </a:fillRef>
+        <a:effectRef idx="2">
+          <a:scrgbClr r="0" g="0" b="0"/>
+        </a:effectRef>
+        <a:fontRef idx="minor">
+          <a:schemeClr val="lt1"/>
+        </a:fontRef>
+      </dsp:style>
+      <dsp:txBody>
+        <a:bodyPr spcFirstLastPara="0" vert="horz" wrap="square" lIns="78232" tIns="78232" rIns="78232" bIns="41910" numCol="1" spcCol="1270" anchor="t" anchorCtr="0">
+          <a:noAutofit/>
+        </a:bodyPr>
+        <a:lstStyle/>
+        <a:p>
+          <a:pPr lvl="0" algn="l" defTabSz="488950">
+            <a:lnSpc>
+              <a:spcPct val="90000"/>
+            </a:lnSpc>
+            <a:spcBef>
+              <a:spcPct val="0"/>
+            </a:spcBef>
+            <a:spcAft>
+              <a:spcPct val="35000"/>
+            </a:spcAft>
+          </a:pPr>
+          <a:r>
+            <a:rPr lang="en-US" sz="1100" kern="1200" dirty="0" smtClean="0"/>
+            <a:t>Step 5: Make Future Predictions</a:t>
+          </a:r>
+          <a:endParaRPr lang="en-US" sz="1100" kern="1200" dirty="0"/>
+        </a:p>
+      </dsp:txBody>
+      <dsp:txXfrm>
+        <a:off x="10262067" y="1790930"/>
+        <a:ext cx="1595973" cy="638389"/>
+      </dsp:txXfrm>
+    </dsp:sp>
+    <dsp:sp modelId="{5210E257-E882-4547-B2CB-AB0EA9E71C5B}">
+      <dsp:nvSpPr>
+        <dsp:cNvPr id="0" name=""/>
+        <dsp:cNvSpPr/>
+      </dsp:nvSpPr>
+      <dsp:spPr>
+        <a:xfrm>
+          <a:off x="10588953" y="2429319"/>
+          <a:ext cx="1595973" cy="1113750"/>
+        </a:xfrm>
+        <a:prstGeom prst="roundRect">
+          <a:avLst>
+            <a:gd name="adj" fmla="val 10000"/>
+          </a:avLst>
+        </a:prstGeom>
+        <a:solidFill>
+          <a:schemeClr val="lt1">
+            <a:alpha val="90000"/>
+            <a:hueOff val="0"/>
+            <a:satOff val="0"/>
+            <a:lumOff val="0"/>
+            <a:alphaOff val="0"/>
+          </a:schemeClr>
+        </a:solidFill>
+        <a:ln w="6350" cap="flat" cmpd="sng" algn="ctr">
+          <a:solidFill>
+            <a:schemeClr val="accent2">
+              <a:hueOff val="6366461"/>
+              <a:satOff val="10800"/>
+              <a:lumOff val="-392"/>
+              <a:alphaOff val="0"/>
+            </a:schemeClr>
+          </a:solidFill>
+          <a:prstDash val="solid"/>
+          <a:miter lim="800000"/>
+        </a:ln>
+        <a:effectLst/>
+      </dsp:spPr>
+      <dsp:style>
+        <a:lnRef idx="1">
+          <a:scrgbClr r="0" g="0" b="0"/>
+        </a:lnRef>
+        <a:fillRef idx="1">
+          <a:scrgbClr r="0" g="0" b="0"/>
+        </a:fillRef>
+        <a:effectRef idx="0">
+          <a:scrgbClr r="0" g="0" b="0"/>
+        </a:effectRef>
+        <a:fontRef idx="minor"/>
+      </dsp:style>
+      <dsp:txBody>
+        <a:bodyPr spcFirstLastPara="0" vert="horz" wrap="square" lIns="78232" tIns="78232" rIns="78232" bIns="78232" numCol="1" spcCol="1270" anchor="t" anchorCtr="0">
+          <a:noAutofit/>
+        </a:bodyPr>
+        <a:lstStyle/>
+        <a:p>
+          <a:pPr marL="57150" lvl="1" indent="-57150" algn="l" defTabSz="488950">
+            <a:lnSpc>
+              <a:spcPct val="90000"/>
+            </a:lnSpc>
+            <a:spcBef>
+              <a:spcPct val="0"/>
+            </a:spcBef>
+            <a:spcAft>
+              <a:spcPct val="15000"/>
+            </a:spcAft>
+            <a:buChar char="•"/>
+          </a:pPr>
+          <a:r>
+            <a:rPr lang="en-US" sz="1100" kern="1200" dirty="0" smtClean="0"/>
+            <a:t>Make future 3 and 5 years forecast and calculate the ROI </a:t>
+          </a:r>
+          <a:endParaRPr lang="en-US" sz="1100" kern="1200" dirty="0"/>
+        </a:p>
+      </dsp:txBody>
+      <dsp:txXfrm>
+        <a:off x="10621574" y="2461940"/>
+        <a:ext cx="1530731" cy="1048508"/>
+      </dsp:txXfrm>
+    </dsp:sp>
+  </dsp:spTree>
+</dsp:drawing>
+</file>
+
+<file path=ppt/diagrams/layout1.xml><?xml version="1.0" encoding="utf-8"?>
+<dgm:layoutDef xmlns:dgm="http://schemas.openxmlformats.org/drawingml/2006/diagram" xmlns:a="http://schemas.openxmlformats.org/drawingml/2006/main" uniqueId="urn:microsoft.com/office/officeart/2005/8/layout/process3">
+  <dgm:title val=""/>
+  <dgm:desc val=""/>
+  <dgm:catLst>
+    <dgm:cat type="process" pri="2000"/>
+  </dgm:catLst>
+  <dgm:sampData>
+    <dgm:dataModel>
+      <dgm:ptLst>
+        <dgm:pt modelId="0" type="doc"/>
+        <dgm:pt modelId="1">
+          <dgm:prSet phldr="1"/>
+        </dgm:pt>
+        <dgm:pt modelId="11">
+          <dgm:prSet phldr="1"/>
+        </dgm:pt>
+        <dgm:pt modelId="2">
+          <dgm:prSet phldr="1"/>
+        </dgm:pt>
+        <dgm:pt modelId="21">
+          <dgm:prSet phldr="1"/>
+        </dgm:pt>
+        <dgm:pt modelId="3">
+          <dgm:prSet phldr="1"/>
+        </dgm:pt>
+        <dgm:pt modelId="31">
+          <dgm:prSet phldr="1"/>
+        </dgm:pt>
+      </dgm:ptLst>
+      <dgm:cxnLst>
+        <dgm:cxn modelId="4" srcId="0" destId="1" srcOrd="0" destOrd="0"/>
+        <dgm:cxn modelId="5" srcId="0" destId="2" srcOrd="1" destOrd="0"/>
+        <dgm:cxn modelId="6" srcId="0" destId="3" srcOrd="3" destOrd="0"/>
+        <dgm:cxn modelId="12" srcId="1" destId="11" srcOrd="0" destOrd="0"/>
+        <dgm:cxn modelId="23" srcId="2" destId="21" srcOrd="0" destOrd="0"/>
+        <dgm:cxn modelId="34" srcId="3" destId="31" srcOrd="0" destOrd="0"/>
+      </dgm:cxnLst>
+      <dgm:bg/>
+      <dgm:whole/>
+    </dgm:dataModel>
+  </dgm:sampData>
+  <dgm:styleData>
+    <dgm:dataModel>
+      <dgm:ptLst>
+        <dgm:pt modelId="0" type="doc"/>
+        <dgm:pt modelId="1">
+          <dgm:prSet phldr="1"/>
+        </dgm:pt>
+        <dgm:pt modelId="11">
+          <dgm:prSet phldr="1"/>
+        </dgm:pt>
+        <dgm:pt modelId="2">
+          <dgm:prSet phldr="1"/>
+        </dgm:pt>
+        <dgm:pt modelId="21">
+          <dgm:prSet phldr="1"/>
+        </dgm:pt>
+      </dgm:ptLst>
+      <dgm:cxnLst>
+        <dgm:cxn modelId="4" srcId="0" destId="1" srcOrd="0" destOrd="0"/>
+        <dgm:cxn modelId="5" srcId="0" destId="2" srcOrd="1" destOrd="0"/>
+        <dgm:cxn modelId="13" srcId="1" destId="11" srcOrd="0" destOrd="0"/>
+        <dgm:cxn modelId="23" srcId="2" destId="21" srcOrd="0" destOrd="0"/>
+      </dgm:cxnLst>
+      <dgm:bg/>
+      <dgm:whole/>
+    </dgm:dataModel>
+  </dgm:styleData>
+  <dgm:clrData>
+    <dgm:dataModel>
+      <dgm:ptLst>
+        <dgm:pt modelId="0" type="doc"/>
+        <dgm:pt modelId="1">
+          <dgm:prSet phldr="1"/>
+        </dgm:pt>
+        <dgm:pt modelId="11">
+          <dgm:prSet phldr="1"/>
+        </dgm:pt>
+        <dgm:pt modelId="2">
+          <dgm:prSet phldr="1"/>
+        </dgm:pt>
+        <dgm:pt modelId="21">
+          <dgm:prSet phldr="1"/>
+        </dgm:pt>
+        <dgm:pt modelId="3">
+          <dgm:prSet phldr="1"/>
+        </dgm:pt>
+        <dgm:pt modelId="31">
+          <dgm:prSet phldr="1"/>
+        </dgm:pt>
+        <dgm:pt modelId="4">
+          <dgm:prSet phldr="1"/>
+        </dgm:pt>
+        <dgm:pt modelId="41">
+          <dgm:prSet phldr="1"/>
+        </dgm:pt>
+      </dgm:ptLst>
+      <dgm:cxnLst>
+        <dgm:cxn modelId="5" srcId="0" destId="1" srcOrd="0" destOrd="0"/>
+        <dgm:cxn modelId="6" srcId="0" destId="2" srcOrd="1" destOrd="0"/>
+        <dgm:cxn modelId="7" srcId="0" destId="3" srcOrd="2" destOrd="0"/>
+        <dgm:cxn modelId="8" srcId="0" destId="4" srcOrd="3" destOrd="0"/>
+        <dgm:cxn modelId="13" srcId="1" destId="11" srcOrd="0" destOrd="0"/>
+        <dgm:cxn modelId="23" srcId="2" destId="21" srcOrd="0" destOrd="0"/>
+        <dgm:cxn modelId="33" srcId="3" destId="31" srcOrd="0" destOrd="0"/>
+        <dgm:cxn modelId="43" srcId="4" destId="41" srcOrd="0" destOrd="0"/>
+      </dgm:cxnLst>
+      <dgm:bg/>
+      <dgm:whole/>
+    </dgm:dataModel>
+  </dgm:clrData>
+  <dgm:layoutNode name="linearFlow">
+    <dgm:varLst>
+      <dgm:dir/>
+      <dgm:animLvl val="lvl"/>
+      <dgm:resizeHandles val="exact"/>
+    </dgm:varLst>
+    <dgm:choose name="Name0">
+      <dgm:if name="Name1" func="var" arg="dir" op="equ" val="norm">
+        <dgm:alg type="lin"/>
+      </dgm:if>
+      <dgm:else name="Name2">
+        <dgm:alg type="lin">
+          <dgm:param type="linDir" val="fromR"/>
+        </dgm:alg>
+      </dgm:else>
+    </dgm:choose>
+    <dgm:shape xmlns:r="http://schemas.openxmlformats.org/officeDocument/2006/relationships" r:blip="">
+      <dgm:adjLst/>
+    </dgm:shape>
+    <dgm:presOf/>
+    <dgm:constrLst>
+      <dgm:constr type="w" for="ch" forName="composite" refType="w"/>
+      <dgm:constr type="w" for="ch" ptType="sibTrans" refType="w" refFor="ch" refForName="composite" fact="0.3333"/>
+      <dgm:constr type="w" for="des" forName="parTx"/>
+      <dgm:constr type="h" for="des" forName="parTx" op="equ"/>
+      <dgm:constr type="h" for="des" forName="parSh" op="equ"/>
+      <dgm:constr type="w" for="des" forName="desTx"/>
+      <dgm:constr type="h" for="des" forName="desTx" op="equ"/>
+      <dgm:constr type="w" for="des" forName="parSh"/>
+      <dgm:constr type="primFontSz" for="des" forName="parTx" val="65"/>
+      <dgm:constr type="secFontSz" for="des" forName="desTx" refType="primFontSz" refFor="des" refForName="parTx" op="equ"/>
+      <dgm:constr type="primFontSz" for="des" forName="connTx" refType="primFontSz" refFor="des" refForName="parTx" fact="0.8"/>
+      <dgm:constr type="primFontSz" for="des" forName="connTx" refType="primFontSz" refFor="des" refForName="parTx" op="lte" fact="0.8"/>
+      <dgm:constr type="h" for="des" forName="parTx" refType="primFontSz" refFor="des" refForName="parTx" fact="0.8"/>
+      <dgm:constr type="h" for="des" forName="parSh" refType="primFontSz" refFor="des" refForName="parTx" fact="1.2"/>
+      <dgm:constr type="h" for="des" forName="desTx" refType="primFontSz" refFor="des" refForName="parTx" fact="1.6"/>
+      <dgm:constr type="h" for="des" forName="parSh" refType="h" refFor="des" refForName="parTx" op="lte" fact="1.5"/>
+      <dgm:constr type="h" for="des" forName="parSh" refType="h" refFor="des" refForName="parTx" op="gte" fact="1.5"/>
+    </dgm:constrLst>
+    <dgm:ruleLst>
+      <dgm:rule type="w" for="ch" forName="composite" val="0" fact="NaN" max="NaN"/>
+      <dgm:rule type="primFontSz" for="des" forName="parTx" val="5" fact="NaN" max="NaN"/>
+    </dgm:ruleLst>
+    <dgm:forEach name="Name3" axis="ch" ptType="node">
+      <dgm:layoutNode name="composite">
+        <dgm:alg type="composite"/>
+        <dgm:shape xmlns:r="http://schemas.openxmlformats.org/officeDocument/2006/relationships" r:blip="">
+          <dgm:adjLst/>
+        </dgm:shape>
+        <dgm:presOf/>
+        <dgm:choose name="Name4">
+          <dgm:if name="Name5" func="var" arg="dir" op="equ" val="norm">
+            <dgm:constrLst>
+              <dgm:constr type="h" refType="w" fact="1000"/>
+              <dgm:constr type="l" for="ch" forName="parTx"/>
+              <dgm:constr type="w" for="ch" forName="parTx" refType="w" fact="0.83"/>
+              <dgm:constr type="t" for="ch" forName="parTx"/>
+              <dgm:constr type="l" for="ch" forName="parSh"/>
+              <dgm:constr type="w" for="ch" forName="parSh" refType="w" refFor="ch" refForName="parTx"/>
+              <dgm:constr type="t" for="ch" forName="parSh"/>
+              <dgm:constr type="l" for="ch" forName="desTx" refType="w" fact="0.17"/>
+              <dgm:constr type="w" for="ch" forName="desTx" refType="w" refFor="ch" refForName="parTx"/>
+              <dgm:constr type="t" for="ch" forName="desTx" refType="h" refFor="ch" refForName="parTx"/>
+            </dgm:constrLst>
+          </dgm:if>
+          <dgm:else name="Name6">
+            <dgm:constrLst>
+              <dgm:constr type="h" refType="w" fact="1000"/>
+              <dgm:constr type="l" for="ch" forName="parTx" refType="w" fact="0.17"/>
+              <dgm:constr type="w" for="ch" forName="parTx" refType="w" fact="0.83"/>
+              <dgm:constr type="t" for="ch" forName="parTx"/>
+              <dgm:constr type="l" for="ch" forName="parSh" refType="w" fact="0.15"/>
+              <dgm:constr type="w" for="ch" forName="parSh" refType="w" refFor="ch" refForName="parTx"/>
+              <dgm:constr type="t" for="ch" forName="parSh"/>
+              <dgm:constr type="l" for="ch" forName="desTx"/>
+              <dgm:constr type="w" for="ch" forName="desTx" refType="w" refFor="ch" refForName="parTx"/>
+              <dgm:constr type="t" for="ch" forName="desTx" refType="h" refFor="ch" refForName="parTx"/>
+            </dgm:constrLst>
+          </dgm:else>
+        </dgm:choose>
+        <dgm:ruleLst>
+          <dgm:rule type="h" val="INF" fact="NaN" max="NaN"/>
+        </dgm:ruleLst>
+        <dgm:layoutNode name="parTx">
+          <dgm:varLst>
+            <dgm:chMax val="0"/>
+            <dgm:chPref val="0"/>
+            <dgm:bulletEnabled val="1"/>
+          </dgm:varLst>
+          <dgm:alg type="tx">
+            <dgm:param type="parTxLTRAlign" val="l"/>
+            <dgm:param type="parTxRTLAlign" val="r"/>
+            <dgm:param type="txAnchorVert" val="t"/>
+          </dgm:alg>
+          <dgm:shape xmlns:r="http://schemas.openxmlformats.org/officeDocument/2006/relationships" type="rect" r:blip="" zOrderOff="1" hideGeom="1">
+            <dgm:adjLst>
+              <dgm:adj idx="1" val="0.1"/>
+            </dgm:adjLst>
+          </dgm:shape>
+          <dgm:presOf axis="self" ptType="node"/>
+          <dgm:constrLst>
+            <dgm:constr type="h" refType="w" op="lte" fact="0.4"/>
+            <dgm:constr type="bMarg" refType="primFontSz" fact="0.3"/>
+            <dgm:constr type="h"/>
+          </dgm:constrLst>
+          <dgm:ruleLst>
+            <dgm:rule type="h" val="INF" fact="NaN" max="NaN"/>
+          </dgm:ruleLst>
+        </dgm:layoutNode>
+        <dgm:layoutNode name="parSh">
+          <dgm:alg type="sp"/>
+          <dgm:shape xmlns:r="http://schemas.openxmlformats.org/officeDocument/2006/relationships" type="roundRect" r:blip="">
+            <dgm:adjLst>
+              <dgm:adj idx="1" val="0.1"/>
+            </dgm:adjLst>
+          </dgm:shape>
+          <dgm:presOf axis="self" ptType="node"/>
+          <dgm:constrLst>
+            <dgm:constr type="h"/>
+          </dgm:constrLst>
+          <dgm:ruleLst/>
+        </dgm:layoutNode>
+        <dgm:layoutNode name="desTx" styleLbl="fgAcc1">
+          <dgm:varLst>
+            <dgm:bulletEnabled val="1"/>
+          </dgm:varLst>
+          <dgm:alg type="tx">
+            <dgm:param type="stBulletLvl" val="1"/>
+          </dgm:alg>
+          <dgm:shape xmlns:r="http://schemas.openxmlformats.org/officeDocument/2006/relationships" type="roundRect" r:blip="">
+            <dgm:adjLst>
+              <dgm:adj idx="1" val="0.1"/>
+            </dgm:adjLst>
+          </dgm:shape>
+          <dgm:presOf axis="des" ptType="node"/>
+          <dgm:constrLst>
+            <dgm:constr type="secFontSz" val="65"/>
+            <dgm:constr type="primFontSz" refType="secFontSz"/>
+            <dgm:constr type="h"/>
+          </dgm:constrLst>
+          <dgm:ruleLst>
+            <dgm:rule type="h" val="INF" fact="NaN" max="NaN"/>
+          </dgm:ruleLst>
+        </dgm:layoutNode>
+      </dgm:layoutNode>
+      <dgm:forEach name="sibTransForEach" axis="followSib" ptType="sibTrans" cnt="1">
+        <dgm:layoutNode name="sibTrans">
+          <dgm:alg type="conn">
+            <dgm:param type="begPts" val="auto"/>
+            <dgm:param type="endPts" val="auto"/>
+            <dgm:param type="srcNode" val="parTx"/>
+            <dgm:param type="dstNode" val="parTx"/>
+          </dgm:alg>
+          <dgm:shape xmlns:r="http://schemas.openxmlformats.org/officeDocument/2006/relationships" type="conn" r:blip="">
+            <dgm:adjLst/>
+          </dgm:shape>
+          <dgm:presOf axis="self"/>
+          <dgm:constrLst>
+            <dgm:constr type="h" refType="w" fact="0.62"/>
+            <dgm:constr type="connDist"/>
+            <dgm:constr type="begPad" refType="connDist" fact="0.25"/>
+            <dgm:constr type="endPad" refType="connDist" fact="0.22"/>
+          </dgm:constrLst>
+          <dgm:ruleLst/>
+          <dgm:layoutNode name="connTx">
+            <dgm:alg type="tx">
+              <dgm:param type="autoTxRot" val="grav"/>
+            </dgm:alg>
+            <dgm:shape xmlns:r="http://schemas.openxmlformats.org/officeDocument/2006/relationships" type="conn" r:blip="" hideGeom="1">
+              <dgm:adjLst/>
+            </dgm:shape>
+            <dgm:presOf axis="self"/>
+            <dgm:constrLst>
+              <dgm:constr type="lMarg"/>
+              <dgm:constr type="rMarg"/>
+              <dgm:constr type="tMarg"/>
+              <dgm:constr type="bMarg"/>
+            </dgm:constrLst>
+            <dgm:ruleLst>
+              <dgm:rule type="primFontSz" val="5" fact="NaN" max="NaN"/>
+            </dgm:ruleLst>
+          </dgm:layoutNode>
+        </dgm:layoutNode>
+      </dgm:forEach>
+    </dgm:forEach>
+  </dgm:layoutNode>
+</dgm:layoutDef>
+</file>
+
+<file path=ppt/diagrams/quickStyle1.xml><?xml version="1.0" encoding="utf-8"?>
+<dgm:styleDef xmlns:dgm="http://schemas.openxmlformats.org/drawingml/2006/diagram" xmlns:a="http://schemas.openxmlformats.org/drawingml/2006/main" uniqueId="urn:microsoft.com/office/officeart/2005/8/quickstyle/simple4">
+  <dgm:title val=""/>
+  <dgm:desc val=""/>
+  <dgm:catLst>
+    <dgm:cat type="simple" pri="10400"/>
+  </dgm:catLst>
+  <dgm:scene3d>
+    <a:camera prst="orthographicFront"/>
+    <a:lightRig rig="threePt" dir="t"/>
+  </dgm:scene3d>
+  <dgm:styleLbl name="node0">
+    <dgm:scene3d>
+      <a:camera prst="orthographicFront"/>
+      <a:lightRig rig="threePt" dir="t"/>
+    </dgm:scene3d>
+    <dgm:sp3d/>
+    <dgm:txPr/>
+    <dgm:style>
+      <a:lnRef idx="0">
+        <a:scrgbClr r="0" g="0" b="0"/>
+      </a:lnRef>
+      <a:fillRef idx="3">
+        <a:scrgbClr r="0" g="0" b="0"/>
+      </a:fillRef>
+      <a:effectRef idx="2">
+        <a:scrgbClr r="0" g="0" b="0"/>
+      </a:effectRef>
+      <a:fontRef idx="minor">
+        <a:schemeClr val="lt1"/>
+      </a:fontRef>
+    </dgm:style>
+  </dgm:styleLbl>
+  <dgm:styleLbl name="lnNode1">
+    <dgm:scene3d>
+      <a:camera prst="orthographicFront"/>
+      <a:lightRig rig="threePt" dir="t"/>
+    </dgm:scene3d>
+    <dgm:sp3d/>
+    <dgm:txPr/>
+    <dgm:style>
+      <a:lnRef idx="1">
+        <a:scrgbClr r="0" g="0" b="0"/>
+      </a:lnRef>
+      <a:fillRef idx="3">
+        <a:scrgbClr r="0" g="0" b="0"/>
+      </a:fillRef>
+      <a:effectRef idx="2">
+        <a:scrgbClr r="0" g="0" b="0"/>
+      </a:effectRef>
+      <a:fontRef idx="minor">
+        <a:schemeClr val="lt1"/>
+      </a:fontRef>
+    </dgm:style>
+  </dgm:styleLbl>
+  <dgm:styleLbl name="vennNode1">
+    <dgm:scene3d>
+      <a:camera prst="orthographicFront"/>
+      <a:lightRig rig="threePt" dir="t"/>
+    </dgm:scene3d>
+    <dgm:sp3d/>
+    <dgm:txPr/>
+    <dgm:style>
+      <a:lnRef idx="0">
+        <a:scrgbClr r="0" g="0" b="0"/>
+      </a:lnRef>
+      <a:fillRef idx="3">
+        <a:scrgbClr r="0" g="0" b="0"/>
+      </a:fillRef>
+      <a:effectRef idx="0">
+        <a:scrgbClr r="0" g="0" b="0"/>
+      </a:effectRef>
+      <a:fontRef idx="minor">
+        <a:schemeClr val="tx1"/>
+      </a:fontRef>
+    </dgm:style>
+  </dgm:styleLbl>
+  <dgm:styleLbl name="alignNode1">
+    <dgm:scene3d>
+      <a:camera prst="orthographicFront"/>
+      <a:lightRig rig="threePt" dir="t"/>
+    </dgm:scene3d>
+    <dgm:sp3d/>
+    <dgm:txPr/>
+    <dgm:style>
+      <a:lnRef idx="1">
+        <a:scrgbClr r="0" g="0" b="0"/>
+      </a:lnRef>
+      <a:fillRef idx="3">
+        <a:scrgbClr r="0" g="0" b="0"/>
+      </a:fillRef>
+      <a:effectRef idx="2">
+        <a:scrgbClr r="0" g="0" b="0"/>
+      </a:effectRef>
+      <a:fontRef idx="minor">
+        <a:schemeClr val="lt1"/>
+      </a:fontRef>
+    </dgm:style>
+  </dgm:styleLbl>
+  <dgm:styleLbl name="node1">
+    <dgm:scene3d>
+      <a:camera prst="orthographicFront"/>
+      <a:lightRig rig="threePt" dir="t"/>
+    </dgm:scene3d>
+    <dgm:sp3d/>
+    <dgm:txPr/>
+    <dgm:style>
+      <a:lnRef idx="0">
+        <a:scrgbClr r="0" g="0" b="0"/>
+      </a:lnRef>
+      <a:fillRef idx="3">
+        <a:scrgbClr r="0" g="0" b="0"/>
+      </a:fillRef>
+      <a:effectRef idx="2">
+        <a:scrgbClr r="0" g="0" b="0"/>
+      </a:effectRef>
+      <a:fontRef idx="minor">
+        <a:schemeClr val="lt1"/>
+      </a:fontRef>
+    </dgm:style>
+  </dgm:styleLbl>
+  <dgm:styleLbl name="node2">
+    <dgm:scene3d>
+      <a:camera prst="orthographicFront"/>
+      <a:lightRig rig="threePt" dir="t"/>
+    </dgm:scene3d>
+    <dgm:sp3d/>
+    <dgm:txPr/>
+    <dgm:style>
+      <a:lnRef idx="0">
+        <a:scrgbClr r="0" g="0" b="0"/>
+      </a:lnRef>
+      <a:fillRef idx="3">
+        <a:scrgbClr r="0" g="0" b="0"/>
+      </a:fillRef>
+      <a:effectRef idx="2">
+        <a:scrgbClr r="0" g="0" b="0"/>
+      </a:effectRef>
+      <a:fontRef idx="minor">
+        <a:schemeClr val="lt1"/>
+      </a:fontRef>
+    </dgm:style>
+  </dgm:styleLbl>
+  <dgm:styleLbl name="node3">
+    <dgm:scene3d>
+      <a:camera prst="orthographicFront"/>
+      <a:lightRig rig="threePt" dir="t"/>
+    </dgm:scene3d>
+    <dgm:sp3d/>
+    <dgm:txPr/>
+    <dgm:style>
+      <a:lnRef idx="0">
+        <a:scrgbClr r="0" g="0" b="0"/>
+      </a:lnRef>
+      <a:fillRef idx="3">
+        <a:scrgbClr r="0" g="0" b="0"/>
+      </a:fillRef>
+      <a:effectRef idx="2">
+        <a:scrgbClr r="0" g="0" b="0"/>
+      </a:effectRef>
+      <a:fontRef idx="minor">
+        <a:schemeClr val="lt1"/>
+      </a:fontRef>
+    </dgm:style>
+  </dgm:styleLbl>
+  <dgm:styleLbl name="node4">
+    <dgm:scene3d>
+      <a:camera prst="orthographicFront"/>
+      <a:lightRig rig="threePt" dir="t"/>
+    </dgm:scene3d>
+    <dgm:sp3d/>
+    <dgm:txPr/>
+    <dgm:style>
+      <a:lnRef idx="0">
+        <a:scrgbClr r="0" g="0" b="0"/>
+      </a:lnRef>
+      <a:fillRef idx="3">
+        <a:scrgbClr r="0" g="0" b="0"/>
+      </a:fillRef>
+      <a:effectRef idx="2">
+        <a:scrgbClr r="0" g="0" b="0"/>
+      </a:effectRef>
+      <a:fontRef idx="minor">
+        <a:schemeClr val="lt1"/>
+      </a:fontRef>
+    </dgm:style>
+  </dgm:styleLbl>
+  <dgm:styleLbl name="fgImgPlace1">
+    <dgm:scene3d>
+      <a:camera prst="orthographicFront"/>
+      <a:lightRig rig="threePt" dir="t"/>
+    </dgm:scene3d>
+    <dgm:sp3d/>
+    <dgm:txPr/>
+    <dgm:style>
+      <a:lnRef idx="0">
+        <a:scrgbClr r="0" g="0" b="0"/>
+      </a:lnRef>
+      <a:fillRef idx="1">
+        <a:scrgbClr r="0" g="0" b="0"/>
+      </a:fillRef>
+      <a:effectRef idx="2">
+        <a:scrgbClr r="0" g="0" b="0"/>
+      </a:effectRef>
+      <a:fontRef idx="minor"/>
+    </dgm:style>
+  </dgm:styleLbl>
+  <dgm:styleLbl name="alignImgPlace1">
+    <dgm:scene3d>
+      <a:camera prst="orthographicFront"/>
+      <a:lightRig rig="threePt" dir="t"/>
+    </dgm:scene3d>
+    <dgm:sp3d/>
+    <dgm:txPr/>
+    <dgm:style>
+      <a:lnRef idx="0">
+        <a:scrgbClr r="0" g="0" b="0"/>
+      </a:lnRef>
+      <a:fillRef idx="1">
+        <a:scrgbClr r="0" g="0" b="0"/>
+      </a:fillRef>
+      <a:effectRef idx="2">
+        <a:scrgbClr r="0" g="0" b="0"/>
+      </a:effectRef>
+      <a:fontRef idx="minor"/>
+    </dgm:style>
+  </dgm:styleLbl>
+  <dgm:styleLbl name="bgImgPlace1">
+    <dgm:scene3d>
+      <a:camera prst="orthographicFront"/>
+      <a:lightRig rig="threePt" dir="t"/>
+    </dgm:scene3d>
+    <dgm:sp3d/>
+    <dgm:txPr/>
+    <dgm:style>
+      <a:lnRef idx="0">
+        <a:scrgbClr r="0" g="0" b="0"/>
+      </a:lnRef>
+      <a:fillRef idx="1">
+        <a:scrgbClr r="0" g="0" b="0"/>
+      </a:fillRef>
+      <a:effectRef idx="2">
+        <a:scrgbClr r="0" g="0" b="0"/>
+      </a:effectRef>
+      <a:fontRef idx="minor"/>
+    </dgm:style>
+  </dgm:styleLbl>
+  <dgm:styleLbl name="sibTrans2D1">
+    <dgm:scene3d>
+      <a:camera prst="orthographicFront"/>
+      <a:lightRig rig="threePt" dir="t"/>
+    </dgm:scene3d>
+    <dgm:sp3d/>
+    <dgm:txPr/>
+    <dgm:style>
+      <a:lnRef idx="0">
+        <a:scrgbClr r="0" g="0" b="0"/>
+      </a:lnRef>
+      <a:fillRef idx="3">
+        <a:scrgbClr r="0" g="0" b="0"/>
+      </a:fillRef>
+      <a:effectRef idx="2">
+        <a:scrgbClr r="0" g="0" b="0"/>
+      </a:effectRef>
+      <a:fontRef idx="minor">
+        <a:schemeClr val="lt1"/>
+      </a:fontRef>
+    </dgm:style>
+  </dgm:styleLbl>
+  <dgm:styleLbl name="fgSibTrans2D1">
+    <dgm:scene3d>
+      <a:camera prst="orthographicFront"/>
+      <a:lightRig rig="threePt" dir="t"/>
+    </dgm:scene3d>
+    <dgm:sp3d/>
+    <dgm:txPr/>
+    <dgm:style>
+      <a:lnRef idx="0">
+        <a:scrgbClr r="0" g="0" b="0"/>
+      </a:lnRef>
+      <a:fillRef idx="3">
+        <a:scrgbClr r="0" g="0" b="0"/>
+      </a:fillRef>
+      <a:effectRef idx="2">
+        <a:scrgbClr r="0" g="0" b="0"/>
+      </a:effectRef>
+      <a:fontRef idx="minor">
+        <a:schemeClr val="lt1"/>
+      </a:fontRef>
+    </dgm:style>
+  </dgm:styleLbl>
+  <dgm:styleLbl name="bgSibTrans2D1">
+    <dgm:scene3d>
+      <a:camera prst="orthographicFront"/>
+      <a:lightRig rig="threePt" dir="t"/>
+    </dgm:scene3d>
+    <dgm:sp3d/>
+    <dgm:txPr/>
+    <dgm:style>
+      <a:lnRef idx="0">
+        <a:scrgbClr r="0" g="0" b="0"/>
+      </a:lnRef>
+      <a:fillRef idx="3">
+        <a:scrgbClr r="0" g="0" b="0"/>
+      </a:fillRef>
+      <a:effectRef idx="2">
+        <a:scrgbClr r="0" g="0" b="0"/>
+      </a:effectRef>
+      <a:fontRef idx="minor">
+        <a:schemeClr val="lt1"/>
+      </a:fontRef>
+    </dgm:style>
+  </dgm:styleLbl>
+  <dgm:styleLbl name="sibTrans1D1">
+    <dgm:scene3d>
+      <a:camera prst="orthographicFront"/>
+      <a:lightRig rig="threePt" dir="t"/>
+    </dgm:scene3d>
+    <dgm:sp3d/>
+    <dgm:txPr/>
+    <dgm:style>
+      <a:lnRef idx="1">
+        <a:scrgbClr r="0" g="0" b="0"/>
+      </a:lnRef>
+      <a:fillRef idx="0">
+        <a:scrgbClr r="0" g="0" b="0"/>
+      </a:fillRef>
+      <a:effectRef idx="0">
+        <a:scrgbClr r="0" g="0" b="0"/>
+      </a:effectRef>
+      <a:fontRef idx="minor"/>
+    </dgm:style>
+  </dgm:styleLbl>
+  <dgm:styleLbl name="callout">
+    <dgm:scene3d>
+      <a:camera prst="orthographicFront"/>
+      <a:lightRig rig="threePt" dir="t"/>
+    </dgm:scene3d>
+    <dgm:sp3d/>
+    <dgm:txPr/>
+    <dgm:style>
+      <a:lnRef idx="2">
+        <a:scrgbClr r="0" g="0" b="0"/>
+      </a:lnRef>
+      <a:fillRef idx="1">
+        <a:scrgbClr r="0" g="0" b="0"/>
+      </a:fillRef>
+      <a:effectRef idx="1">
+        <a:scrgbClr r="0" g="0" b="0"/>
+      </a:effectRef>
+      <a:fontRef idx="minor"/>
+    </dgm:style>
+  </dgm:styleLbl>
+  <dgm:styleLbl name="asst0">
+    <dgm:scene3d>
+      <a:camera prst="orthographicFront"/>
+      <a:lightRig rig="threePt" dir="t"/>
+    </dgm:scene3d>
+    <dgm:sp3d/>
+    <dgm:txPr/>
+    <dgm:style>
+      <a:lnRef idx="0">
+        <a:scrgbClr r="0" g="0" b="0"/>
+      </a:lnRef>
+      <a:fillRef idx="3">
+        <a:scrgbClr r="0" g="0" b="0"/>
+      </a:fillRef>
+      <a:effectRef idx="2">
+        <a:scrgbClr r="0" g="0" b="0"/>
+      </a:effectRef>
+      <a:fontRef idx="minor">
+        <a:schemeClr val="lt1"/>
+      </a:fontRef>
+    </dgm:style>
+  </dgm:styleLbl>
+  <dgm:styleLbl name="asst1">
+    <dgm:scene3d>
+      <a:camera prst="orthographicFront"/>
+      <a:lightRig rig="threePt" dir="t"/>
+    </dgm:scene3d>
+    <dgm:sp3d/>
+    <dgm:txPr/>
+    <dgm:style>
+      <a:lnRef idx="0">
+        <a:scrgbClr r="0" g="0" b="0"/>
+      </a:lnRef>
+      <a:fillRef idx="3">
+        <a:scrgbClr r="0" g="0" b="0"/>
+      </a:fillRef>
+      <a:effectRef idx="2">
+        <a:scrgbClr r="0" g="0" b="0"/>
+      </a:effectRef>
+      <a:fontRef idx="minor">
+        <a:schemeClr val="lt1"/>
+      </a:fontRef>
+    </dgm:style>
+  </dgm:styleLbl>
+  <dgm:styleLbl name="asst2">
+    <dgm:scene3d>
+      <a:camera prst="orthographicFront"/>
+      <a:lightRig rig="threePt" dir="t"/>
+    </dgm:scene3d>
+    <dgm:sp3d/>
+    <dgm:txPr/>
+    <dgm:style>
+      <a:lnRef idx="0">
+        <a:scrgbClr r="0" g="0" b="0"/>
+      </a:lnRef>
+      <a:fillRef idx="3">
+        <a:scrgbClr r="0" g="0" b="0"/>
+      </a:fillRef>
+      <a:effectRef idx="2">
+        <a:scrgbClr r="0" g="0" b="0"/>
+      </a:effectRef>
+      <a:fontRef idx="minor">
+        <a:schemeClr val="lt1"/>
+      </a:fontRef>
+    </dgm:style>
+  </dgm:styleLbl>
+  <dgm:styleLbl name="asst3">
+    <dgm:scene3d>
+      <a:camera prst="orthographicFront"/>
+      <a:lightRig rig="threePt" dir="t"/>
+    </dgm:scene3d>
+    <dgm:sp3d/>
+    <dgm:txPr/>
+    <dgm:style>
+      <a:lnRef idx="0">
+        <a:scrgbClr r="0" g="0" b="0"/>
+      </a:lnRef>
+      <a:fillRef idx="3">
+        <a:scrgbClr r="0" g="0" b="0"/>
+      </a:fillRef>
+      <a:effectRef idx="2">
+        <a:scrgbClr r="0" g="0" b="0"/>
+      </a:effectRef>
+      <a:fontRef idx="minor">
+        <a:schemeClr val="lt1"/>
+      </a:fontRef>
+    </dgm:style>
+  </dgm:styleLbl>
+  <dgm:styleLbl name="asst4">
+    <dgm:scene3d>
+      <a:camera prst="orthographicFront"/>
+      <a:lightRig rig="threePt" dir="t"/>
+    </dgm:scene3d>
+    <dgm:sp3d/>
+    <dgm:txPr/>
+    <dgm:style>
+      <a:lnRef idx="0">
+        <a:scrgbClr r="0" g="0" b="0"/>
+      </a:lnRef>
+      <a:fillRef idx="3">
+        <a:scrgbClr r="0" g="0" b="0"/>
+      </a:fillRef>
+      <a:effectRef idx="2">
+        <a:scrgbClr r="0" g="0" b="0"/>
+      </a:effectRef>
+      <a:fontRef idx="minor">
+        <a:schemeClr val="lt1"/>
+      </a:fontRef>
+    </dgm:style>
+  </dgm:styleLbl>
+  <dgm:styleLbl name="parChTrans2D1">
+    <dgm:scene3d>
+      <a:camera prst="orthographicFront"/>
+      <a:lightRig rig="threePt" dir="t"/>
+    </dgm:scene3d>
+    <dgm:sp3d/>
+    <dgm:txPr/>
+    <dgm:style>
+      <a:lnRef idx="0">
+        <a:scrgbClr r="0" g="0" b="0"/>
+      </a:lnRef>
+      <a:fillRef idx="3">
+        <a:scrgbClr r="0" g="0" b="0"/>
+      </a:fillRef>
+      <a:effectRef idx="2">
+        <a:scrgbClr r="0" g="0" b="0"/>
+      </a:effectRef>
+      <a:fontRef idx="minor">
+        <a:schemeClr val="lt1"/>
+      </a:fontRef>
+    </dgm:style>
+  </dgm:styleLbl>
+  <dgm:styleLbl name="parChTrans2D2">
+    <dgm:scene3d>
+      <a:camera prst="orthographicFront"/>
+      <a:lightRig rig="threePt" dir="t"/>
+    </dgm:scene3d>
+    <dgm:sp3d/>
+    <dgm:txPr/>
+    <dgm:style>
+      <a:lnRef idx="0">
+        <a:scrgbClr r="0" g="0" b="0"/>
+      </a:lnRef>
+      <a:fillRef idx="3">
+        <a:scrgbClr r="0" g="0" b="0"/>
+      </a:fillRef>
+      <a:effectRef idx="2">
+        <a:scrgbClr r="0" g="0" b="0"/>
+      </a:effectRef>
+      <a:fontRef idx="minor">
+        <a:schemeClr val="lt1"/>
+      </a:fontRef>
+    </dgm:style>
+  </dgm:styleLbl>
+  <dgm:styleLbl name="parChTrans2D3">
+    <dgm:scene3d>
+      <a:camera prst="orthographicFront"/>
+      <a:lightRig rig="threePt" dir="t"/>
+    </dgm:scene3d>
+    <dgm:sp3d/>
+    <dgm:txPr/>
+    <dgm:style>
+      <a:lnRef idx="1">
+        <a:scrgbClr r="0" g="0" b="0"/>
+      </a:lnRef>
+      <a:fillRef idx="3">
+        <a:scrgbClr r="0" g="0" b="0"/>
+      </a:fillRef>
+      <a:effectRef idx="2">
+        <a:scrgbClr r="0" g="0" b="0"/>
+      </a:effectRef>
+      <a:fontRef idx="minor">
+        <a:schemeClr val="lt1"/>
+      </a:fontRef>
+    </dgm:style>
+  </dgm:styleLbl>
+  <dgm:styleLbl name="parChTrans2D4">
+    <dgm:scene3d>
+      <a:camera prst="orthographicFront"/>
+      <a:lightRig rig="threePt" dir="t"/>
+    </dgm:scene3d>
+    <dgm:sp3d/>
+    <dgm:txPr/>
+    <dgm:style>
+      <a:lnRef idx="1">
+        <a:scrgbClr r="0" g="0" b="0"/>
+      </a:lnRef>
+      <a:fillRef idx="3">
+        <a:scrgbClr r="0" g="0" b="0"/>
+      </a:fillRef>
+      <a:effectRef idx="2">
+        <a:scrgbClr r="0" g="0" b="0"/>
+      </a:effectRef>
+      <a:fontRef idx="minor">
+        <a:schemeClr val="lt1"/>
+      </a:fontRef>
+    </dgm:style>
+  </dgm:styleLbl>
+  <dgm:styleLbl name="parChTrans1D1">
+    <dgm:scene3d>
+      <a:camera prst="orthographicFront"/>
+      <a:lightRig rig="threePt" dir="t"/>
+    </dgm:scene3d>
+    <dgm:sp3d/>
+    <dgm:txPr/>
+    <dgm:style>
+      <a:lnRef idx="1">
+        <a:scrgbClr r="0" g="0" b="0"/>
+      </a:lnRef>
+      <a:fillRef idx="0">
+        <a:scrgbClr r="0" g="0" b="0"/>
+      </a:fillRef>
+      <a:effectRef idx="0">
+        <a:scrgbClr r="0" g="0" b="0"/>
+      </a:effectRef>
+      <a:fontRef idx="minor"/>
+    </dgm:style>
+  </dgm:styleLbl>
+  <dgm:styleLbl name="parChTrans1D2">
+    <dgm:scene3d>
+      <a:camera prst="orthographicFront"/>
+      <a:lightRig rig="threePt" dir="t"/>
+    </dgm:scene3d>
+    <dgm:sp3d/>
+    <dgm:txPr/>
+    <dgm:style>
+      <a:lnRef idx="1">
+        <a:scrgbClr r="0" g="0" b="0"/>
+      </a:lnRef>
+      <a:fillRef idx="0">
+        <a:scrgbClr r="0" g="0" b="0"/>
+      </a:fillRef>
+      <a:effectRef idx="0">
+        <a:scrgbClr r="0" g="0" b="0"/>
+      </a:effectRef>
+      <a:fontRef idx="minor"/>
+    </dgm:style>
+  </dgm:styleLbl>
+  <dgm:styleLbl name="parChTrans1D3">
+    <dgm:scene3d>
+      <a:camera prst="orthographicFront"/>
+      <a:lightRig rig="threePt" dir="t"/>
+    </dgm:scene3d>
+    <dgm:sp3d/>
+    <dgm:txPr/>
+    <dgm:style>
+      <a:lnRef idx="1">
+        <a:scrgbClr r="0" g="0" b="0"/>
+      </a:lnRef>
+      <a:fillRef idx="0">
+        <a:scrgbClr r="0" g="0" b="0"/>
+      </a:fillRef>
+      <a:effectRef idx="0">
+        <a:scrgbClr r="0" g="0" b="0"/>
+      </a:effectRef>
+      <a:fontRef idx="minor"/>
+    </dgm:style>
+  </dgm:styleLbl>
+  <dgm:styleLbl name="parChTrans1D4">
+    <dgm:scene3d>
+      <a:camera prst="orthographicFront"/>
+      <a:lightRig rig="threePt" dir="t"/>
+    </dgm:scene3d>
+    <dgm:sp3d/>
+    <dgm:txPr/>
+    <dgm:style>
+      <a:lnRef idx="1">
+        <a:scrgbClr r="0" g="0" b="0"/>
+      </a:lnRef>
+      <a:fillRef idx="0">
+        <a:scrgbClr r="0" g="0" b="0"/>
+      </a:fillRef>
+      <a:effectRef idx="0">
+        <a:scrgbClr r="0" g="0" b="0"/>
+      </a:effectRef>
+      <a:fontRef idx="minor"/>
+    </dgm:style>
+  </dgm:styleLbl>
+  <dgm:styleLbl name="fgAcc1">
+    <dgm:scene3d>
+      <a:camera prst="orthographicFront"/>
+      <a:lightRig rig="threePt" dir="t"/>
+    </dgm:scene3d>
+    <dgm:sp3d/>
+    <dgm:txPr/>
+    <dgm:style>
+      <a:lnRef idx="1">
+        <a:scrgbClr r="0" g="0" b="0"/>
+      </a:lnRef>
+      <a:fillRef idx="1">
+        <a:scrgbClr r="0" g="0" b="0"/>
+      </a:fillRef>
+      <a:effectRef idx="0">
+        <a:scrgbClr r="0" g="0" b="0"/>
+      </a:effectRef>
+      <a:fontRef idx="minor"/>
+    </dgm:style>
+  </dgm:styleLbl>
+  <dgm:styleLbl name="conFgAcc1">
+    <dgm:scene3d>
+      <a:camera prst="orthographicFront"/>
+      <a:lightRig rig="threePt" dir="t"/>
+    </dgm:scene3d>
+    <dgm:sp3d/>
+    <dgm:txPr/>
+    <dgm:style>
+      <a:lnRef idx="1">
+        <a:scrgbClr r="0" g="0" b="0"/>
+      </a:lnRef>
+      <a:fillRef idx="1">
+        <a:scrgbClr r="0" g="0" b="0"/>
+      </a:fillRef>
+      <a:effectRef idx="0">
+        <a:scrgbClr r="0" g="0" b="0"/>
+      </a:effectRef>
+      <a:fontRef idx="minor"/>
+    </dgm:style>
+  </dgm:styleLbl>
+  <dgm:styleLbl name="alignAcc1">
+    <dgm:scene3d>
+      <a:camera prst="orthographicFront"/>
+      <a:lightRig rig="threePt" dir="t"/>
+    </dgm:scene3d>
+    <dgm:sp3d/>
+    <dgm:txPr/>
+    <dgm:style>
+      <a:lnRef idx="1">
+        <a:scrgbClr r="0" g="0" b="0"/>
+      </a:lnRef>
+      <a:fillRef idx="1">
+        <a:scrgbClr r="0" g="0" b="0"/>
+      </a:fillRef>
+      <a:effectRef idx="0">
+        <a:scrgbClr r="0" g="0" b="0"/>
+      </a:effectRef>
+      <a:fontRef idx="minor"/>
+    </dgm:style>
+  </dgm:styleLbl>
+  <dgm:styleLbl name="trAlignAcc1">
+    <dgm:scene3d>
+      <a:camera prst="orthographicFront"/>
+      <a:lightRig rig="threePt" dir="t"/>
+    </dgm:scene3d>
+    <dgm:sp3d/>
+    <dgm:txPr/>
+    <dgm:style>
+      <a:lnRef idx="1">
+        <a:scrgbClr r="0" g="0" b="0"/>
+      </a:lnRef>
+      <a:fillRef idx="1">
+        <a:scrgbClr r="0" g="0" b="0"/>
+      </a:fillRef>
+      <a:effectRef idx="0">
+        <a:scrgbClr r="0" g="0" b="0"/>
+      </a:effectRef>
+      <a:fontRef idx="minor"/>
+    </dgm:style>
+  </dgm:styleLbl>
+  <dgm:styleLbl name="bgAcc1">
+    <dgm:scene3d>
+      <a:camera prst="orthographicFront"/>
+      <a:lightRig rig="threePt" dir="t"/>
+    </dgm:scene3d>
+    <dgm:sp3d/>
+    <dgm:txPr/>
+    <dgm:style>
+      <a:lnRef idx="1">
+        <a:scrgbClr r="0" g="0" b="0"/>
+      </a:lnRef>
+      <a:fillRef idx="1">
+        <a:scrgbClr r="0" g="0" b="0"/>
+      </a:fillRef>
+      <a:effectRef idx="0">
+        <a:scrgbClr r="0" g="0" b="0"/>
+      </a:effectRef>
+      <a:fontRef idx="minor"/>
+    </dgm:style>
+  </dgm:styleLbl>
+  <dgm:styleLbl name="solidFgAcc1">
+    <dgm:scene3d>
+      <a:camera prst="orthographicFront"/>
+      <a:lightRig rig="threePt" dir="t"/>
+    </dgm:scene3d>
+    <dgm:sp3d/>
+    <dgm:txPr/>
+    <dgm:style>
+      <a:lnRef idx="1">
+        <a:scrgbClr r="0" g="0" b="0"/>
+      </a:lnRef>
+      <a:fillRef idx="1">
+        <a:scrgbClr r="0" g="0" b="0"/>
+      </a:fillRef>
+      <a:effectRef idx="0">
+        <a:scrgbClr r="0" g="0" b="0"/>
+      </a:effectRef>
+      <a:fontRef idx="minor"/>
+    </dgm:style>
+  </dgm:styleLbl>
+  <dgm:styleLbl name="solidAlignAcc1">
+    <dgm:scene3d>
+      <a:camera prst="orthographicFront"/>
+      <a:lightRig rig="threePt" dir="t"/>
+    </dgm:scene3d>
+    <dgm:sp3d/>
+    <dgm:txPr/>
+    <dgm:style>
+      <a:lnRef idx="1">
+        <a:scrgbClr r="0" g="0" b="0"/>
+      </a:lnRef>
+      <a:fillRef idx="1">
+        <a:scrgbClr r="0" g="0" b="0"/>
+      </a:fillRef>
+      <a:effectRef idx="0">
+        <a:scrgbClr r="0" g="0" b="0"/>
+      </a:effectRef>
+      <a:fontRef idx="minor"/>
+    </dgm:style>
+  </dgm:styleLbl>
+  <dgm:styleLbl name="solidBgAcc1">
+    <dgm:scene3d>
+      <a:camera prst="orthographicFront"/>
+      <a:lightRig rig="threePt" dir="t"/>
+    </dgm:scene3d>
+    <dgm:sp3d/>
+    <dgm:txPr/>
+    <dgm:style>
+      <a:lnRef idx="1">
+        <a:scrgbClr r="0" g="0" b="0"/>
+      </a:lnRef>
+      <a:fillRef idx="1">
+        <a:scrgbClr r="0" g="0" b="0"/>
+      </a:fillRef>
+      <a:effectRef idx="0">
+        <a:scrgbClr r="0" g="0" b="0"/>
+      </a:effectRef>
+      <a:fontRef idx="minor"/>
+    </dgm:style>
+  </dgm:styleLbl>
+  <dgm:styleLbl name="fgAccFollowNode1">
+    <dgm:scene3d>
+      <a:camera prst="orthographicFront"/>
+      <a:lightRig rig="threePt" dir="t"/>
+    </dgm:scene3d>
+    <dgm:sp3d/>
+    <dgm:txPr/>
+    <dgm:style>
+      <a:lnRef idx="1">
+        <a:scrgbClr r="0" g="0" b="0"/>
+      </a:lnRef>
+      <a:fillRef idx="1">
+        <a:scrgbClr r="0" g="0" b="0"/>
+      </a:fillRef>
+      <a:effectRef idx="0">
+        <a:scrgbClr r="0" g="0" b="0"/>
+      </a:effectRef>
+      <a:fontRef idx="minor"/>
+    </dgm:style>
+  </dgm:styleLbl>
+  <dgm:styleLbl name="alignAccFollowNode1">
+    <dgm:scene3d>
+      <a:camera prst="orthographicFront"/>
+      <a:lightRig rig="threePt" dir="t"/>
+    </dgm:scene3d>
+    <dgm:sp3d/>
+    <dgm:txPr/>
+    <dgm:style>
+      <a:lnRef idx="1">
+        <a:scrgbClr r="0" g="0" b="0"/>
+      </a:lnRef>
+      <a:fillRef idx="1">
+        <a:scrgbClr r="0" g="0" b="0"/>
+      </a:fillRef>
+      <a:effectRef idx="0">
+        <a:scrgbClr r="0" g="0" b="0"/>
+      </a:effectRef>
+      <a:fontRef idx="minor"/>
+    </dgm:style>
+  </dgm:styleLbl>
+  <dgm:styleLbl name="bgAccFollowNode1">
+    <dgm:scene3d>
+      <a:camera prst="orthographicFront"/>
+      <a:lightRig rig="threePt" dir="t"/>
+    </dgm:scene3d>
+    <dgm:sp3d/>
+    <dgm:txPr/>
+    <dgm:style>
+      <a:lnRef idx="1">
+        <a:scrgbClr r="0" g="0" b="0"/>
+      </a:lnRef>
+      <a:fillRef idx="1">
+        <a:scrgbClr r="0" g="0" b="0"/>
+      </a:fillRef>
+      <a:effectRef idx="0">
+        <a:scrgbClr r="0" g="0" b="0"/>
+      </a:effectRef>
+      <a:fontRef idx="minor"/>
+    </dgm:style>
+  </dgm:styleLbl>
+  <dgm:styleLbl name="fgAcc0">
+    <dgm:scene3d>
+      <a:camera prst="orthographicFront"/>
+      <a:lightRig rig="threePt" dir="t"/>
+    </dgm:scene3d>
+    <dgm:sp3d/>
+    <dgm:txPr/>
+    <dgm:style>
+      <a:lnRef idx="1">
+        <a:scrgbClr r="0" g="0" b="0"/>
+      </a:lnRef>
+      <a:fillRef idx="1">
+        <a:scrgbClr r="0" g="0" b="0"/>
+      </a:fillRef>
+      <a:effectRef idx="0">
+        <a:scrgbClr r="0" g="0" b="0"/>
+      </a:effectRef>
+      <a:fontRef idx="minor"/>
+    </dgm:style>
+  </dgm:styleLbl>
+  <dgm:styleLbl name="fgAcc2">
+    <dgm:scene3d>
+      <a:camera prst="orthographicFront"/>
+      <a:lightRig rig="threePt" dir="t"/>
+    </dgm:scene3d>
+    <dgm:sp3d/>
+    <dgm:txPr/>
+    <dgm:style>
+      <a:lnRef idx="1">
+        <a:scrgbClr r="0" g="0" b="0"/>
+      </a:lnRef>
+      <a:fillRef idx="1">
+        <a:scrgbClr r="0" g="0" b="0"/>
+      </a:fillRef>
+      <a:effectRef idx="0">
+        <a:scrgbClr r="0" g="0" b="0"/>
+      </a:effectRef>
+      <a:fontRef idx="minor"/>
+    </dgm:style>
+  </dgm:styleLbl>
+  <dgm:styleLbl name="fgAcc3">
+    <dgm:scene3d>
+      <a:camera prst="orthographicFront"/>
+      <a:lightRig rig="threePt" dir="t"/>
+    </dgm:scene3d>
+    <dgm:sp3d/>
+    <dgm:txPr/>
+    <dgm:style>
+      <a:lnRef idx="1">
+        <a:scrgbClr r="0" g="0" b="0"/>
+      </a:lnRef>
+      <a:fillRef idx="1">
+        <a:scrgbClr r="0" g="0" b="0"/>
+      </a:fillRef>
+      <a:effectRef idx="0">
+        <a:scrgbClr r="0" g="0" b="0"/>
+      </a:effectRef>
+      <a:fontRef idx="minor"/>
+    </dgm:style>
+  </dgm:styleLbl>
+  <dgm:styleLbl name="fgAcc4">
+    <dgm:scene3d>
+      <a:camera prst="orthographicFront"/>
+      <a:lightRig rig="threePt" dir="t"/>
+    </dgm:scene3d>
+    <dgm:sp3d/>
+    <dgm:txPr/>
+    <dgm:style>
+      <a:lnRef idx="1">
+        <a:scrgbClr r="0" g="0" b="0"/>
+      </a:lnRef>
+      <a:fillRef idx="1">
+        <a:scrgbClr r="0" g="0" b="0"/>
+      </a:fillRef>
+      <a:effectRef idx="0">
+        <a:scrgbClr r="0" g="0" b="0"/>
+      </a:effectRef>
+      <a:fontRef idx="minor"/>
+    </dgm:style>
+  </dgm:styleLbl>
+  <dgm:styleLbl name="bgShp">
+    <dgm:scene3d>
+      <a:camera prst="orthographicFront"/>
+      <a:lightRig rig="threePt" dir="t"/>
+    </dgm:scene3d>
+    <dgm:sp3d/>
+    <dgm:txPr/>
+    <dgm:style>
+      <a:lnRef idx="0">
+        <a:scrgbClr r="0" g="0" b="0"/>
+      </a:lnRef>
+      <a:fillRef idx="1">
+        <a:scrgbClr r="0" g="0" b="0"/>
+      </a:fillRef>
+      <a:effectRef idx="2">
+        <a:scrgbClr r="0" g="0" b="0"/>
+      </a:effectRef>
+      <a:fontRef idx="minor"/>
+    </dgm:style>
+  </dgm:styleLbl>
+  <dgm:styleLbl name="dkBgShp">
+    <dgm:scene3d>
+      <a:camera prst="orthographicFront"/>
+      <a:lightRig rig="threePt" dir="t"/>
+    </dgm:scene3d>
+    <dgm:sp3d/>
+    <dgm:txPr/>
+    <dgm:style>
+      <a:lnRef idx="0">
+        <a:scrgbClr r="0" g="0" b="0"/>
+      </a:lnRef>
+      <a:fillRef idx="1">
+        <a:scrgbClr r="0" g="0" b="0"/>
+      </a:fillRef>
+      <a:effectRef idx="2">
+        <a:scrgbClr r="0" g="0" b="0"/>
+      </a:effectRef>
+      <a:fontRef idx="minor"/>
+    </dgm:style>
+  </dgm:styleLbl>
+  <dgm:styleLbl name="trBgShp">
+    <dgm:scene3d>
+      <a:camera prst="orthographicFront"/>
+      <a:lightRig rig="threePt" dir="t"/>
+    </dgm:scene3d>
+    <dgm:sp3d/>
+    <dgm:txPr/>
+    <dgm:style>
+      <a:lnRef idx="0">
+        <a:scrgbClr r="0" g="0" b="0"/>
+      </a:lnRef>
+      <a:fillRef idx="1">
+        <a:scrgbClr r="0" g="0" b="0"/>
+      </a:fillRef>
+      <a:effectRef idx="0">
+        <a:scrgbClr r="0" g="0" b="0"/>
+      </a:effectRef>
+      <a:fontRef idx="minor"/>
+    </dgm:style>
+  </dgm:styleLbl>
+  <dgm:styleLbl name="fgShp">
+    <dgm:scene3d>
+      <a:camera prst="orthographicFront"/>
+      <a:lightRig rig="threePt" dir="t"/>
+    </dgm:scene3d>
+    <dgm:sp3d/>
+    <dgm:txPr/>
+    <dgm:style>
+      <a:lnRef idx="0">
+        <a:scrgbClr r="0" g="0" b="0"/>
+      </a:lnRef>
+      <a:fillRef idx="3">
+        <a:scrgbClr r="0" g="0" b="0"/>
+      </a:fillRef>
+      <a:effectRef idx="2">
+        <a:scrgbClr r="0" g="0" b="0"/>
+      </a:effectRef>
+      <a:fontRef idx="minor"/>
+    </dgm:style>
+  </dgm:styleLbl>
+  <dgm:styleLbl name="revTx">
+    <dgm:scene3d>
+      <a:camera prst="orthographicFront"/>
+      <a:lightRig rig="threePt" dir="t"/>
+    </dgm:scene3d>
+    <dgm:sp3d/>
+    <dgm:txPr/>
+    <dgm:style>
+      <a:lnRef idx="0">
+        <a:scrgbClr r="0" g="0" b="0"/>
+      </a:lnRef>
+      <a:fillRef idx="0">
+        <a:scrgbClr r="0" g="0" b="0"/>
+      </a:fillRef>
+      <a:effectRef idx="0">
+        <a:scrgbClr r="0" g="0" b="0"/>
+      </a:effectRef>
+      <a:fontRef idx="minor"/>
+    </dgm:style>
+  </dgm:styleLbl>
+</dgm:styleDef>
+</file>
+
 <file path=ppt/notesMasters/notesMaster1.xml><?xml version="1.0" encoding="utf-8"?>
 <p:notesMaster xmlns:a="http://schemas.openxmlformats.org/drawingml/2006/main" xmlns:r="http://schemas.openxmlformats.org/officeDocument/2006/relationships" xmlns:p="http://schemas.openxmlformats.org/presentationml/2006/main">
   <p:cSld>
@@ -204,7 +4474,7 @@
           <a:p>
             <a:fld id="{46047272-87BD-BC4C-AA21-86FE11FB04E4}" type="datetimeFigureOut">
               <a:rPr lang="en-US" smtClean="0"/>
-              <a:t>2/12/2020</a:t>
+              <a:t>10/16/20</a:t>
             </a:fld>
             <a:endParaRPr lang="en-US"/>
           </a:p>
@@ -892,7 +5162,7 @@
           <a:p>
             <a:fld id="{5882AB81-FAA3-4421-AE84-EBE76FCDA8DA}" type="datetimeFigureOut">
               <a:rPr lang="en-US" smtClean="0"/>
-              <a:t>2/12/2020</a:t>
+              <a:t>10/16/20</a:t>
             </a:fld>
             <a:endParaRPr lang="en-US"/>
           </a:p>
@@ -1062,7 +5332,7 @@
           <a:p>
             <a:fld id="{5882AB81-FAA3-4421-AE84-EBE76FCDA8DA}" type="datetimeFigureOut">
               <a:rPr lang="en-US" smtClean="0"/>
-              <a:t>2/12/2020</a:t>
+              <a:t>10/16/20</a:t>
             </a:fld>
             <a:endParaRPr lang="en-US"/>
           </a:p>
@@ -1242,7 +5512,7 @@
           <a:p>
             <a:fld id="{5882AB81-FAA3-4421-AE84-EBE76FCDA8DA}" type="datetimeFigureOut">
               <a:rPr lang="en-US" smtClean="0"/>
-              <a:t>2/12/2020</a:t>
+              <a:t>10/16/20</a:t>
             </a:fld>
             <a:endParaRPr lang="en-US"/>
           </a:p>
@@ -1412,7 +5682,7 @@
           <a:p>
             <a:fld id="{5882AB81-FAA3-4421-AE84-EBE76FCDA8DA}" type="datetimeFigureOut">
               <a:rPr lang="en-US" smtClean="0"/>
-              <a:t>2/12/2020</a:t>
+              <a:t>10/16/20</a:t>
             </a:fld>
             <a:endParaRPr lang="en-US"/>
           </a:p>
@@ -1658,7 +5928,7 @@
           <a:p>
             <a:fld id="{5882AB81-FAA3-4421-AE84-EBE76FCDA8DA}" type="datetimeFigureOut">
               <a:rPr lang="en-US" smtClean="0"/>
-              <a:t>2/12/2020</a:t>
+              <a:t>10/16/20</a:t>
             </a:fld>
             <a:endParaRPr lang="en-US"/>
           </a:p>
@@ -1890,7 +6160,7 @@
           <a:p>
             <a:fld id="{5882AB81-FAA3-4421-AE84-EBE76FCDA8DA}" type="datetimeFigureOut">
               <a:rPr lang="en-US" smtClean="0"/>
-              <a:t>2/12/2020</a:t>
+              <a:t>10/16/20</a:t>
             </a:fld>
             <a:endParaRPr lang="en-US"/>
           </a:p>
@@ -2257,7 +6527,7 @@
           <a:p>
             <a:fld id="{5882AB81-FAA3-4421-AE84-EBE76FCDA8DA}" type="datetimeFigureOut">
               <a:rPr lang="en-US" smtClean="0"/>
-              <a:t>2/12/2020</a:t>
+              <a:t>10/16/20</a:t>
             </a:fld>
             <a:endParaRPr lang="en-US"/>
           </a:p>
@@ -2375,7 +6645,7 @@
           <a:p>
             <a:fld id="{5882AB81-FAA3-4421-AE84-EBE76FCDA8DA}" type="datetimeFigureOut">
               <a:rPr lang="en-US" smtClean="0"/>
-              <a:t>2/12/2020</a:t>
+              <a:t>10/16/20</a:t>
             </a:fld>
             <a:endParaRPr lang="en-US"/>
           </a:p>
@@ -2470,7 +6740,7 @@
           <a:p>
             <a:fld id="{5882AB81-FAA3-4421-AE84-EBE76FCDA8DA}" type="datetimeFigureOut">
               <a:rPr lang="en-US" smtClean="0"/>
-              <a:t>2/12/2020</a:t>
+              <a:t>10/16/20</a:t>
             </a:fld>
             <a:endParaRPr lang="en-US"/>
           </a:p>
@@ -2747,7 +7017,7 @@
           <a:p>
             <a:fld id="{5882AB81-FAA3-4421-AE84-EBE76FCDA8DA}" type="datetimeFigureOut">
               <a:rPr lang="en-US" smtClean="0"/>
-              <a:t>2/12/2020</a:t>
+              <a:t>10/16/20</a:t>
             </a:fld>
             <a:endParaRPr lang="en-US"/>
           </a:p>
@@ -3004,7 +7274,7 @@
           <a:p>
             <a:fld id="{5882AB81-FAA3-4421-AE84-EBE76FCDA8DA}" type="datetimeFigureOut">
               <a:rPr lang="en-US" smtClean="0"/>
-              <a:t>2/12/2020</a:t>
+              <a:t>10/16/20</a:t>
             </a:fld>
             <a:endParaRPr lang="en-US"/>
           </a:p>
@@ -3217,7 +7487,7 @@
           <a:p>
             <a:fld id="{5882AB81-FAA3-4421-AE84-EBE76FCDA8DA}" type="datetimeFigureOut">
               <a:rPr lang="en-US" smtClean="0"/>
-              <a:t>2/12/2020</a:t>
+              <a:t>10/16/20</a:t>
             </a:fld>
             <a:endParaRPr lang="en-US"/>
           </a:p>
@@ -3983,27 +8253,7 @@
                   </a:schemeClr>
                 </a:solidFill>
               </a:rPr>
-              <a:t>In this analysis, our goal is to provide you 5 zip </a:t>
-            </a:r>
-            <a:r>
-              <a:rPr lang="en-US" dirty="0" smtClean="0">
-                <a:solidFill>
-                  <a:schemeClr val="tx2">
-                    <a:lumMod val="75000"/>
-                  </a:schemeClr>
-                </a:solidFill>
-              </a:rPr>
-              <a:t>codes/neighborhoods  </a:t>
-            </a:r>
-            <a:r>
-              <a:rPr lang="en-US" dirty="0" smtClean="0">
-                <a:solidFill>
-                  <a:schemeClr val="tx2">
-                    <a:lumMod val="75000"/>
-                  </a:schemeClr>
-                </a:solidFill>
-              </a:rPr>
-              <a:t>that could maximize your Return on Investment </a:t>
+              <a:t>In this analysis, our goal is to provide you 5 zip codes/neighborhoods  that could maximize your Return on Investment </a:t>
             </a:r>
           </a:p>
           <a:p>
@@ -5414,15 +9664,7 @@
                   <a:schemeClr val="tx2"/>
                 </a:solidFill>
               </a:rPr>
-              <a:t> </a:t>
-            </a:r>
-            <a:r>
-              <a:rPr lang="en-US" sz="3200" dirty="0" smtClean="0">
-                <a:solidFill>
-                  <a:schemeClr val="tx2"/>
-                </a:solidFill>
-              </a:rPr>
-              <a:t>and 5 </a:t>
+              <a:t> and 5 </a:t>
             </a:r>
             <a:r>
               <a:rPr lang="en-US" sz="3200" dirty="0" err="1" smtClean="0">
@@ -5457,7 +9699,7 @@
           <p:nvPr>
             <p:extLst>
               <p:ext uri="{D42A27DB-BD31-4B8C-83A1-F6EECF244321}">
-                <p14:modId xmlns:p14="http://schemas.microsoft.com/office/powerpoint/2010/main" val="271653223"/>
+                <p14:modId xmlns:p14="http://schemas.microsoft.com/office/powerpoint/2010/main" val="410939884"/>
               </p:ext>
             </p:extLst>
           </p:nvPr>
@@ -5476,70 +9718,70 @@
                 <a:gridCol w="970156">
                   <a:extLst>
                     <a:ext uri="{9D8B030D-6E8A-4147-A177-3AD203B41FA5}">
-                      <a16:colId xmlns:a16="http://schemas.microsoft.com/office/drawing/2014/main" val="20000"/>
+                      <a16:colId xmlns="" xmlns:a16="http://schemas.microsoft.com/office/drawing/2014/main" val="20000"/>
                     </a:ext>
                   </a:extLst>
                 </a:gridCol>
                 <a:gridCol w="1505042">
                   <a:extLst>
                     <a:ext uri="{9D8B030D-6E8A-4147-A177-3AD203B41FA5}">
-                      <a16:colId xmlns:a16="http://schemas.microsoft.com/office/drawing/2014/main" val="20001"/>
+                      <a16:colId xmlns="" xmlns:a16="http://schemas.microsoft.com/office/drawing/2014/main" val="20001"/>
                     </a:ext>
                   </a:extLst>
                 </a:gridCol>
                 <a:gridCol w="1627527">
                   <a:extLst>
                     <a:ext uri="{9D8B030D-6E8A-4147-A177-3AD203B41FA5}">
-                      <a16:colId xmlns:a16="http://schemas.microsoft.com/office/drawing/2014/main" val="20002"/>
+                      <a16:colId xmlns="" xmlns:a16="http://schemas.microsoft.com/office/drawing/2014/main" val="20002"/>
                     </a:ext>
                   </a:extLst>
                 </a:gridCol>
                 <a:gridCol w="1503203">
                   <a:extLst>
                     <a:ext uri="{9D8B030D-6E8A-4147-A177-3AD203B41FA5}">
-                      <a16:colId xmlns:a16="http://schemas.microsoft.com/office/drawing/2014/main" val="20003"/>
+                      <a16:colId xmlns="" xmlns:a16="http://schemas.microsoft.com/office/drawing/2014/main" val="20003"/>
                     </a:ext>
                   </a:extLst>
                 </a:gridCol>
                 <a:gridCol w="973291">
                   <a:extLst>
                     <a:ext uri="{9D8B030D-6E8A-4147-A177-3AD203B41FA5}">
-                      <a16:colId xmlns:a16="http://schemas.microsoft.com/office/drawing/2014/main" val="20004"/>
+                      <a16:colId xmlns="" xmlns:a16="http://schemas.microsoft.com/office/drawing/2014/main" val="20004"/>
                     </a:ext>
                   </a:extLst>
                 </a:gridCol>
                 <a:gridCol w="1014761">
                   <a:extLst>
                     <a:ext uri="{9D8B030D-6E8A-4147-A177-3AD203B41FA5}">
-                      <a16:colId xmlns:a16="http://schemas.microsoft.com/office/drawing/2014/main" val="20005"/>
+                      <a16:colId xmlns="" xmlns:a16="http://schemas.microsoft.com/office/drawing/2014/main" val="20005"/>
                     </a:ext>
                   </a:extLst>
                 </a:gridCol>
                 <a:gridCol w="1092820">
                   <a:extLst>
                     <a:ext uri="{9D8B030D-6E8A-4147-A177-3AD203B41FA5}">
-                      <a16:colId xmlns:a16="http://schemas.microsoft.com/office/drawing/2014/main" val="20006"/>
+                      <a16:colId xmlns="" xmlns:a16="http://schemas.microsoft.com/office/drawing/2014/main" val="20006"/>
                     </a:ext>
                   </a:extLst>
                 </a:gridCol>
                 <a:gridCol w="981307">
                   <a:extLst>
                     <a:ext uri="{9D8B030D-6E8A-4147-A177-3AD203B41FA5}">
-                      <a16:colId xmlns:a16="http://schemas.microsoft.com/office/drawing/2014/main" val="20007"/>
+                      <a16:colId xmlns="" xmlns:a16="http://schemas.microsoft.com/office/drawing/2014/main" val="20007"/>
                     </a:ext>
                   </a:extLst>
                 </a:gridCol>
                 <a:gridCol w="1137423">
                   <a:extLst>
                     <a:ext uri="{9D8B030D-6E8A-4147-A177-3AD203B41FA5}">
-                      <a16:colId xmlns:a16="http://schemas.microsoft.com/office/drawing/2014/main" val="20008"/>
+                      <a16:colId xmlns="" xmlns:a16="http://schemas.microsoft.com/office/drawing/2014/main" val="20008"/>
                     </a:ext>
                   </a:extLst>
                 </a:gridCol>
                 <a:gridCol w="970156">
                   <a:extLst>
                     <a:ext uri="{9D8B030D-6E8A-4147-A177-3AD203B41FA5}">
-                      <a16:colId xmlns:a16="http://schemas.microsoft.com/office/drawing/2014/main" val="20009"/>
+                      <a16:colId xmlns="" xmlns:a16="http://schemas.microsoft.com/office/drawing/2014/main" val="20009"/>
                     </a:ext>
                   </a:extLst>
                 </a:gridCol>
@@ -5618,7 +9860,7 @@
                     <a:p>
                       <a:pPr algn="l" fontAlgn="b"/>
                       <a:r>
-                        <a:rPr lang="en-US" sz="1800" u="none" strike="noStrike">
+                        <a:rPr lang="en-US" sz="1800" u="none" strike="noStrike" dirty="0">
                           <a:solidFill>
                             <a:schemeClr val="bg1"/>
                           </a:solidFill>
@@ -5627,7 +9869,7 @@
                         </a:rPr>
                         <a:t>3 Years Value</a:t>
                       </a:r>
-                      <a:endParaRPr lang="en-US" sz="1800" b="1" i="0" u="none" strike="noStrike">
+                      <a:endParaRPr lang="en-US" sz="1800" b="1" i="0" u="none" strike="noStrike" dirty="0">
                         <a:solidFill>
                           <a:schemeClr val="bg1"/>
                         </a:solidFill>
@@ -5877,7 +10119,7 @@
                 </a:tc>
                 <a:extLst>
                   <a:ext uri="{0D108BD9-81ED-4DB2-BD59-A6C34878D82A}">
-                    <a16:rowId xmlns:a16="http://schemas.microsoft.com/office/drawing/2014/main" val="10000"/>
+                    <a16:rowId xmlns="" xmlns:a16="http://schemas.microsoft.com/office/drawing/2014/main" val="10000"/>
                   </a:ext>
                 </a:extLst>
               </a:tr>
@@ -6124,7 +10366,7 @@
                 </a:tc>
                 <a:extLst>
                   <a:ext uri="{0D108BD9-81ED-4DB2-BD59-A6C34878D82A}">
-                    <a16:rowId xmlns:a16="http://schemas.microsoft.com/office/drawing/2014/main" val="10001"/>
+                    <a16:rowId xmlns="" xmlns:a16="http://schemas.microsoft.com/office/drawing/2014/main" val="10001"/>
                   </a:ext>
                 </a:extLst>
               </a:tr>
@@ -6371,7 +10613,7 @@
                 </a:tc>
                 <a:extLst>
                   <a:ext uri="{0D108BD9-81ED-4DB2-BD59-A6C34878D82A}">
-                    <a16:rowId xmlns:a16="http://schemas.microsoft.com/office/drawing/2014/main" val="10002"/>
+                    <a16:rowId xmlns="" xmlns:a16="http://schemas.microsoft.com/office/drawing/2014/main" val="10002"/>
                   </a:ext>
                 </a:extLst>
               </a:tr>
@@ -6618,7 +10860,7 @@
                 </a:tc>
                 <a:extLst>
                   <a:ext uri="{0D108BD9-81ED-4DB2-BD59-A6C34878D82A}">
-                    <a16:rowId xmlns:a16="http://schemas.microsoft.com/office/drawing/2014/main" val="10003"/>
+                    <a16:rowId xmlns="" xmlns:a16="http://schemas.microsoft.com/office/drawing/2014/main" val="10003"/>
                   </a:ext>
                 </a:extLst>
               </a:tr>
@@ -6865,7 +11107,7 @@
                 </a:tc>
                 <a:extLst>
                   <a:ext uri="{0D108BD9-81ED-4DB2-BD59-A6C34878D82A}">
-                    <a16:rowId xmlns:a16="http://schemas.microsoft.com/office/drawing/2014/main" val="10004"/>
+                    <a16:rowId xmlns="" xmlns:a16="http://schemas.microsoft.com/office/drawing/2014/main" val="10004"/>
                   </a:ext>
                 </a:extLst>
               </a:tr>
@@ -7112,7 +11354,7 @@
                 </a:tc>
                 <a:extLst>
                   <a:ext uri="{0D108BD9-81ED-4DB2-BD59-A6C34878D82A}">
-                    <a16:rowId xmlns:a16="http://schemas.microsoft.com/office/drawing/2014/main" val="10005"/>
+                    <a16:rowId xmlns="" xmlns:a16="http://schemas.microsoft.com/office/drawing/2014/main" val="10005"/>
                   </a:ext>
                 </a:extLst>
               </a:tr>
@@ -7241,7 +11483,7 @@
           <p:cNvPr id="11" name="Straight Connector 10">
             <a:extLst>
               <a:ext uri="{FF2B5EF4-FFF2-40B4-BE49-F238E27FC236}">
-                <a16:creationId xmlns:a16="http://schemas.microsoft.com/office/drawing/2014/main" id="{B817B4B8-5E01-4B44-BC25-876D56C12149}"/>
+                <a16:creationId xmlns="" xmlns:a16="http://schemas.microsoft.com/office/drawing/2014/main" id="{B817B4B8-5E01-4B44-BC25-876D56C12149}"/>
               </a:ext>
               <a:ext uri="{C183D7F6-B498-43B3-948B-1728B52AA6E4}">
                 <adec:decorative xmlns="" xmlns:adec="http://schemas.microsoft.com/office/drawing/2017/decorative" val="1"/>
@@ -7326,7 +11568,7 @@
           <p:cNvPr id="13" name="Straight Connector 12">
             <a:extLst>
               <a:ext uri="{FF2B5EF4-FFF2-40B4-BE49-F238E27FC236}">
-                <a16:creationId xmlns:a16="http://schemas.microsoft.com/office/drawing/2014/main" id="{D683D1A4-93E5-4A4D-B103-8223A220EB2B}"/>
+                <a16:creationId xmlns="" xmlns:a16="http://schemas.microsoft.com/office/drawing/2014/main" id="{D683D1A4-93E5-4A4D-B103-8223A220EB2B}"/>
               </a:ext>
               <a:ext uri="{C183D7F6-B498-43B3-948B-1728B52AA6E4}">
                 <adec:decorative xmlns="" xmlns:adec="http://schemas.microsoft.com/office/drawing/2017/decorative" val="1"/>
@@ -7381,7 +11623,7 @@
           <p:cNvPr id="15" name="Straight Connector 14">
             <a:extLst>
               <a:ext uri="{FF2B5EF4-FFF2-40B4-BE49-F238E27FC236}">
-                <a16:creationId xmlns:a16="http://schemas.microsoft.com/office/drawing/2014/main" id="{B0E8ABF4-C289-489E-BEFB-3077F9D9C773}"/>
+                <a16:creationId xmlns="" xmlns:a16="http://schemas.microsoft.com/office/drawing/2014/main" id="{B0E8ABF4-C289-489E-BEFB-3077F9D9C773}"/>
               </a:ext>
               <a:ext uri="{C183D7F6-B498-43B3-948B-1728B52AA6E4}">
                 <adec:decorative xmlns="" xmlns:adec="http://schemas.microsoft.com/office/drawing/2017/decorative" val="1"/>
@@ -7436,7 +11678,7 @@
           <p:cNvPr id="17" name="Straight Connector 16">
             <a:extLst>
               <a:ext uri="{FF2B5EF4-FFF2-40B4-BE49-F238E27FC236}">
-                <a16:creationId xmlns:a16="http://schemas.microsoft.com/office/drawing/2014/main" id="{7989CFA0-35DD-4943-B365-488C66B9B192}"/>
+                <a16:creationId xmlns="" xmlns:a16="http://schemas.microsoft.com/office/drawing/2014/main" id="{7989CFA0-35DD-4943-B365-488C66B9B192}"/>
               </a:ext>
               <a:ext uri="{C183D7F6-B498-43B3-948B-1728B52AA6E4}">
                 <adec:decorative xmlns="" xmlns:adec="http://schemas.microsoft.com/office/drawing/2017/decorative" val="1"/>
@@ -7491,7 +11733,7 @@
           <p:cNvPr id="19" name="Straight Connector 18">
             <a:extLst>
               <a:ext uri="{FF2B5EF4-FFF2-40B4-BE49-F238E27FC236}">
-                <a16:creationId xmlns:a16="http://schemas.microsoft.com/office/drawing/2014/main" id="{688AD040-1A2B-4FB4-A345-7B9F3E5ED9B0}"/>
+                <a16:creationId xmlns="" xmlns:a16="http://schemas.microsoft.com/office/drawing/2014/main" id="{688AD040-1A2B-4FB4-A345-7B9F3E5ED9B0}"/>
               </a:ext>
               <a:ext uri="{C183D7F6-B498-43B3-948B-1728B52AA6E4}">
                 <adec:decorative xmlns="" xmlns:adec="http://schemas.microsoft.com/office/drawing/2017/decorative" val="1"/>
@@ -7546,7 +11788,7 @@
           <p:cNvPr id="21" name="Straight Connector 20">
             <a:extLst>
               <a:ext uri="{FF2B5EF4-FFF2-40B4-BE49-F238E27FC236}">
-                <a16:creationId xmlns:a16="http://schemas.microsoft.com/office/drawing/2014/main" id="{823B704A-724B-41D6-8F33-76939E727D2A}"/>
+                <a16:creationId xmlns="" xmlns:a16="http://schemas.microsoft.com/office/drawing/2014/main" id="{823B704A-724B-41D6-8F33-76939E727D2A}"/>
               </a:ext>
               <a:ext uri="{C183D7F6-B498-43B3-948B-1728B52AA6E4}">
                 <adec:decorative xmlns="" xmlns:adec="http://schemas.microsoft.com/office/drawing/2017/decorative" val="1"/>
@@ -7995,6 +12237,89 @@
     <p:extLst>
       <p:ext uri="{BB962C8B-B14F-4D97-AF65-F5344CB8AC3E}">
         <p14:creationId xmlns:p14="http://schemas.microsoft.com/office/powerpoint/2010/main" val="1617328659"/>
+      </p:ext>
+    </p:extLst>
+  </p:cSld>
+  <p:clrMapOvr>
+    <a:masterClrMapping/>
+  </p:clrMapOvr>
+</p:sld>
+</file>
+
+<file path=ppt/slides/slide9.xml><?xml version="1.0" encoding="utf-8"?>
+<p:sld xmlns:a="http://schemas.openxmlformats.org/drawingml/2006/main" xmlns:r="http://schemas.openxmlformats.org/officeDocument/2006/relationships" xmlns:p="http://schemas.openxmlformats.org/presentationml/2006/main">
+  <p:cSld>
+    <p:spTree>
+      <p:nvGrpSpPr>
+        <p:cNvPr id="1" name=""/>
+        <p:cNvGrpSpPr/>
+        <p:nvPr/>
+      </p:nvGrpSpPr>
+      <p:grpSpPr>
+        <a:xfrm>
+          <a:off x="0" y="0"/>
+          <a:ext cx="0" cy="0"/>
+          <a:chOff x="0" y="0"/>
+          <a:chExt cx="0" cy="0"/>
+        </a:xfrm>
+      </p:grpSpPr>
+      <p:sp>
+        <p:nvSpPr>
+          <p:cNvPr id="2" name="Title 1"/>
+          <p:cNvSpPr>
+            <a:spLocks noGrp="1"/>
+          </p:cNvSpPr>
+          <p:nvPr>
+            <p:ph type="title"/>
+          </p:nvPr>
+        </p:nvSpPr>
+        <p:spPr>
+          <a:xfrm>
+            <a:off x="666750" y="393700"/>
+            <a:ext cx="10515600" cy="1325563"/>
+          </a:xfrm>
+        </p:spPr>
+        <p:txBody>
+          <a:bodyPr/>
+          <a:lstStyle/>
+          <a:p>
+            <a:r>
+              <a:rPr lang="en-US" dirty="0" smtClean="0"/>
+              <a:t>Project Workflow</a:t>
+            </a:r>
+            <a:endParaRPr lang="en-US" dirty="0"/>
+          </a:p>
+        </p:txBody>
+      </p:sp>
+      <p:graphicFrame>
+        <p:nvGraphicFramePr>
+          <p:cNvPr id="4" name="Content Placeholder 3"/>
+          <p:cNvGraphicFramePr>
+            <a:graphicFrameLocks noGrp="1"/>
+          </p:cNvGraphicFramePr>
+          <p:nvPr>
+            <p:ph idx="1"/>
+            <p:extLst>
+              <p:ext uri="{D42A27DB-BD31-4B8C-83A1-F6EECF244321}">
+                <p14:modId xmlns:p14="http://schemas.microsoft.com/office/powerpoint/2010/main" val="1159378512"/>
+              </p:ext>
+            </p:extLst>
+          </p:nvPr>
+        </p:nvGraphicFramePr>
+        <p:xfrm>
+          <a:off x="0" y="842963"/>
+          <a:ext cx="12192000" cy="5334000"/>
+        </p:xfrm>
+        <a:graphic>
+          <a:graphicData uri="http://schemas.openxmlformats.org/drawingml/2006/diagram">
+            <dgm:relIds xmlns:dgm="http://schemas.openxmlformats.org/drawingml/2006/diagram" xmlns:r="http://schemas.openxmlformats.org/officeDocument/2006/relationships" r:dm="rId2" r:lo="rId3" r:qs="rId4" r:cs="rId5"/>
+          </a:graphicData>
+        </a:graphic>
+      </p:graphicFrame>
+    </p:spTree>
+    <p:extLst>
+      <p:ext uri="{BB962C8B-B14F-4D97-AF65-F5344CB8AC3E}">
+        <p14:creationId xmlns:p14="http://schemas.microsoft.com/office/powerpoint/2010/main" val="1554256477"/>
       </p:ext>
     </p:extLst>
   </p:cSld>
